--- a/problemSet1/2-3_Tree_adjustmnts.pptx
+++ b/problemSet1/2-3_Tree_adjustmnts.pptx
@@ -1,21 +1,118 @@
 
 <file path=ppt/presentation.xml><?xml version="1.0" encoding="utf-8"?>
-<p:presentation xmlns:a="http://schemas.openxmlformats.org/drawingml/2006/main" xmlns:p="http://schemas.openxmlformats.org/presentationml/2006/main" xmlns:r="http://schemas.openxmlformats.org/officeDocument/2006/relationships">
+<p:presentation xmlns:a="http://schemas.openxmlformats.org/drawingml/2006/main" xmlns:r="http://schemas.openxmlformats.org/officeDocument/2006/relationships" xmlns:p="http://schemas.openxmlformats.org/presentationml/2006/main">
   <p:sldMasterIdLst>
-    <p:sldMasterId id="2147483648" r:id="rId2"/>
-    <p:sldMasterId id="2147483661" r:id="rId3"/>
+    <p:sldMasterId id="2147483648" r:id="rId1"/>
+    <p:sldMasterId id="2147483661" r:id="rId2"/>
   </p:sldMasterIdLst>
   <p:sldIdLst>
-    <p:sldId id="256" r:id="rId4"/>
-    <p:sldId id="257" r:id="rId5"/>
+    <p:sldId id="256" r:id="rId3"/>
+    <p:sldId id="257" r:id="rId4"/>
+    <p:sldId id="258" r:id="rId5"/>
+    <p:sldId id="259" r:id="rId6"/>
   </p:sldIdLst>
   <p:sldSz cx="12192000" cy="6858000"/>
   <p:notesSz cx="7772400" cy="10058400"/>
+  <p:defaultTextStyle>
+    <a:defPPr>
+      <a:defRPr lang="en-US"/>
+    </a:defPPr>
+    <a:lvl1pPr marL="0" algn="l" defTabSz="914400" rtl="0" eaLnBrk="1" latinLnBrk="0" hangingPunct="1">
+      <a:defRPr sz="1800" kern="1200">
+        <a:solidFill>
+          <a:schemeClr val="tx1"/>
+        </a:solidFill>
+        <a:latin typeface="+mn-lt"/>
+        <a:ea typeface="+mn-ea"/>
+        <a:cs typeface="+mn-cs"/>
+      </a:defRPr>
+    </a:lvl1pPr>
+    <a:lvl2pPr marL="457200" algn="l" defTabSz="914400" rtl="0" eaLnBrk="1" latinLnBrk="0" hangingPunct="1">
+      <a:defRPr sz="1800" kern="1200">
+        <a:solidFill>
+          <a:schemeClr val="tx1"/>
+        </a:solidFill>
+        <a:latin typeface="+mn-lt"/>
+        <a:ea typeface="+mn-ea"/>
+        <a:cs typeface="+mn-cs"/>
+      </a:defRPr>
+    </a:lvl2pPr>
+    <a:lvl3pPr marL="914400" algn="l" defTabSz="914400" rtl="0" eaLnBrk="1" latinLnBrk="0" hangingPunct="1">
+      <a:defRPr sz="1800" kern="1200">
+        <a:solidFill>
+          <a:schemeClr val="tx1"/>
+        </a:solidFill>
+        <a:latin typeface="+mn-lt"/>
+        <a:ea typeface="+mn-ea"/>
+        <a:cs typeface="+mn-cs"/>
+      </a:defRPr>
+    </a:lvl3pPr>
+    <a:lvl4pPr marL="1371600" algn="l" defTabSz="914400" rtl="0" eaLnBrk="1" latinLnBrk="0" hangingPunct="1">
+      <a:defRPr sz="1800" kern="1200">
+        <a:solidFill>
+          <a:schemeClr val="tx1"/>
+        </a:solidFill>
+        <a:latin typeface="+mn-lt"/>
+        <a:ea typeface="+mn-ea"/>
+        <a:cs typeface="+mn-cs"/>
+      </a:defRPr>
+    </a:lvl4pPr>
+    <a:lvl5pPr marL="1828800" algn="l" defTabSz="914400" rtl="0" eaLnBrk="1" latinLnBrk="0" hangingPunct="1">
+      <a:defRPr sz="1800" kern="1200">
+        <a:solidFill>
+          <a:schemeClr val="tx1"/>
+        </a:solidFill>
+        <a:latin typeface="+mn-lt"/>
+        <a:ea typeface="+mn-ea"/>
+        <a:cs typeface="+mn-cs"/>
+      </a:defRPr>
+    </a:lvl5pPr>
+    <a:lvl6pPr marL="2286000" algn="l" defTabSz="914400" rtl="0" eaLnBrk="1" latinLnBrk="0" hangingPunct="1">
+      <a:defRPr sz="1800" kern="1200">
+        <a:solidFill>
+          <a:schemeClr val="tx1"/>
+        </a:solidFill>
+        <a:latin typeface="+mn-lt"/>
+        <a:ea typeface="+mn-ea"/>
+        <a:cs typeface="+mn-cs"/>
+      </a:defRPr>
+    </a:lvl6pPr>
+    <a:lvl7pPr marL="2743200" algn="l" defTabSz="914400" rtl="0" eaLnBrk="1" latinLnBrk="0" hangingPunct="1">
+      <a:defRPr sz="1800" kern="1200">
+        <a:solidFill>
+          <a:schemeClr val="tx1"/>
+        </a:solidFill>
+        <a:latin typeface="+mn-lt"/>
+        <a:ea typeface="+mn-ea"/>
+        <a:cs typeface="+mn-cs"/>
+      </a:defRPr>
+    </a:lvl7pPr>
+    <a:lvl8pPr marL="3200400" algn="l" defTabSz="914400" rtl="0" eaLnBrk="1" latinLnBrk="0" hangingPunct="1">
+      <a:defRPr sz="1800" kern="1200">
+        <a:solidFill>
+          <a:schemeClr val="tx1"/>
+        </a:solidFill>
+        <a:latin typeface="+mn-lt"/>
+        <a:ea typeface="+mn-ea"/>
+        <a:cs typeface="+mn-cs"/>
+      </a:defRPr>
+    </a:lvl8pPr>
+    <a:lvl9pPr marL="3657600" algn="l" defTabSz="914400" rtl="0" eaLnBrk="1" latinLnBrk="0" hangingPunct="1">
+      <a:defRPr sz="1800" kern="1200">
+        <a:solidFill>
+          <a:schemeClr val="tx1"/>
+        </a:solidFill>
+        <a:latin typeface="+mn-lt"/>
+        <a:ea typeface="+mn-ea"/>
+        <a:cs typeface="+mn-cs"/>
+      </a:defRPr>
+    </a:lvl9pPr>
+  </p:defaultTextStyle>
 </p:presentation>
 </file>
 
 <file path=ppt/slideLayouts/slideLayout1.xml><?xml version="1.0" encoding="utf-8"?>
-<p:sldLayout xmlns:a="http://schemas.openxmlformats.org/drawingml/2006/main" xmlns:p="http://schemas.openxmlformats.org/presentationml/2006/main" xmlns:r="http://schemas.openxmlformats.org/officeDocument/2006/relationships" type="blank" preserve="1">
+<p:sldLayout xmlns:a="http://schemas.openxmlformats.org/drawingml/2006/main" xmlns:r="http://schemas.openxmlformats.org/officeDocument/2006/relationships" xmlns:p="http://schemas.openxmlformats.org/presentationml/2006/main" type="blank" preserve="1">
   <p:cSld name="Blank Slide">
     <p:spTree>
       <p:nvGrpSpPr>
@@ -33,11 +130,14 @@
       </p:grpSpPr>
     </p:spTree>
   </p:cSld>
+  <p:clrMapOvr>
+    <a:masterClrMapping/>
+  </p:clrMapOvr>
 </p:sldLayout>
 </file>
 
 <file path=ppt/slideLayouts/slideLayout10.xml><?xml version="1.0" encoding="utf-8"?>
-<p:sldLayout xmlns:a="http://schemas.openxmlformats.org/drawingml/2006/main" xmlns:p="http://schemas.openxmlformats.org/presentationml/2006/main" xmlns:r="http://schemas.openxmlformats.org/officeDocument/2006/relationships" type="objOverTx" preserve="1">
+<p:sldLayout xmlns:a="http://schemas.openxmlformats.org/drawingml/2006/main" xmlns:r="http://schemas.openxmlformats.org/officeDocument/2006/relationships" xmlns:p="http://schemas.openxmlformats.org/presentationml/2006/main" type="objOverTx" preserve="1">
   <p:cSld name="Title, Content over Content">
     <p:spTree>
       <p:nvGrpSpPr>
@@ -73,7 +173,8 @@
           </a:prstGeom>
         </p:spPr>
         <p:txBody>
-          <a:bodyPr lIns="0" rIns="0" tIns="0" bIns="0" anchor="ctr"/>
+          <a:bodyPr lIns="0" tIns="0" rIns="0" bIns="0" anchor="ctr"/>
+          <a:lstStyle/>
           <a:p>
             <a:endParaRPr/>
           </a:p>
@@ -99,7 +200,8 @@
           </a:prstGeom>
         </p:spPr>
         <p:txBody>
-          <a:bodyPr lIns="0" rIns="0" tIns="0" bIns="0"/>
+          <a:bodyPr lIns="0" tIns="0" rIns="0" bIns="0"/>
+          <a:lstStyle/>
           <a:p>
             <a:endParaRPr/>
           </a:p>
@@ -125,7 +227,8 @@
           </a:prstGeom>
         </p:spPr>
         <p:txBody>
-          <a:bodyPr lIns="0" rIns="0" tIns="0" bIns="0"/>
+          <a:bodyPr lIns="0" tIns="0" rIns="0" bIns="0"/>
+          <a:lstStyle/>
           <a:p>
             <a:endParaRPr/>
           </a:p>
@@ -133,11 +236,14 @@
       </p:sp>
     </p:spTree>
   </p:cSld>
+  <p:clrMapOvr>
+    <a:masterClrMapping/>
+  </p:clrMapOvr>
 </p:sldLayout>
 </file>
 
 <file path=ppt/slideLayouts/slideLayout11.xml><?xml version="1.0" encoding="utf-8"?>
-<p:sldLayout xmlns:a="http://schemas.openxmlformats.org/drawingml/2006/main" xmlns:p="http://schemas.openxmlformats.org/presentationml/2006/main" xmlns:r="http://schemas.openxmlformats.org/officeDocument/2006/relationships" type="fourObj" preserve="1">
+<p:sldLayout xmlns:a="http://schemas.openxmlformats.org/drawingml/2006/main" xmlns:r="http://schemas.openxmlformats.org/officeDocument/2006/relationships" xmlns:p="http://schemas.openxmlformats.org/presentationml/2006/main" type="fourObj" preserve="1">
   <p:cSld name="Title, 4 Content">
     <p:spTree>
       <p:nvGrpSpPr>
@@ -173,7 +279,8 @@
           </a:prstGeom>
         </p:spPr>
         <p:txBody>
-          <a:bodyPr lIns="0" rIns="0" tIns="0" bIns="0" anchor="ctr"/>
+          <a:bodyPr lIns="0" tIns="0" rIns="0" bIns="0" anchor="ctr"/>
+          <a:lstStyle/>
           <a:p>
             <a:endParaRPr/>
           </a:p>
@@ -199,7 +306,8 @@
           </a:prstGeom>
         </p:spPr>
         <p:txBody>
-          <a:bodyPr lIns="0" rIns="0" tIns="0" bIns="0"/>
+          <a:bodyPr lIns="0" tIns="0" rIns="0" bIns="0"/>
+          <a:lstStyle/>
           <a:p>
             <a:endParaRPr/>
           </a:p>
@@ -225,7 +333,8 @@
           </a:prstGeom>
         </p:spPr>
         <p:txBody>
-          <a:bodyPr lIns="0" rIns="0" tIns="0" bIns="0"/>
+          <a:bodyPr lIns="0" tIns="0" rIns="0" bIns="0"/>
+          <a:lstStyle/>
           <a:p>
             <a:endParaRPr/>
           </a:p>
@@ -251,7 +360,8 @@
           </a:prstGeom>
         </p:spPr>
         <p:txBody>
-          <a:bodyPr lIns="0" rIns="0" tIns="0" bIns="0"/>
+          <a:bodyPr lIns="0" tIns="0" rIns="0" bIns="0"/>
+          <a:lstStyle/>
           <a:p>
             <a:endParaRPr/>
           </a:p>
@@ -277,7 +387,8 @@
           </a:prstGeom>
         </p:spPr>
         <p:txBody>
-          <a:bodyPr lIns="0" rIns="0" tIns="0" bIns="0"/>
+          <a:bodyPr lIns="0" tIns="0" rIns="0" bIns="0"/>
+          <a:lstStyle/>
           <a:p>
             <a:endParaRPr/>
           </a:p>
@@ -285,11 +396,14 @@
       </p:sp>
     </p:spTree>
   </p:cSld>
+  <p:clrMapOvr>
+    <a:masterClrMapping/>
+  </p:clrMapOvr>
 </p:sldLayout>
 </file>
 
 <file path=ppt/slideLayouts/slideLayout12.xml><?xml version="1.0" encoding="utf-8"?>
-<p:sldLayout xmlns:a="http://schemas.openxmlformats.org/drawingml/2006/main" xmlns:p="http://schemas.openxmlformats.org/presentationml/2006/main" xmlns:r="http://schemas.openxmlformats.org/officeDocument/2006/relationships" type="blank" preserve="1">
+<p:sldLayout xmlns:a="http://schemas.openxmlformats.org/drawingml/2006/main" xmlns:r="http://schemas.openxmlformats.org/officeDocument/2006/relationships" xmlns:p="http://schemas.openxmlformats.org/presentationml/2006/main" type="blank" preserve="1">
   <p:cSld name="Title, 6 Content">
     <p:spTree>
       <p:nvGrpSpPr>
@@ -325,7 +439,8 @@
           </a:prstGeom>
         </p:spPr>
         <p:txBody>
-          <a:bodyPr lIns="0" rIns="0" tIns="0" bIns="0" anchor="ctr"/>
+          <a:bodyPr lIns="0" tIns="0" rIns="0" bIns="0" anchor="ctr"/>
+          <a:lstStyle/>
           <a:p>
             <a:endParaRPr/>
           </a:p>
@@ -351,7 +466,8 @@
           </a:prstGeom>
         </p:spPr>
         <p:txBody>
-          <a:bodyPr lIns="0" rIns="0" tIns="0" bIns="0"/>
+          <a:bodyPr lIns="0" tIns="0" rIns="0" bIns="0"/>
+          <a:lstStyle/>
           <a:p>
             <a:endParaRPr/>
           </a:p>
@@ -377,7 +493,8 @@
           </a:prstGeom>
         </p:spPr>
         <p:txBody>
-          <a:bodyPr lIns="0" rIns="0" tIns="0" bIns="0"/>
+          <a:bodyPr lIns="0" tIns="0" rIns="0" bIns="0"/>
+          <a:lstStyle/>
           <a:p>
             <a:endParaRPr/>
           </a:p>
@@ -385,7 +502,7 @@
       </p:sp>
       <p:pic>
         <p:nvPicPr>
-          <p:cNvPr id="37" name="" descr=""/>
+          <p:cNvPr id="37" name="Picture 36"/>
           <p:cNvPicPr/>
           <p:nvPr/>
         </p:nvPicPr>
@@ -410,12 +527,12 @@
       </p:pic>
       <p:pic>
         <p:nvPicPr>
-          <p:cNvPr id="38" name="" descr=""/>
+          <p:cNvPr id="38" name="Picture 37"/>
           <p:cNvPicPr/>
           <p:nvPr/>
         </p:nvPicPr>
         <p:blipFill>
-          <a:blip r:embed="rId3"/>
+          <a:blip r:embed="rId2"/>
           <a:stretch>
             <a:fillRect/>
           </a:stretch>
@@ -435,11 +552,14 @@
       </p:pic>
     </p:spTree>
   </p:cSld>
+  <p:clrMapOvr>
+    <a:masterClrMapping/>
+  </p:clrMapOvr>
 </p:sldLayout>
 </file>
 
 <file path=ppt/slideLayouts/slideLayout13.xml><?xml version="1.0" encoding="utf-8"?>
-<p:sldLayout xmlns:a="http://schemas.openxmlformats.org/drawingml/2006/main" xmlns:p="http://schemas.openxmlformats.org/presentationml/2006/main" xmlns:r="http://schemas.openxmlformats.org/officeDocument/2006/relationships" type="blank" preserve="1">
+<p:sldLayout xmlns:a="http://schemas.openxmlformats.org/drawingml/2006/main" xmlns:r="http://schemas.openxmlformats.org/officeDocument/2006/relationships" xmlns:p="http://schemas.openxmlformats.org/presentationml/2006/main" type="blank" preserve="1">
   <p:cSld name="Blank Slide">
     <p:spTree>
       <p:nvGrpSpPr>
@@ -457,11 +577,14 @@
       </p:grpSpPr>
     </p:spTree>
   </p:cSld>
+  <p:clrMapOvr>
+    <a:masterClrMapping/>
+  </p:clrMapOvr>
 </p:sldLayout>
 </file>
 
 <file path=ppt/slideLayouts/slideLayout14.xml><?xml version="1.0" encoding="utf-8"?>
-<p:sldLayout xmlns:a="http://schemas.openxmlformats.org/drawingml/2006/main" xmlns:p="http://schemas.openxmlformats.org/presentationml/2006/main" xmlns:r="http://schemas.openxmlformats.org/officeDocument/2006/relationships" type="tx" preserve="1">
+<p:sldLayout xmlns:a="http://schemas.openxmlformats.org/drawingml/2006/main" xmlns:r="http://schemas.openxmlformats.org/officeDocument/2006/relationships" xmlns:p="http://schemas.openxmlformats.org/presentationml/2006/main" type="tx" preserve="1">
   <p:cSld name="Title Slide">
     <p:spTree>
       <p:nvGrpSpPr>
@@ -497,7 +620,8 @@
           </a:prstGeom>
         </p:spPr>
         <p:txBody>
-          <a:bodyPr lIns="0" rIns="0" tIns="0" bIns="0" anchor="ctr"/>
+          <a:bodyPr lIns="0" tIns="0" rIns="0" bIns="0" anchor="ctr"/>
+          <a:lstStyle/>
           <a:p>
             <a:endParaRPr/>
           </a:p>
@@ -523,7 +647,8 @@
           </a:prstGeom>
         </p:spPr>
         <p:txBody>
-          <a:bodyPr lIns="0" rIns="0" tIns="0" bIns="0" anchor="ctr"/>
+          <a:bodyPr lIns="0" tIns="0" rIns="0" bIns="0" anchor="ctr"/>
+          <a:lstStyle/>
           <a:p>
             <a:pPr algn="ctr"/>
             <a:endParaRPr/>
@@ -532,11 +657,14 @@
       </p:sp>
     </p:spTree>
   </p:cSld>
+  <p:clrMapOvr>
+    <a:masterClrMapping/>
+  </p:clrMapOvr>
 </p:sldLayout>
 </file>
 
 <file path=ppt/slideLayouts/slideLayout15.xml><?xml version="1.0" encoding="utf-8"?>
-<p:sldLayout xmlns:a="http://schemas.openxmlformats.org/drawingml/2006/main" xmlns:p="http://schemas.openxmlformats.org/presentationml/2006/main" xmlns:r="http://schemas.openxmlformats.org/officeDocument/2006/relationships" type="obj" preserve="1">
+<p:sldLayout xmlns:a="http://schemas.openxmlformats.org/drawingml/2006/main" xmlns:r="http://schemas.openxmlformats.org/officeDocument/2006/relationships" xmlns:p="http://schemas.openxmlformats.org/presentationml/2006/main" type="obj" preserve="1">
   <p:cSld name="Title, Content">
     <p:spTree>
       <p:nvGrpSpPr>
@@ -572,7 +700,8 @@
           </a:prstGeom>
         </p:spPr>
         <p:txBody>
-          <a:bodyPr lIns="0" rIns="0" tIns="0" bIns="0" anchor="ctr"/>
+          <a:bodyPr lIns="0" tIns="0" rIns="0" bIns="0" anchor="ctr"/>
+          <a:lstStyle/>
           <a:p>
             <a:endParaRPr/>
           </a:p>
@@ -598,7 +727,8 @@
           </a:prstGeom>
         </p:spPr>
         <p:txBody>
-          <a:bodyPr lIns="0" rIns="0" tIns="0" bIns="0"/>
+          <a:bodyPr lIns="0" tIns="0" rIns="0" bIns="0"/>
+          <a:lstStyle/>
           <a:p>
             <a:endParaRPr/>
           </a:p>
@@ -606,11 +736,14 @@
       </p:sp>
     </p:spTree>
   </p:cSld>
+  <p:clrMapOvr>
+    <a:masterClrMapping/>
+  </p:clrMapOvr>
 </p:sldLayout>
 </file>
 
 <file path=ppt/slideLayouts/slideLayout16.xml><?xml version="1.0" encoding="utf-8"?>
-<p:sldLayout xmlns:a="http://schemas.openxmlformats.org/drawingml/2006/main" xmlns:p="http://schemas.openxmlformats.org/presentationml/2006/main" xmlns:r="http://schemas.openxmlformats.org/officeDocument/2006/relationships" type="twoObj" preserve="1">
+<p:sldLayout xmlns:a="http://schemas.openxmlformats.org/drawingml/2006/main" xmlns:r="http://schemas.openxmlformats.org/officeDocument/2006/relationships" xmlns:p="http://schemas.openxmlformats.org/presentationml/2006/main" type="twoObj" preserve="1">
   <p:cSld name="Title, 2 Content">
     <p:spTree>
       <p:nvGrpSpPr>
@@ -646,7 +779,8 @@
           </a:prstGeom>
         </p:spPr>
         <p:txBody>
-          <a:bodyPr lIns="0" rIns="0" tIns="0" bIns="0" anchor="ctr"/>
+          <a:bodyPr lIns="0" tIns="0" rIns="0" bIns="0" anchor="ctr"/>
+          <a:lstStyle/>
           <a:p>
             <a:endParaRPr/>
           </a:p>
@@ -672,7 +806,8 @@
           </a:prstGeom>
         </p:spPr>
         <p:txBody>
-          <a:bodyPr lIns="0" rIns="0" tIns="0" bIns="0"/>
+          <a:bodyPr lIns="0" tIns="0" rIns="0" bIns="0"/>
+          <a:lstStyle/>
           <a:p>
             <a:endParaRPr/>
           </a:p>
@@ -698,7 +833,8 @@
           </a:prstGeom>
         </p:spPr>
         <p:txBody>
-          <a:bodyPr lIns="0" rIns="0" tIns="0" bIns="0"/>
+          <a:bodyPr lIns="0" tIns="0" rIns="0" bIns="0"/>
+          <a:lstStyle/>
           <a:p>
             <a:endParaRPr/>
           </a:p>
@@ -706,11 +842,14 @@
       </p:sp>
     </p:spTree>
   </p:cSld>
+  <p:clrMapOvr>
+    <a:masterClrMapping/>
+  </p:clrMapOvr>
 </p:sldLayout>
 </file>
 
 <file path=ppt/slideLayouts/slideLayout17.xml><?xml version="1.0" encoding="utf-8"?>
-<p:sldLayout xmlns:a="http://schemas.openxmlformats.org/drawingml/2006/main" xmlns:p="http://schemas.openxmlformats.org/presentationml/2006/main" xmlns:r="http://schemas.openxmlformats.org/officeDocument/2006/relationships" type="titleOnly" preserve="1">
+<p:sldLayout xmlns:a="http://schemas.openxmlformats.org/drawingml/2006/main" xmlns:r="http://schemas.openxmlformats.org/officeDocument/2006/relationships" xmlns:p="http://schemas.openxmlformats.org/presentationml/2006/main" type="titleOnly" preserve="1">
   <p:cSld name="Title Only">
     <p:spTree>
       <p:nvGrpSpPr>
@@ -746,7 +885,8 @@
           </a:prstGeom>
         </p:spPr>
         <p:txBody>
-          <a:bodyPr lIns="0" rIns="0" tIns="0" bIns="0" anchor="ctr"/>
+          <a:bodyPr lIns="0" tIns="0" rIns="0" bIns="0" anchor="ctr"/>
+          <a:lstStyle/>
           <a:p>
             <a:endParaRPr/>
           </a:p>
@@ -754,11 +894,14 @@
       </p:sp>
     </p:spTree>
   </p:cSld>
+  <p:clrMapOvr>
+    <a:masterClrMapping/>
+  </p:clrMapOvr>
 </p:sldLayout>
 </file>
 
 <file path=ppt/slideLayouts/slideLayout18.xml><?xml version="1.0" encoding="utf-8"?>
-<p:sldLayout xmlns:a="http://schemas.openxmlformats.org/drawingml/2006/main" xmlns:p="http://schemas.openxmlformats.org/presentationml/2006/main" xmlns:r="http://schemas.openxmlformats.org/officeDocument/2006/relationships" type="objOnly" preserve="1">
+<p:sldLayout xmlns:a="http://schemas.openxmlformats.org/drawingml/2006/main" xmlns:r="http://schemas.openxmlformats.org/officeDocument/2006/relationships" xmlns:p="http://schemas.openxmlformats.org/presentationml/2006/main" type="objOnly" preserve="1">
   <p:cSld name="Centered Text">
     <p:spTree>
       <p:nvGrpSpPr>
@@ -794,7 +937,8 @@
           </a:prstGeom>
         </p:spPr>
         <p:txBody>
-          <a:bodyPr lIns="0" rIns="0" tIns="0" bIns="0" anchor="ctr"/>
+          <a:bodyPr lIns="0" tIns="0" rIns="0" bIns="0" anchor="ctr"/>
+          <a:lstStyle/>
           <a:p>
             <a:pPr algn="ctr"/>
             <a:endParaRPr/>
@@ -803,11 +947,14 @@
       </p:sp>
     </p:spTree>
   </p:cSld>
+  <p:clrMapOvr>
+    <a:masterClrMapping/>
+  </p:clrMapOvr>
 </p:sldLayout>
 </file>
 
 <file path=ppt/slideLayouts/slideLayout19.xml><?xml version="1.0" encoding="utf-8"?>
-<p:sldLayout xmlns:a="http://schemas.openxmlformats.org/drawingml/2006/main" xmlns:p="http://schemas.openxmlformats.org/presentationml/2006/main" xmlns:r="http://schemas.openxmlformats.org/officeDocument/2006/relationships" type="twoObjAndObj" preserve="1">
+<p:sldLayout xmlns:a="http://schemas.openxmlformats.org/drawingml/2006/main" xmlns:r="http://schemas.openxmlformats.org/officeDocument/2006/relationships" xmlns:p="http://schemas.openxmlformats.org/presentationml/2006/main" type="twoObjAndObj" preserve="1">
   <p:cSld name="Title, 2 Content and Content">
     <p:spTree>
       <p:nvGrpSpPr>
@@ -843,7 +990,8 @@
           </a:prstGeom>
         </p:spPr>
         <p:txBody>
-          <a:bodyPr lIns="0" rIns="0" tIns="0" bIns="0" anchor="ctr"/>
+          <a:bodyPr lIns="0" tIns="0" rIns="0" bIns="0" anchor="ctr"/>
+          <a:lstStyle/>
           <a:p>
             <a:endParaRPr/>
           </a:p>
@@ -869,7 +1017,8 @@
           </a:prstGeom>
         </p:spPr>
         <p:txBody>
-          <a:bodyPr lIns="0" rIns="0" tIns="0" bIns="0"/>
+          <a:bodyPr lIns="0" tIns="0" rIns="0" bIns="0"/>
+          <a:lstStyle/>
           <a:p>
             <a:endParaRPr/>
           </a:p>
@@ -895,7 +1044,8 @@
           </a:prstGeom>
         </p:spPr>
         <p:txBody>
-          <a:bodyPr lIns="0" rIns="0" tIns="0" bIns="0"/>
+          <a:bodyPr lIns="0" tIns="0" rIns="0" bIns="0"/>
+          <a:lstStyle/>
           <a:p>
             <a:endParaRPr/>
           </a:p>
@@ -921,7 +1071,8 @@
           </a:prstGeom>
         </p:spPr>
         <p:txBody>
-          <a:bodyPr lIns="0" rIns="0" tIns="0" bIns="0"/>
+          <a:bodyPr lIns="0" tIns="0" rIns="0" bIns="0"/>
+          <a:lstStyle/>
           <a:p>
             <a:endParaRPr/>
           </a:p>
@@ -929,11 +1080,14 @@
       </p:sp>
     </p:spTree>
   </p:cSld>
+  <p:clrMapOvr>
+    <a:masterClrMapping/>
+  </p:clrMapOvr>
 </p:sldLayout>
 </file>
 
 <file path=ppt/slideLayouts/slideLayout2.xml><?xml version="1.0" encoding="utf-8"?>
-<p:sldLayout xmlns:a="http://schemas.openxmlformats.org/drawingml/2006/main" xmlns:p="http://schemas.openxmlformats.org/presentationml/2006/main" xmlns:r="http://schemas.openxmlformats.org/officeDocument/2006/relationships" type="tx" preserve="1">
+<p:sldLayout xmlns:a="http://schemas.openxmlformats.org/drawingml/2006/main" xmlns:r="http://schemas.openxmlformats.org/officeDocument/2006/relationships" xmlns:p="http://schemas.openxmlformats.org/presentationml/2006/main" type="tx" preserve="1">
   <p:cSld name="Title Slide">
     <p:spTree>
       <p:nvGrpSpPr>
@@ -969,7 +1123,8 @@
           </a:prstGeom>
         </p:spPr>
         <p:txBody>
-          <a:bodyPr lIns="0" rIns="0" tIns="0" bIns="0" anchor="ctr"/>
+          <a:bodyPr lIns="0" tIns="0" rIns="0" bIns="0" anchor="ctr"/>
+          <a:lstStyle/>
           <a:p>
             <a:endParaRPr/>
           </a:p>
@@ -995,7 +1150,8 @@
           </a:prstGeom>
         </p:spPr>
         <p:txBody>
-          <a:bodyPr lIns="0" rIns="0" tIns="0" bIns="0" anchor="ctr"/>
+          <a:bodyPr lIns="0" tIns="0" rIns="0" bIns="0" anchor="ctr"/>
+          <a:lstStyle/>
           <a:p>
             <a:pPr algn="ctr"/>
             <a:endParaRPr/>
@@ -1004,11 +1160,14 @@
       </p:sp>
     </p:spTree>
   </p:cSld>
+  <p:clrMapOvr>
+    <a:masterClrMapping/>
+  </p:clrMapOvr>
 </p:sldLayout>
 </file>
 
 <file path=ppt/slideLayouts/slideLayout20.xml><?xml version="1.0" encoding="utf-8"?>
-<p:sldLayout xmlns:a="http://schemas.openxmlformats.org/drawingml/2006/main" xmlns:p="http://schemas.openxmlformats.org/presentationml/2006/main" xmlns:r="http://schemas.openxmlformats.org/officeDocument/2006/relationships" type="objAndTwoObj" preserve="1">
+<p:sldLayout xmlns:a="http://schemas.openxmlformats.org/drawingml/2006/main" xmlns:r="http://schemas.openxmlformats.org/officeDocument/2006/relationships" xmlns:p="http://schemas.openxmlformats.org/presentationml/2006/main" type="objAndTwoObj" preserve="1">
   <p:cSld name="Title Content and 2 Content">
     <p:spTree>
       <p:nvGrpSpPr>
@@ -1044,7 +1203,8 @@
           </a:prstGeom>
         </p:spPr>
         <p:txBody>
-          <a:bodyPr lIns="0" rIns="0" tIns="0" bIns="0" anchor="ctr"/>
+          <a:bodyPr lIns="0" tIns="0" rIns="0" bIns="0" anchor="ctr"/>
+          <a:lstStyle/>
           <a:p>
             <a:endParaRPr/>
           </a:p>
@@ -1070,7 +1230,8 @@
           </a:prstGeom>
         </p:spPr>
         <p:txBody>
-          <a:bodyPr lIns="0" rIns="0" tIns="0" bIns="0"/>
+          <a:bodyPr lIns="0" tIns="0" rIns="0" bIns="0"/>
+          <a:lstStyle/>
           <a:p>
             <a:endParaRPr/>
           </a:p>
@@ -1096,7 +1257,8 @@
           </a:prstGeom>
         </p:spPr>
         <p:txBody>
-          <a:bodyPr lIns="0" rIns="0" tIns="0" bIns="0"/>
+          <a:bodyPr lIns="0" tIns="0" rIns="0" bIns="0"/>
+          <a:lstStyle/>
           <a:p>
             <a:endParaRPr/>
           </a:p>
@@ -1122,7 +1284,8 @@
           </a:prstGeom>
         </p:spPr>
         <p:txBody>
-          <a:bodyPr lIns="0" rIns="0" tIns="0" bIns="0"/>
+          <a:bodyPr lIns="0" tIns="0" rIns="0" bIns="0"/>
+          <a:lstStyle/>
           <a:p>
             <a:endParaRPr/>
           </a:p>
@@ -1130,11 +1293,14 @@
       </p:sp>
     </p:spTree>
   </p:cSld>
+  <p:clrMapOvr>
+    <a:masterClrMapping/>
+  </p:clrMapOvr>
 </p:sldLayout>
 </file>
 
 <file path=ppt/slideLayouts/slideLayout21.xml><?xml version="1.0" encoding="utf-8"?>
-<p:sldLayout xmlns:a="http://schemas.openxmlformats.org/drawingml/2006/main" xmlns:p="http://schemas.openxmlformats.org/presentationml/2006/main" xmlns:r="http://schemas.openxmlformats.org/officeDocument/2006/relationships" type="twoObjOverTx" preserve="1">
+<p:sldLayout xmlns:a="http://schemas.openxmlformats.org/drawingml/2006/main" xmlns:r="http://schemas.openxmlformats.org/officeDocument/2006/relationships" xmlns:p="http://schemas.openxmlformats.org/presentationml/2006/main" type="twoObjOverTx" preserve="1">
   <p:cSld name="Title, 2 Content over Content">
     <p:spTree>
       <p:nvGrpSpPr>
@@ -1170,7 +1336,8 @@
           </a:prstGeom>
         </p:spPr>
         <p:txBody>
-          <a:bodyPr lIns="0" rIns="0" tIns="0" bIns="0" anchor="ctr"/>
+          <a:bodyPr lIns="0" tIns="0" rIns="0" bIns="0" anchor="ctr"/>
+          <a:lstStyle/>
           <a:p>
             <a:endParaRPr/>
           </a:p>
@@ -1196,7 +1363,8 @@
           </a:prstGeom>
         </p:spPr>
         <p:txBody>
-          <a:bodyPr lIns="0" rIns="0" tIns="0" bIns="0"/>
+          <a:bodyPr lIns="0" tIns="0" rIns="0" bIns="0"/>
+          <a:lstStyle/>
           <a:p>
             <a:endParaRPr/>
           </a:p>
@@ -1222,7 +1390,8 @@
           </a:prstGeom>
         </p:spPr>
         <p:txBody>
-          <a:bodyPr lIns="0" rIns="0" tIns="0" bIns="0"/>
+          <a:bodyPr lIns="0" tIns="0" rIns="0" bIns="0"/>
+          <a:lstStyle/>
           <a:p>
             <a:endParaRPr/>
           </a:p>
@@ -1248,7 +1417,8 @@
           </a:prstGeom>
         </p:spPr>
         <p:txBody>
-          <a:bodyPr lIns="0" rIns="0" tIns="0" bIns="0"/>
+          <a:bodyPr lIns="0" tIns="0" rIns="0" bIns="0"/>
+          <a:lstStyle/>
           <a:p>
             <a:endParaRPr/>
           </a:p>
@@ -1256,11 +1426,14 @@
       </p:sp>
     </p:spTree>
   </p:cSld>
+  <p:clrMapOvr>
+    <a:masterClrMapping/>
+  </p:clrMapOvr>
 </p:sldLayout>
 </file>
 
 <file path=ppt/slideLayouts/slideLayout22.xml><?xml version="1.0" encoding="utf-8"?>
-<p:sldLayout xmlns:a="http://schemas.openxmlformats.org/drawingml/2006/main" xmlns:p="http://schemas.openxmlformats.org/presentationml/2006/main" xmlns:r="http://schemas.openxmlformats.org/officeDocument/2006/relationships" type="objOverTx" preserve="1">
+<p:sldLayout xmlns:a="http://schemas.openxmlformats.org/drawingml/2006/main" xmlns:r="http://schemas.openxmlformats.org/officeDocument/2006/relationships" xmlns:p="http://schemas.openxmlformats.org/presentationml/2006/main" type="objOverTx" preserve="1">
   <p:cSld name="Title, Content over Content">
     <p:spTree>
       <p:nvGrpSpPr>
@@ -1296,7 +1469,8 @@
           </a:prstGeom>
         </p:spPr>
         <p:txBody>
-          <a:bodyPr lIns="0" rIns="0" tIns="0" bIns="0" anchor="ctr"/>
+          <a:bodyPr lIns="0" tIns="0" rIns="0" bIns="0" anchor="ctr"/>
+          <a:lstStyle/>
           <a:p>
             <a:endParaRPr/>
           </a:p>
@@ -1322,7 +1496,8 @@
           </a:prstGeom>
         </p:spPr>
         <p:txBody>
-          <a:bodyPr lIns="0" rIns="0" tIns="0" bIns="0"/>
+          <a:bodyPr lIns="0" tIns="0" rIns="0" bIns="0"/>
+          <a:lstStyle/>
           <a:p>
             <a:endParaRPr/>
           </a:p>
@@ -1348,7 +1523,8 @@
           </a:prstGeom>
         </p:spPr>
         <p:txBody>
-          <a:bodyPr lIns="0" rIns="0" tIns="0" bIns="0"/>
+          <a:bodyPr lIns="0" tIns="0" rIns="0" bIns="0"/>
+          <a:lstStyle/>
           <a:p>
             <a:endParaRPr/>
           </a:p>
@@ -1356,11 +1532,14 @@
       </p:sp>
     </p:spTree>
   </p:cSld>
+  <p:clrMapOvr>
+    <a:masterClrMapping/>
+  </p:clrMapOvr>
 </p:sldLayout>
 </file>
 
 <file path=ppt/slideLayouts/slideLayout23.xml><?xml version="1.0" encoding="utf-8"?>
-<p:sldLayout xmlns:a="http://schemas.openxmlformats.org/drawingml/2006/main" xmlns:p="http://schemas.openxmlformats.org/presentationml/2006/main" xmlns:r="http://schemas.openxmlformats.org/officeDocument/2006/relationships" type="fourObj" preserve="1">
+<p:sldLayout xmlns:a="http://schemas.openxmlformats.org/drawingml/2006/main" xmlns:r="http://schemas.openxmlformats.org/officeDocument/2006/relationships" xmlns:p="http://schemas.openxmlformats.org/presentationml/2006/main" type="fourObj" preserve="1">
   <p:cSld name="Title, 4 Content">
     <p:spTree>
       <p:nvGrpSpPr>
@@ -1396,7 +1575,8 @@
           </a:prstGeom>
         </p:spPr>
         <p:txBody>
-          <a:bodyPr lIns="0" rIns="0" tIns="0" bIns="0" anchor="ctr"/>
+          <a:bodyPr lIns="0" tIns="0" rIns="0" bIns="0" anchor="ctr"/>
+          <a:lstStyle/>
           <a:p>
             <a:endParaRPr/>
           </a:p>
@@ -1422,7 +1602,8 @@
           </a:prstGeom>
         </p:spPr>
         <p:txBody>
-          <a:bodyPr lIns="0" rIns="0" tIns="0" bIns="0"/>
+          <a:bodyPr lIns="0" tIns="0" rIns="0" bIns="0"/>
+          <a:lstStyle/>
           <a:p>
             <a:endParaRPr/>
           </a:p>
@@ -1448,7 +1629,8 @@
           </a:prstGeom>
         </p:spPr>
         <p:txBody>
-          <a:bodyPr lIns="0" rIns="0" tIns="0" bIns="0"/>
+          <a:bodyPr lIns="0" tIns="0" rIns="0" bIns="0"/>
+          <a:lstStyle/>
           <a:p>
             <a:endParaRPr/>
           </a:p>
@@ -1474,7 +1656,8 @@
           </a:prstGeom>
         </p:spPr>
         <p:txBody>
-          <a:bodyPr lIns="0" rIns="0" tIns="0" bIns="0"/>
+          <a:bodyPr lIns="0" tIns="0" rIns="0" bIns="0"/>
+          <a:lstStyle/>
           <a:p>
             <a:endParaRPr/>
           </a:p>
@@ -1500,7 +1683,8 @@
           </a:prstGeom>
         </p:spPr>
         <p:txBody>
-          <a:bodyPr lIns="0" rIns="0" tIns="0" bIns="0"/>
+          <a:bodyPr lIns="0" tIns="0" rIns="0" bIns="0"/>
+          <a:lstStyle/>
           <a:p>
             <a:endParaRPr/>
           </a:p>
@@ -1508,11 +1692,14 @@
       </p:sp>
     </p:spTree>
   </p:cSld>
+  <p:clrMapOvr>
+    <a:masterClrMapping/>
+  </p:clrMapOvr>
 </p:sldLayout>
 </file>
 
 <file path=ppt/slideLayouts/slideLayout24.xml><?xml version="1.0" encoding="utf-8"?>
-<p:sldLayout xmlns:a="http://schemas.openxmlformats.org/drawingml/2006/main" xmlns:p="http://schemas.openxmlformats.org/presentationml/2006/main" xmlns:r="http://schemas.openxmlformats.org/officeDocument/2006/relationships" type="blank" preserve="1">
+<p:sldLayout xmlns:a="http://schemas.openxmlformats.org/drawingml/2006/main" xmlns:r="http://schemas.openxmlformats.org/officeDocument/2006/relationships" xmlns:p="http://schemas.openxmlformats.org/presentationml/2006/main" type="blank" preserve="1">
   <p:cSld name="Title, 6 Content">
     <p:spTree>
       <p:nvGrpSpPr>
@@ -1548,7 +1735,8 @@
           </a:prstGeom>
         </p:spPr>
         <p:txBody>
-          <a:bodyPr lIns="0" rIns="0" tIns="0" bIns="0" anchor="ctr"/>
+          <a:bodyPr lIns="0" tIns="0" rIns="0" bIns="0" anchor="ctr"/>
+          <a:lstStyle/>
           <a:p>
             <a:endParaRPr/>
           </a:p>
@@ -1574,7 +1762,8 @@
           </a:prstGeom>
         </p:spPr>
         <p:txBody>
-          <a:bodyPr lIns="0" rIns="0" tIns="0" bIns="0"/>
+          <a:bodyPr lIns="0" tIns="0" rIns="0" bIns="0"/>
+          <a:lstStyle/>
           <a:p>
             <a:endParaRPr/>
           </a:p>
@@ -1600,7 +1789,8 @@
           </a:prstGeom>
         </p:spPr>
         <p:txBody>
-          <a:bodyPr lIns="0" rIns="0" tIns="0" bIns="0"/>
+          <a:bodyPr lIns="0" tIns="0" rIns="0" bIns="0"/>
+          <a:lstStyle/>
           <a:p>
             <a:endParaRPr/>
           </a:p>
@@ -1608,7 +1798,7 @@
       </p:sp>
       <p:pic>
         <p:nvPicPr>
-          <p:cNvPr id="76" name="" descr=""/>
+          <p:cNvPr id="76" name="Picture 75"/>
           <p:cNvPicPr/>
           <p:nvPr/>
         </p:nvPicPr>
@@ -1633,12 +1823,12 @@
       </p:pic>
       <p:pic>
         <p:nvPicPr>
-          <p:cNvPr id="77" name="" descr=""/>
+          <p:cNvPr id="77" name="Picture 76"/>
           <p:cNvPicPr/>
           <p:nvPr/>
         </p:nvPicPr>
         <p:blipFill>
-          <a:blip r:embed="rId3"/>
+          <a:blip r:embed="rId2"/>
           <a:stretch>
             <a:fillRect/>
           </a:stretch>
@@ -1658,11 +1848,14 @@
       </p:pic>
     </p:spTree>
   </p:cSld>
+  <p:clrMapOvr>
+    <a:masterClrMapping/>
+  </p:clrMapOvr>
 </p:sldLayout>
 </file>
 
 <file path=ppt/slideLayouts/slideLayout3.xml><?xml version="1.0" encoding="utf-8"?>
-<p:sldLayout xmlns:a="http://schemas.openxmlformats.org/drawingml/2006/main" xmlns:p="http://schemas.openxmlformats.org/presentationml/2006/main" xmlns:r="http://schemas.openxmlformats.org/officeDocument/2006/relationships" type="obj" preserve="1">
+<p:sldLayout xmlns:a="http://schemas.openxmlformats.org/drawingml/2006/main" xmlns:r="http://schemas.openxmlformats.org/officeDocument/2006/relationships" xmlns:p="http://schemas.openxmlformats.org/presentationml/2006/main" type="obj" preserve="1">
   <p:cSld name="Title, Content">
     <p:spTree>
       <p:nvGrpSpPr>
@@ -1698,7 +1891,8 @@
           </a:prstGeom>
         </p:spPr>
         <p:txBody>
-          <a:bodyPr lIns="0" rIns="0" tIns="0" bIns="0" anchor="ctr"/>
+          <a:bodyPr lIns="0" tIns="0" rIns="0" bIns="0" anchor="ctr"/>
+          <a:lstStyle/>
           <a:p>
             <a:endParaRPr/>
           </a:p>
@@ -1724,7 +1918,8 @@
           </a:prstGeom>
         </p:spPr>
         <p:txBody>
-          <a:bodyPr lIns="0" rIns="0" tIns="0" bIns="0"/>
+          <a:bodyPr lIns="0" tIns="0" rIns="0" bIns="0"/>
+          <a:lstStyle/>
           <a:p>
             <a:endParaRPr/>
           </a:p>
@@ -1732,11 +1927,14 @@
       </p:sp>
     </p:spTree>
   </p:cSld>
+  <p:clrMapOvr>
+    <a:masterClrMapping/>
+  </p:clrMapOvr>
 </p:sldLayout>
 </file>
 
 <file path=ppt/slideLayouts/slideLayout4.xml><?xml version="1.0" encoding="utf-8"?>
-<p:sldLayout xmlns:a="http://schemas.openxmlformats.org/drawingml/2006/main" xmlns:p="http://schemas.openxmlformats.org/presentationml/2006/main" xmlns:r="http://schemas.openxmlformats.org/officeDocument/2006/relationships" type="twoObj" preserve="1">
+<p:sldLayout xmlns:a="http://schemas.openxmlformats.org/drawingml/2006/main" xmlns:r="http://schemas.openxmlformats.org/officeDocument/2006/relationships" xmlns:p="http://schemas.openxmlformats.org/presentationml/2006/main" type="twoObj" preserve="1">
   <p:cSld name="Title, 2 Content">
     <p:spTree>
       <p:nvGrpSpPr>
@@ -1772,7 +1970,8 @@
           </a:prstGeom>
         </p:spPr>
         <p:txBody>
-          <a:bodyPr lIns="0" rIns="0" tIns="0" bIns="0" anchor="ctr"/>
+          <a:bodyPr lIns="0" tIns="0" rIns="0" bIns="0" anchor="ctr"/>
+          <a:lstStyle/>
           <a:p>
             <a:endParaRPr/>
           </a:p>
@@ -1798,7 +1997,8 @@
           </a:prstGeom>
         </p:spPr>
         <p:txBody>
-          <a:bodyPr lIns="0" rIns="0" tIns="0" bIns="0"/>
+          <a:bodyPr lIns="0" tIns="0" rIns="0" bIns="0"/>
+          <a:lstStyle/>
           <a:p>
             <a:endParaRPr/>
           </a:p>
@@ -1824,7 +2024,8 @@
           </a:prstGeom>
         </p:spPr>
         <p:txBody>
-          <a:bodyPr lIns="0" rIns="0" tIns="0" bIns="0"/>
+          <a:bodyPr lIns="0" tIns="0" rIns="0" bIns="0"/>
+          <a:lstStyle/>
           <a:p>
             <a:endParaRPr/>
           </a:p>
@@ -1832,11 +2033,14 @@
       </p:sp>
     </p:spTree>
   </p:cSld>
+  <p:clrMapOvr>
+    <a:masterClrMapping/>
+  </p:clrMapOvr>
 </p:sldLayout>
 </file>
 
 <file path=ppt/slideLayouts/slideLayout5.xml><?xml version="1.0" encoding="utf-8"?>
-<p:sldLayout xmlns:a="http://schemas.openxmlformats.org/drawingml/2006/main" xmlns:p="http://schemas.openxmlformats.org/presentationml/2006/main" xmlns:r="http://schemas.openxmlformats.org/officeDocument/2006/relationships" type="titleOnly" preserve="1">
+<p:sldLayout xmlns:a="http://schemas.openxmlformats.org/drawingml/2006/main" xmlns:r="http://schemas.openxmlformats.org/officeDocument/2006/relationships" xmlns:p="http://schemas.openxmlformats.org/presentationml/2006/main" type="titleOnly" preserve="1">
   <p:cSld name="Title Only">
     <p:spTree>
       <p:nvGrpSpPr>
@@ -1872,7 +2076,8 @@
           </a:prstGeom>
         </p:spPr>
         <p:txBody>
-          <a:bodyPr lIns="0" rIns="0" tIns="0" bIns="0" anchor="ctr"/>
+          <a:bodyPr lIns="0" tIns="0" rIns="0" bIns="0" anchor="ctr"/>
+          <a:lstStyle/>
           <a:p>
             <a:endParaRPr/>
           </a:p>
@@ -1880,11 +2085,14 @@
       </p:sp>
     </p:spTree>
   </p:cSld>
+  <p:clrMapOvr>
+    <a:masterClrMapping/>
+  </p:clrMapOvr>
 </p:sldLayout>
 </file>
 
 <file path=ppt/slideLayouts/slideLayout6.xml><?xml version="1.0" encoding="utf-8"?>
-<p:sldLayout xmlns:a="http://schemas.openxmlformats.org/drawingml/2006/main" xmlns:p="http://schemas.openxmlformats.org/presentationml/2006/main" xmlns:r="http://schemas.openxmlformats.org/officeDocument/2006/relationships" type="objOnly" preserve="1">
+<p:sldLayout xmlns:a="http://schemas.openxmlformats.org/drawingml/2006/main" xmlns:r="http://schemas.openxmlformats.org/officeDocument/2006/relationships" xmlns:p="http://schemas.openxmlformats.org/presentationml/2006/main" type="objOnly" preserve="1">
   <p:cSld name="Centered Text">
     <p:spTree>
       <p:nvGrpSpPr>
@@ -1920,7 +2128,8 @@
           </a:prstGeom>
         </p:spPr>
         <p:txBody>
-          <a:bodyPr lIns="0" rIns="0" tIns="0" bIns="0" anchor="ctr"/>
+          <a:bodyPr lIns="0" tIns="0" rIns="0" bIns="0" anchor="ctr"/>
+          <a:lstStyle/>
           <a:p>
             <a:pPr algn="ctr"/>
             <a:endParaRPr/>
@@ -1929,11 +2138,14 @@
       </p:sp>
     </p:spTree>
   </p:cSld>
+  <p:clrMapOvr>
+    <a:masterClrMapping/>
+  </p:clrMapOvr>
 </p:sldLayout>
 </file>
 
 <file path=ppt/slideLayouts/slideLayout7.xml><?xml version="1.0" encoding="utf-8"?>
-<p:sldLayout xmlns:a="http://schemas.openxmlformats.org/drawingml/2006/main" xmlns:p="http://schemas.openxmlformats.org/presentationml/2006/main" xmlns:r="http://schemas.openxmlformats.org/officeDocument/2006/relationships" type="twoObjAndObj" preserve="1">
+<p:sldLayout xmlns:a="http://schemas.openxmlformats.org/drawingml/2006/main" xmlns:r="http://schemas.openxmlformats.org/officeDocument/2006/relationships" xmlns:p="http://schemas.openxmlformats.org/presentationml/2006/main" type="twoObjAndObj" preserve="1">
   <p:cSld name="Title, 2 Content and Content">
     <p:spTree>
       <p:nvGrpSpPr>
@@ -1969,7 +2181,8 @@
           </a:prstGeom>
         </p:spPr>
         <p:txBody>
-          <a:bodyPr lIns="0" rIns="0" tIns="0" bIns="0" anchor="ctr"/>
+          <a:bodyPr lIns="0" tIns="0" rIns="0" bIns="0" anchor="ctr"/>
+          <a:lstStyle/>
           <a:p>
             <a:endParaRPr/>
           </a:p>
@@ -1995,7 +2208,8 @@
           </a:prstGeom>
         </p:spPr>
         <p:txBody>
-          <a:bodyPr lIns="0" rIns="0" tIns="0" bIns="0"/>
+          <a:bodyPr lIns="0" tIns="0" rIns="0" bIns="0"/>
+          <a:lstStyle/>
           <a:p>
             <a:endParaRPr/>
           </a:p>
@@ -2021,7 +2235,8 @@
           </a:prstGeom>
         </p:spPr>
         <p:txBody>
-          <a:bodyPr lIns="0" rIns="0" tIns="0" bIns="0"/>
+          <a:bodyPr lIns="0" tIns="0" rIns="0" bIns="0"/>
+          <a:lstStyle/>
           <a:p>
             <a:endParaRPr/>
           </a:p>
@@ -2047,7 +2262,8 @@
           </a:prstGeom>
         </p:spPr>
         <p:txBody>
-          <a:bodyPr lIns="0" rIns="0" tIns="0" bIns="0"/>
+          <a:bodyPr lIns="0" tIns="0" rIns="0" bIns="0"/>
+          <a:lstStyle/>
           <a:p>
             <a:endParaRPr/>
           </a:p>
@@ -2055,11 +2271,14 @@
       </p:sp>
     </p:spTree>
   </p:cSld>
+  <p:clrMapOvr>
+    <a:masterClrMapping/>
+  </p:clrMapOvr>
 </p:sldLayout>
 </file>
 
 <file path=ppt/slideLayouts/slideLayout8.xml><?xml version="1.0" encoding="utf-8"?>
-<p:sldLayout xmlns:a="http://schemas.openxmlformats.org/drawingml/2006/main" xmlns:p="http://schemas.openxmlformats.org/presentationml/2006/main" xmlns:r="http://schemas.openxmlformats.org/officeDocument/2006/relationships" type="objAndTwoObj" preserve="1">
+<p:sldLayout xmlns:a="http://schemas.openxmlformats.org/drawingml/2006/main" xmlns:r="http://schemas.openxmlformats.org/officeDocument/2006/relationships" xmlns:p="http://schemas.openxmlformats.org/presentationml/2006/main" type="objAndTwoObj" preserve="1">
   <p:cSld name="Title Content and 2 Content">
     <p:spTree>
       <p:nvGrpSpPr>
@@ -2095,7 +2314,8 @@
           </a:prstGeom>
         </p:spPr>
         <p:txBody>
-          <a:bodyPr lIns="0" rIns="0" tIns="0" bIns="0" anchor="ctr"/>
+          <a:bodyPr lIns="0" tIns="0" rIns="0" bIns="0" anchor="ctr"/>
+          <a:lstStyle/>
           <a:p>
             <a:endParaRPr/>
           </a:p>
@@ -2121,7 +2341,8 @@
           </a:prstGeom>
         </p:spPr>
         <p:txBody>
-          <a:bodyPr lIns="0" rIns="0" tIns="0" bIns="0"/>
+          <a:bodyPr lIns="0" tIns="0" rIns="0" bIns="0"/>
+          <a:lstStyle/>
           <a:p>
             <a:endParaRPr/>
           </a:p>
@@ -2147,7 +2368,8 @@
           </a:prstGeom>
         </p:spPr>
         <p:txBody>
-          <a:bodyPr lIns="0" rIns="0" tIns="0" bIns="0"/>
+          <a:bodyPr lIns="0" tIns="0" rIns="0" bIns="0"/>
+          <a:lstStyle/>
           <a:p>
             <a:endParaRPr/>
           </a:p>
@@ -2173,7 +2395,8 @@
           </a:prstGeom>
         </p:spPr>
         <p:txBody>
-          <a:bodyPr lIns="0" rIns="0" tIns="0" bIns="0"/>
+          <a:bodyPr lIns="0" tIns="0" rIns="0" bIns="0"/>
+          <a:lstStyle/>
           <a:p>
             <a:endParaRPr/>
           </a:p>
@@ -2181,11 +2404,14 @@
       </p:sp>
     </p:spTree>
   </p:cSld>
+  <p:clrMapOvr>
+    <a:masterClrMapping/>
+  </p:clrMapOvr>
 </p:sldLayout>
 </file>
 
 <file path=ppt/slideLayouts/slideLayout9.xml><?xml version="1.0" encoding="utf-8"?>
-<p:sldLayout xmlns:a="http://schemas.openxmlformats.org/drawingml/2006/main" xmlns:p="http://schemas.openxmlformats.org/presentationml/2006/main" xmlns:r="http://schemas.openxmlformats.org/officeDocument/2006/relationships" type="twoObjOverTx" preserve="1">
+<p:sldLayout xmlns:a="http://schemas.openxmlformats.org/drawingml/2006/main" xmlns:r="http://schemas.openxmlformats.org/officeDocument/2006/relationships" xmlns:p="http://schemas.openxmlformats.org/presentationml/2006/main" type="twoObjOverTx" preserve="1">
   <p:cSld name="Title, 2 Content over Content">
     <p:spTree>
       <p:nvGrpSpPr>
@@ -2221,7 +2447,8 @@
           </a:prstGeom>
         </p:spPr>
         <p:txBody>
-          <a:bodyPr lIns="0" rIns="0" tIns="0" bIns="0" anchor="ctr"/>
+          <a:bodyPr lIns="0" tIns="0" rIns="0" bIns="0" anchor="ctr"/>
+          <a:lstStyle/>
           <a:p>
             <a:endParaRPr/>
           </a:p>
@@ -2247,7 +2474,8 @@
           </a:prstGeom>
         </p:spPr>
         <p:txBody>
-          <a:bodyPr lIns="0" rIns="0" tIns="0" bIns="0"/>
+          <a:bodyPr lIns="0" tIns="0" rIns="0" bIns="0"/>
+          <a:lstStyle/>
           <a:p>
             <a:endParaRPr/>
           </a:p>
@@ -2273,7 +2501,8 @@
           </a:prstGeom>
         </p:spPr>
         <p:txBody>
-          <a:bodyPr lIns="0" rIns="0" tIns="0" bIns="0"/>
+          <a:bodyPr lIns="0" tIns="0" rIns="0" bIns="0"/>
+          <a:lstStyle/>
           <a:p>
             <a:endParaRPr/>
           </a:p>
@@ -2299,7 +2528,8 @@
           </a:prstGeom>
         </p:spPr>
         <p:txBody>
-          <a:bodyPr lIns="0" rIns="0" tIns="0" bIns="0"/>
+          <a:bodyPr lIns="0" tIns="0" rIns="0" bIns="0"/>
+          <a:lstStyle/>
           <a:p>
             <a:endParaRPr/>
           </a:p>
@@ -2307,17 +2537,21 @@
       </p:sp>
     </p:spTree>
   </p:cSld>
+  <p:clrMapOvr>
+    <a:masterClrMapping/>
+  </p:clrMapOvr>
 </p:sldLayout>
 </file>
 
 <file path=ppt/slideMasters/slideMaster1.xml><?xml version="1.0" encoding="utf-8"?>
-<p:sldMaster xmlns:a="http://schemas.openxmlformats.org/drawingml/2006/main" xmlns:p="http://schemas.openxmlformats.org/presentationml/2006/main" xmlns:r="http://schemas.openxmlformats.org/officeDocument/2006/relationships">
+<p:sldMaster xmlns:a="http://schemas.openxmlformats.org/drawingml/2006/main" xmlns:r="http://schemas.openxmlformats.org/officeDocument/2006/relationships" xmlns:p="http://schemas.openxmlformats.org/presentationml/2006/main">
   <p:cSld>
     <p:bg>
       <p:bgPr>
         <a:solidFill>
-          <a:srgbClr val="ffffff"/>
+          <a:srgbClr val="FFFFFF"/>
         </a:solidFill>
+        <a:effectLst/>
       </p:bgPr>
     </p:bg>
     <p:spTree>
@@ -2336,7 +2570,7 @@
       </p:grpSpPr>
       <p:sp>
         <p:nvSpPr>
-          <p:cNvPr id="0" name="PlaceHolder 1"/>
+          <p:cNvPr id="5" name="PlaceHolder 1"/>
           <p:cNvSpPr>
             <a:spLocks noGrp="1"/>
           </p:cNvSpPr>
@@ -2355,6 +2589,7 @@
         </p:spPr>
         <p:txBody>
           <a:bodyPr anchor="b"/>
+          <a:lstStyle/>
           <a:p>
             <a:pPr algn="ctr">
               <a:lnSpc>
@@ -2376,7 +2611,7 @@
       </p:sp>
       <p:sp>
         <p:nvSpPr>
-          <p:cNvPr id="1" name="PlaceHolder 2"/>
+          <p:cNvPr id="6" name="PlaceHolder 2"/>
           <p:cNvSpPr>
             <a:spLocks noGrp="1"/>
           </p:cNvSpPr>
@@ -2395,6 +2630,7 @@
         </p:spPr>
         <p:txBody>
           <a:bodyPr anchor="ctr"/>
+          <a:lstStyle/>
           <a:p>
             <a:pPr>
               <a:lnSpc>
@@ -2404,7 +2640,7 @@
             <a:r>
               <a:rPr lang="en-US" sz="1200">
                 <a:solidFill>
-                  <a:srgbClr val="8b8b8b"/>
+                  <a:srgbClr val="8B8B8B"/>
                 </a:solidFill>
                 <a:latin typeface="Calibri"/>
               </a:rPr>
@@ -2435,6 +2671,7 @@
         </p:spPr>
         <p:txBody>
           <a:bodyPr anchor="ctr"/>
+          <a:lstStyle/>
           <a:p>
             <a:endParaRPr/>
           </a:p>
@@ -2461,6 +2698,7 @@
         </p:spPr>
         <p:txBody>
           <a:bodyPr anchor="ctr"/>
+          <a:lstStyle/>
           <a:p>
             <a:pPr algn="r">
               <a:lnSpc>
@@ -2470,11 +2708,11 @@
             <a:fld id="{73FE068F-9B02-488B-B5C8-AA3522671050}" type="slidenum">
               <a:rPr lang="en-US" sz="1200">
                 <a:solidFill>
-                  <a:srgbClr val="8b8b8b"/>
-                </a:solidFill>
-                <a:latin typeface="Calibri"/>
-              </a:rPr>
-              <a:t>&lt;number&gt;</a:t>
+                  <a:srgbClr val="8B8B8B"/>
+                </a:solidFill>
+                <a:latin typeface="Calibri"/>
+              </a:rPr>
+              <a:t>‹#›</a:t>
             </a:fld>
             <a:endParaRPr/>
           </a:p>
@@ -2500,7 +2738,8 @@
           </a:prstGeom>
         </p:spPr>
         <p:txBody>
-          <a:bodyPr lIns="0" rIns="0" tIns="0" bIns="0"/>
+          <a:bodyPr lIns="0" tIns="0" rIns="0" bIns="0"/>
+          <a:lstStyle/>
           <a:p>
             <a:pPr>
               <a:buSzPct val="45000"/>
@@ -2603,32 +2842,38 @@
       </p:sp>
     </p:spTree>
   </p:cSld>
-  <p:clrMap bg1="lt1" bg2="lt2" tx1="dk1" tx2="dk2" accent1="accent1" accent2="accent2" accent3="accent3" accent4="accent4" accent5="accent5" accent6="accent6" hlink="hlink" folHlink="folHlink"/>
+  <p:clrMap bg1="lt1" tx1="dk1" bg2="lt2" tx2="dk2" accent1="accent1" accent2="accent2" accent3="accent3" accent4="accent4" accent5="accent5" accent6="accent6" hlink="hlink" folHlink="folHlink"/>
   <p:sldLayoutIdLst>
-    <p:sldLayoutId id="2147483649" r:id="rId2"/>
-    <p:sldLayoutId id="2147483650" r:id="rId3"/>
-    <p:sldLayoutId id="2147483651" r:id="rId4"/>
-    <p:sldLayoutId id="2147483652" r:id="rId5"/>
-    <p:sldLayoutId id="2147483653" r:id="rId6"/>
-    <p:sldLayoutId id="2147483654" r:id="rId7"/>
-    <p:sldLayoutId id="2147483655" r:id="rId8"/>
-    <p:sldLayoutId id="2147483656" r:id="rId9"/>
-    <p:sldLayoutId id="2147483657" r:id="rId10"/>
-    <p:sldLayoutId id="2147483658" r:id="rId11"/>
-    <p:sldLayoutId id="2147483659" r:id="rId12"/>
-    <p:sldLayoutId id="2147483660" r:id="rId13"/>
+    <p:sldLayoutId id="2147483649" r:id="rId1"/>
+    <p:sldLayoutId id="2147483650" r:id="rId2"/>
+    <p:sldLayoutId id="2147483651" r:id="rId3"/>
+    <p:sldLayoutId id="2147483652" r:id="rId4"/>
+    <p:sldLayoutId id="2147483653" r:id="rId5"/>
+    <p:sldLayoutId id="2147483654" r:id="rId6"/>
+    <p:sldLayoutId id="2147483655" r:id="rId7"/>
+    <p:sldLayoutId id="2147483656" r:id="rId8"/>
+    <p:sldLayoutId id="2147483657" r:id="rId9"/>
+    <p:sldLayoutId id="2147483658" r:id="rId10"/>
+    <p:sldLayoutId id="2147483659" r:id="rId11"/>
+    <p:sldLayoutId id="2147483660" r:id="rId12"/>
   </p:sldLayoutIdLst>
+  <p:txStyles>
+    <p:titleStyle/>
+    <p:bodyStyle/>
+    <p:otherStyle/>
+  </p:txStyles>
 </p:sldMaster>
 </file>
 
 <file path=ppt/slideMasters/slideMaster2.xml><?xml version="1.0" encoding="utf-8"?>
-<p:sldMaster xmlns:a="http://schemas.openxmlformats.org/drawingml/2006/main" xmlns:p="http://schemas.openxmlformats.org/presentationml/2006/main" xmlns:r="http://schemas.openxmlformats.org/officeDocument/2006/relationships">
+<p:sldMaster xmlns:a="http://schemas.openxmlformats.org/drawingml/2006/main" xmlns:r="http://schemas.openxmlformats.org/officeDocument/2006/relationships" xmlns:p="http://schemas.openxmlformats.org/presentationml/2006/main">
   <p:cSld>
     <p:bg>
       <p:bgPr>
         <a:solidFill>
-          <a:srgbClr val="ffffff"/>
+          <a:srgbClr val="FFFFFF"/>
         </a:solidFill>
+        <a:effectLst/>
       </p:bgPr>
     </p:bg>
     <p:spTree>
@@ -2666,6 +2911,7 @@
         </p:spPr>
         <p:txBody>
           <a:bodyPr anchor="ctr"/>
+          <a:lstStyle/>
           <a:p>
             <a:pPr>
               <a:lnSpc>
@@ -2706,6 +2952,7 @@
         </p:spPr>
         <p:txBody>
           <a:bodyPr/>
+          <a:lstStyle/>
           <a:p>
             <a:pPr>
               <a:buSzPct val="45000"/>
@@ -2926,6 +3173,7 @@
         </p:spPr>
         <p:txBody>
           <a:bodyPr anchor="ctr"/>
+          <a:lstStyle/>
           <a:p>
             <a:pPr>
               <a:lnSpc>
@@ -2935,7 +3183,7 @@
             <a:r>
               <a:rPr lang="en-US" sz="1200">
                 <a:solidFill>
-                  <a:srgbClr val="8b8b8b"/>
+                  <a:srgbClr val="8B8B8B"/>
                 </a:solidFill>
                 <a:latin typeface="Calibri"/>
               </a:rPr>
@@ -2966,6 +3214,7 @@
         </p:spPr>
         <p:txBody>
           <a:bodyPr anchor="ctr"/>
+          <a:lstStyle/>
           <a:p>
             <a:endParaRPr/>
           </a:p>
@@ -2992,6 +3241,7 @@
         </p:spPr>
         <p:txBody>
           <a:bodyPr anchor="ctr"/>
+          <a:lstStyle/>
           <a:p>
             <a:pPr algn="r">
               <a:lnSpc>
@@ -3001,11 +3251,11 @@
             <a:fld id="{9A74E9ED-3985-4178-9068-0FE9E679B3B3}" type="slidenum">
               <a:rPr lang="en-US" sz="1200">
                 <a:solidFill>
-                  <a:srgbClr val="8b8b8b"/>
-                </a:solidFill>
-                <a:latin typeface="Calibri"/>
-              </a:rPr>
-              <a:t>&lt;number&gt;</a:t>
+                  <a:srgbClr val="8B8B8B"/>
+                </a:solidFill>
+                <a:latin typeface="Calibri"/>
+              </a:rPr>
+              <a:t>‹#›</a:t>
             </a:fld>
             <a:endParaRPr/>
           </a:p>
@@ -3013,26 +3263,31 @@
       </p:sp>
     </p:spTree>
   </p:cSld>
-  <p:clrMap bg1="lt1" bg2="lt2" tx1="dk1" tx2="dk2" accent1="accent1" accent2="accent2" accent3="accent3" accent4="accent4" accent5="accent5" accent6="accent6" hlink="hlink" folHlink="folHlink"/>
+  <p:clrMap bg1="lt1" tx1="dk1" bg2="lt2" tx2="dk2" accent1="accent1" accent2="accent2" accent3="accent3" accent4="accent4" accent5="accent5" accent6="accent6" hlink="hlink" folHlink="folHlink"/>
   <p:sldLayoutIdLst>
-    <p:sldLayoutId id="2147483662" r:id="rId2"/>
-    <p:sldLayoutId id="2147483663" r:id="rId3"/>
-    <p:sldLayoutId id="2147483664" r:id="rId4"/>
-    <p:sldLayoutId id="2147483665" r:id="rId5"/>
-    <p:sldLayoutId id="2147483666" r:id="rId6"/>
-    <p:sldLayoutId id="2147483667" r:id="rId7"/>
-    <p:sldLayoutId id="2147483668" r:id="rId8"/>
-    <p:sldLayoutId id="2147483669" r:id="rId9"/>
-    <p:sldLayoutId id="2147483670" r:id="rId10"/>
-    <p:sldLayoutId id="2147483671" r:id="rId11"/>
-    <p:sldLayoutId id="2147483672" r:id="rId12"/>
-    <p:sldLayoutId id="2147483673" r:id="rId13"/>
+    <p:sldLayoutId id="2147483662" r:id="rId1"/>
+    <p:sldLayoutId id="2147483663" r:id="rId2"/>
+    <p:sldLayoutId id="2147483664" r:id="rId3"/>
+    <p:sldLayoutId id="2147483665" r:id="rId4"/>
+    <p:sldLayoutId id="2147483666" r:id="rId5"/>
+    <p:sldLayoutId id="2147483667" r:id="rId6"/>
+    <p:sldLayoutId id="2147483668" r:id="rId7"/>
+    <p:sldLayoutId id="2147483669" r:id="rId8"/>
+    <p:sldLayoutId id="2147483670" r:id="rId9"/>
+    <p:sldLayoutId id="2147483671" r:id="rId10"/>
+    <p:sldLayoutId id="2147483672" r:id="rId11"/>
+    <p:sldLayoutId id="2147483673" r:id="rId12"/>
   </p:sldLayoutIdLst>
+  <p:txStyles>
+    <p:titleStyle/>
+    <p:bodyStyle/>
+    <p:otherStyle/>
+  </p:txStyles>
 </p:sldMaster>
 </file>
 
 <file path=ppt/slides/slide1.xml><?xml version="1.0" encoding="utf-8"?>
-<p:sld xmlns:a="http://schemas.openxmlformats.org/drawingml/2006/main" xmlns:p="http://schemas.openxmlformats.org/presentationml/2006/main" xmlns:r="http://schemas.openxmlformats.org/officeDocument/2006/relationships">
+<p:sld xmlns:a="http://schemas.openxmlformats.org/drawingml/2006/main" xmlns:r="http://schemas.openxmlformats.org/officeDocument/2006/relationships" xmlns:p="http://schemas.openxmlformats.org/presentationml/2006/main">
   <p:cSld>
     <p:spTree>
       <p:nvGrpSpPr>
@@ -3067,7 +3322,7 @@
               <a:srgbClr val="000000"/>
             </a:solidFill>
             <a:miter/>
-            <a:tailEnd len="med" type="triangle" w="med"/>
+            <a:tailEnd type="triangle" w="med" len="med"/>
           </a:ln>
         </p:spPr>
       </p:sp>
@@ -3086,7 +3341,7 @@
             <a:avLst/>
           </a:prstGeom>
           <a:solidFill>
-            <a:srgbClr val="deebf7"/>
+            <a:srgbClr val="DEEBF7"/>
           </a:solidFill>
           <a:ln w="15840">
             <a:solidFill>
@@ -3096,7 +3351,8 @@
           </a:ln>
         </p:spPr>
         <p:txBody>
-          <a:bodyPr wrap="none" lIns="90000" rIns="90000" tIns="46800" bIns="46800" anchor="ctr"/>
+          <a:bodyPr wrap="none" lIns="90000" tIns="46800" rIns="90000" bIns="46800" anchor="ctr"/>
+          <a:lstStyle/>
           <a:p>
             <a:pPr algn="ctr">
               <a:lnSpc>
@@ -3132,7 +3388,7 @@
             <a:avLst/>
           </a:prstGeom>
           <a:solidFill>
-            <a:srgbClr val="deebf7"/>
+            <a:srgbClr val="DEEBF7"/>
           </a:solidFill>
           <a:ln w="15840">
             <a:solidFill>
@@ -3142,7 +3398,8 @@
           </a:ln>
         </p:spPr>
         <p:txBody>
-          <a:bodyPr wrap="none" lIns="90000" rIns="90000" tIns="46800" bIns="46800" anchor="ctr"/>
+          <a:bodyPr wrap="none" lIns="90000" tIns="46800" rIns="90000" bIns="46800" anchor="ctr"/>
+          <a:lstStyle/>
           <a:p>
             <a:pPr algn="ctr">
               <a:lnSpc>
@@ -3182,7 +3439,7 @@
               <a:srgbClr val="000000"/>
             </a:solidFill>
             <a:miter/>
-            <a:tailEnd len="med" type="triangle" w="med"/>
+            <a:tailEnd type="triangle" w="med" len="med"/>
           </a:ln>
         </p:spPr>
       </p:sp>
@@ -3205,7 +3462,7 @@
               <a:srgbClr val="000000"/>
             </a:solidFill>
             <a:miter/>
-            <a:tailEnd len="med" type="triangle" w="med"/>
+            <a:tailEnd type="triangle" w="med" len="med"/>
           </a:ln>
         </p:spPr>
       </p:sp>
@@ -3228,7 +3485,7 @@
               <a:srgbClr val="000000"/>
             </a:solidFill>
             <a:miter/>
-            <a:tailEnd len="med" type="triangle" w="med"/>
+            <a:tailEnd type="triangle" w="med" len="med"/>
           </a:ln>
         </p:spPr>
       </p:sp>
@@ -3251,7 +3508,7 @@
               <a:srgbClr val="000000"/>
             </a:solidFill>
             <a:miter/>
-            <a:tailEnd len="med" type="triangle" w="med"/>
+            <a:tailEnd type="triangle" w="med" len="med"/>
           </a:ln>
         </p:spPr>
       </p:sp>
@@ -3270,7 +3527,7 @@
             <a:avLst/>
           </a:prstGeom>
           <a:solidFill>
-            <a:srgbClr val="deebf7"/>
+            <a:srgbClr val="DEEBF7"/>
           </a:solidFill>
           <a:ln w="15840">
             <a:solidFill>
@@ -3280,7 +3537,8 @@
           </a:ln>
         </p:spPr>
         <p:txBody>
-          <a:bodyPr wrap="none" lIns="90000" rIns="90000" tIns="46800" bIns="46800" anchor="ctr"/>
+          <a:bodyPr wrap="none" lIns="90000" tIns="46800" rIns="90000" bIns="46800" anchor="ctr"/>
+          <a:lstStyle/>
           <a:p>
             <a:pPr algn="ctr">
               <a:lnSpc>
@@ -3320,7 +3578,7 @@
               <a:srgbClr val="000000"/>
             </a:solidFill>
             <a:miter/>
-            <a:tailEnd len="med" type="triangle" w="med"/>
+            <a:tailEnd type="triangle" w="med" len="med"/>
           </a:ln>
         </p:spPr>
       </p:sp>
@@ -3349,7 +3607,8 @@
           </a:ln>
         </p:spPr>
         <p:txBody>
-          <a:bodyPr wrap="none" lIns="90000" rIns="90000" tIns="46800" bIns="46800" anchor="ctr"/>
+          <a:bodyPr wrap="none" lIns="90000" tIns="46800" rIns="90000" bIns="46800" anchor="ctr"/>
+          <a:lstStyle/>
           <a:p>
             <a:pPr algn="ctr">
               <a:lnSpc>
@@ -3385,7 +3644,7 @@
             <a:avLst/>
           </a:prstGeom>
           <a:solidFill>
-            <a:srgbClr val="deebf7"/>
+            <a:srgbClr val="DEEBF7"/>
           </a:solidFill>
           <a:ln w="15840">
             <a:solidFill>
@@ -3395,7 +3654,8 @@
           </a:ln>
         </p:spPr>
         <p:txBody>
-          <a:bodyPr wrap="none" lIns="90000" rIns="90000" tIns="46800" bIns="46800" anchor="ctr"/>
+          <a:bodyPr wrap="none" lIns="90000" tIns="46800" rIns="90000" bIns="46800" anchor="ctr"/>
+          <a:lstStyle/>
           <a:p>
             <a:pPr algn="ctr">
               <a:lnSpc>
@@ -3435,7 +3695,7 @@
               <a:srgbClr val="000000"/>
             </a:solidFill>
             <a:miter/>
-            <a:tailEnd len="med" type="triangle" w="med"/>
+            <a:tailEnd type="triangle" w="med" len="med"/>
           </a:ln>
         </p:spPr>
       </p:sp>
@@ -3458,7 +3718,7 @@
               <a:srgbClr val="000000"/>
             </a:solidFill>
             <a:miter/>
-            <a:tailEnd len="med" type="triangle" w="med"/>
+            <a:tailEnd type="triangle" w="med" len="med"/>
           </a:ln>
         </p:spPr>
       </p:sp>
@@ -3477,7 +3737,7 @@
             <a:avLst/>
           </a:prstGeom>
           <a:solidFill>
-            <a:srgbClr val="deebf7"/>
+            <a:srgbClr val="DEEBF7"/>
           </a:solidFill>
           <a:ln w="15840">
             <a:solidFill>
@@ -3487,7 +3747,8 @@
           </a:ln>
         </p:spPr>
         <p:txBody>
-          <a:bodyPr wrap="none" lIns="90000" rIns="90000" tIns="46800" bIns="46800" anchor="ctr"/>
+          <a:bodyPr wrap="none" lIns="90000" tIns="46800" rIns="90000" bIns="46800" anchor="ctr"/>
+          <a:lstStyle/>
           <a:p>
             <a:pPr algn="ctr">
               <a:lnSpc>
@@ -3527,7 +3788,7 @@
               <a:srgbClr val="000000"/>
             </a:solidFill>
             <a:miter/>
-            <a:tailEnd len="med" type="triangle" w="med"/>
+            <a:tailEnd type="triangle" w="med" len="med"/>
           </a:ln>
         </p:spPr>
       </p:sp>
@@ -3546,7 +3807,7 @@
             <a:avLst/>
           </a:prstGeom>
           <a:solidFill>
-            <a:srgbClr val="deebf7"/>
+            <a:srgbClr val="DEEBF7"/>
           </a:solidFill>
           <a:ln w="15840">
             <a:solidFill>
@@ -3556,7 +3817,8 @@
           </a:ln>
         </p:spPr>
         <p:txBody>
-          <a:bodyPr wrap="none" lIns="90000" rIns="90000" tIns="46800" bIns="46800" anchor="ctr"/>
+          <a:bodyPr wrap="none" lIns="90000" tIns="46800" rIns="90000" bIns="46800" anchor="ctr"/>
+          <a:lstStyle/>
           <a:p>
             <a:pPr algn="ctr">
               <a:lnSpc>
@@ -3592,7 +3854,7 @@
             <a:avLst/>
           </a:prstGeom>
           <a:solidFill>
-            <a:srgbClr val="deebf7"/>
+            <a:srgbClr val="DEEBF7"/>
           </a:solidFill>
           <a:ln w="15840">
             <a:solidFill>
@@ -3602,7 +3864,8 @@
           </a:ln>
         </p:spPr>
         <p:txBody>
-          <a:bodyPr wrap="none" lIns="90000" rIns="90000" tIns="46800" bIns="46800" anchor="ctr"/>
+          <a:bodyPr wrap="none" lIns="90000" tIns="46800" rIns="90000" bIns="46800" anchor="ctr"/>
+          <a:lstStyle/>
           <a:p>
             <a:pPr algn="ctr">
               <a:lnSpc>
@@ -3642,7 +3905,7 @@
               <a:srgbClr val="000000"/>
             </a:solidFill>
             <a:miter/>
-            <a:tailEnd len="med" type="triangle" w="med"/>
+            <a:tailEnd type="triangle" w="med" len="med"/>
           </a:ln>
         </p:spPr>
       </p:sp>
@@ -3665,7 +3928,7 @@
               <a:srgbClr val="000000"/>
             </a:solidFill>
             <a:miter/>
-            <a:tailEnd len="med" type="triangle" w="med"/>
+            <a:tailEnd type="triangle" w="med" len="med"/>
           </a:ln>
         </p:spPr>
       </p:sp>
@@ -3688,7 +3951,7 @@
               <a:srgbClr val="000000"/>
             </a:solidFill>
             <a:miter/>
-            <a:tailEnd len="med" type="triangle" w="med"/>
+            <a:tailEnd type="triangle" w="med" len="med"/>
           </a:ln>
         </p:spPr>
       </p:sp>
@@ -3707,7 +3970,7 @@
             <a:avLst/>
           </a:prstGeom>
           <a:solidFill>
-            <a:srgbClr val="deebf7"/>
+            <a:srgbClr val="DEEBF7"/>
           </a:solidFill>
           <a:ln w="15840">
             <a:solidFill>
@@ -3717,7 +3980,8 @@
           </a:ln>
         </p:spPr>
         <p:txBody>
-          <a:bodyPr wrap="none" lIns="90000" rIns="90000" tIns="46800" bIns="46800" anchor="ctr"/>
+          <a:bodyPr wrap="none" lIns="90000" tIns="46800" rIns="90000" bIns="46800" anchor="ctr"/>
+          <a:lstStyle/>
           <a:p>
             <a:pPr algn="ctr">
               <a:lnSpc>
@@ -3753,7 +4017,7 @@
             <a:avLst/>
           </a:prstGeom>
           <a:solidFill>
-            <a:srgbClr val="deebf7"/>
+            <a:srgbClr val="DEEBF7"/>
           </a:solidFill>
           <a:ln w="15840">
             <a:solidFill>
@@ -3763,7 +4027,8 @@
           </a:ln>
         </p:spPr>
         <p:txBody>
-          <a:bodyPr wrap="none" lIns="90000" rIns="90000" tIns="46800" bIns="46800" anchor="ctr"/>
+          <a:bodyPr wrap="none" lIns="90000" tIns="46800" rIns="90000" bIns="46800" anchor="ctr"/>
+          <a:lstStyle/>
           <a:p>
             <a:pPr algn="ctr">
               <a:lnSpc>
@@ -3803,7 +4068,7 @@
               <a:srgbClr val="000000"/>
             </a:solidFill>
             <a:miter/>
-            <a:tailEnd len="med" type="triangle" w="med"/>
+            <a:tailEnd type="triangle" w="med" len="med"/>
           </a:ln>
         </p:spPr>
       </p:sp>
@@ -3826,7 +4091,7 @@
               <a:srgbClr val="000000"/>
             </a:solidFill>
             <a:miter/>
-            <a:tailEnd len="med" type="triangle" w="med"/>
+            <a:tailEnd type="triangle" w="med" len="med"/>
           </a:ln>
         </p:spPr>
       </p:sp>
@@ -3845,7 +4110,7 @@
             <a:avLst/>
           </a:prstGeom>
           <a:solidFill>
-            <a:srgbClr val="deebf7"/>
+            <a:srgbClr val="DEEBF7"/>
           </a:solidFill>
           <a:ln w="15840">
             <a:solidFill>
@@ -3855,7 +4120,8 @@
           </a:ln>
         </p:spPr>
         <p:txBody>
-          <a:bodyPr wrap="none" lIns="90000" rIns="90000" tIns="46800" bIns="46800" anchor="ctr"/>
+          <a:bodyPr wrap="none" lIns="90000" tIns="46800" rIns="90000" bIns="46800" anchor="ctr"/>
+          <a:lstStyle/>
           <a:p>
             <a:pPr algn="ctr">
               <a:lnSpc>
@@ -3891,7 +4157,7 @@
             <a:avLst/>
           </a:prstGeom>
           <a:solidFill>
-            <a:srgbClr val="deebf7"/>
+            <a:srgbClr val="DEEBF7"/>
           </a:solidFill>
           <a:ln w="15840">
             <a:solidFill>
@@ -3901,7 +4167,8 @@
           </a:ln>
         </p:spPr>
         <p:txBody>
-          <a:bodyPr wrap="none" lIns="90000" rIns="90000" tIns="46800" bIns="46800" anchor="ctr"/>
+          <a:bodyPr wrap="none" lIns="90000" tIns="46800" rIns="90000" bIns="46800" anchor="ctr"/>
+          <a:lstStyle/>
           <a:p>
             <a:pPr algn="ctr">
               <a:lnSpc>
@@ -3937,7 +4204,7 @@
             <a:avLst/>
           </a:prstGeom>
           <a:solidFill>
-            <a:srgbClr val="f4b183"/>
+            <a:srgbClr val="F4B183"/>
           </a:solidFill>
           <a:ln w="15840">
             <a:solidFill>
@@ -3947,7 +4214,8 @@
           </a:ln>
         </p:spPr>
         <p:txBody>
-          <a:bodyPr wrap="none" lIns="90000" rIns="90000" tIns="46800" bIns="46800" anchor="ctr"/>
+          <a:bodyPr wrap="none" lIns="90000" tIns="46800" rIns="90000" bIns="46800" anchor="ctr"/>
+          <a:lstStyle/>
           <a:p>
             <a:pPr algn="ctr">
               <a:lnSpc>
@@ -3983,7 +4251,7 @@
             <a:avLst/>
           </a:prstGeom>
           <a:solidFill>
-            <a:srgbClr val="7030a0"/>
+            <a:srgbClr val="7030A0"/>
           </a:solidFill>
           <a:ln w="15840">
             <a:solidFill>
@@ -3993,7 +4261,8 @@
           </a:ln>
         </p:spPr>
         <p:txBody>
-          <a:bodyPr wrap="none" lIns="90000" rIns="90000" tIns="46800" bIns="46800" anchor="ctr"/>
+          <a:bodyPr wrap="none" lIns="90000" tIns="46800" rIns="90000" bIns="46800" anchor="ctr"/>
+          <a:lstStyle/>
           <a:p>
             <a:pPr algn="ctr">
               <a:lnSpc>
@@ -4033,7 +4302,7 @@
               <a:srgbClr val="000000"/>
             </a:solidFill>
             <a:miter/>
-            <a:tailEnd len="med" type="triangle" w="med"/>
+            <a:tailEnd type="triangle" w="med" len="med"/>
           </a:ln>
         </p:spPr>
       </p:sp>
@@ -4056,7 +4325,7 @@
               <a:srgbClr val="000000"/>
             </a:solidFill>
             <a:miter/>
-            <a:tailEnd len="med" type="triangle" w="med"/>
+            <a:tailEnd type="triangle" w="med" len="med"/>
           </a:ln>
         </p:spPr>
       </p:sp>
@@ -4079,7 +4348,7 @@
               <a:srgbClr val="000000"/>
             </a:solidFill>
             <a:miter/>
-            <a:tailEnd len="med" type="triangle" w="med"/>
+            <a:tailEnd type="triangle" w="med" len="med"/>
           </a:ln>
         </p:spPr>
       </p:sp>
@@ -4098,7 +4367,7 @@
             <a:avLst/>
           </a:prstGeom>
           <a:solidFill>
-            <a:srgbClr val="f4b183"/>
+            <a:srgbClr val="F4B183"/>
           </a:solidFill>
           <a:ln w="15840">
             <a:solidFill>
@@ -4108,7 +4377,8 @@
           </a:ln>
         </p:spPr>
         <p:txBody>
-          <a:bodyPr wrap="none" lIns="90000" rIns="90000" tIns="46800" bIns="46800" anchor="ctr"/>
+          <a:bodyPr wrap="none" lIns="90000" tIns="46800" rIns="90000" bIns="46800" anchor="ctr"/>
+          <a:lstStyle/>
           <a:p>
             <a:pPr algn="ctr">
               <a:lnSpc>
@@ -4144,7 +4414,7 @@
             <a:avLst/>
           </a:prstGeom>
           <a:solidFill>
-            <a:srgbClr val="f4b183"/>
+            <a:srgbClr val="F4B183"/>
           </a:solidFill>
           <a:ln w="15840">
             <a:solidFill>
@@ -4154,7 +4424,8 @@
           </a:ln>
         </p:spPr>
         <p:txBody>
-          <a:bodyPr wrap="none" lIns="90000" rIns="90000" tIns="46800" bIns="46800" anchor="ctr"/>
+          <a:bodyPr wrap="none" lIns="90000" tIns="46800" rIns="90000" bIns="46800" anchor="ctr"/>
+          <a:lstStyle/>
           <a:p>
             <a:pPr algn="ctr">
               <a:lnSpc>
@@ -4190,7 +4461,7 @@
             <a:avLst/>
           </a:prstGeom>
           <a:solidFill>
-            <a:srgbClr val="f4b183"/>
+            <a:srgbClr val="F4B183"/>
           </a:solidFill>
           <a:ln w="15840">
             <a:solidFill>
@@ -4200,7 +4471,8 @@
           </a:ln>
         </p:spPr>
         <p:txBody>
-          <a:bodyPr wrap="none" lIns="90000" rIns="90000" tIns="46800" bIns="46800" anchor="ctr"/>
+          <a:bodyPr wrap="none" lIns="90000" tIns="46800" rIns="90000" bIns="46800" anchor="ctr"/>
+          <a:lstStyle/>
           <a:p>
             <a:pPr algn="ctr">
               <a:lnSpc>
@@ -4236,7 +4508,7 @@
             <a:avLst/>
           </a:prstGeom>
           <a:solidFill>
-            <a:srgbClr val="f4b183"/>
+            <a:srgbClr val="F4B183"/>
           </a:solidFill>
           <a:ln w="15840">
             <a:solidFill>
@@ -4246,7 +4518,8 @@
           </a:ln>
         </p:spPr>
         <p:txBody>
-          <a:bodyPr wrap="none" lIns="90000" rIns="90000" tIns="46800" bIns="46800" anchor="ctr"/>
+          <a:bodyPr wrap="none" lIns="90000" tIns="46800" rIns="90000" bIns="46800" anchor="ctr"/>
+          <a:lstStyle/>
           <a:p>
             <a:pPr algn="ctr">
               <a:lnSpc>
@@ -4286,7 +4559,7 @@
               <a:srgbClr val="000000"/>
             </a:solidFill>
             <a:miter/>
-            <a:tailEnd len="med" type="triangle" w="med"/>
+            <a:tailEnd type="triangle" w="med" len="med"/>
           </a:ln>
         </p:spPr>
       </p:sp>
@@ -4305,7 +4578,7 @@
             <a:avLst/>
           </a:prstGeom>
           <a:solidFill>
-            <a:srgbClr val="7030a0"/>
+            <a:srgbClr val="7030A0"/>
           </a:solidFill>
           <a:ln w="15840">
             <a:solidFill>
@@ -4315,7 +4588,8 @@
           </a:ln>
         </p:spPr>
         <p:txBody>
-          <a:bodyPr wrap="none" lIns="90000" rIns="90000" tIns="46800" bIns="46800" anchor="ctr"/>
+          <a:bodyPr wrap="none" lIns="90000" tIns="46800" rIns="90000" bIns="46800" anchor="ctr"/>
+          <a:lstStyle/>
           <a:p>
             <a:pPr algn="ctr">
               <a:lnSpc>
@@ -4351,7 +4625,7 @@
             <a:avLst/>
           </a:prstGeom>
           <a:solidFill>
-            <a:srgbClr val="7030a0"/>
+            <a:srgbClr val="7030A0"/>
           </a:solidFill>
           <a:ln w="15840">
             <a:solidFill>
@@ -4361,7 +4635,8 @@
           </a:ln>
         </p:spPr>
         <p:txBody>
-          <a:bodyPr wrap="none" lIns="90000" rIns="90000" tIns="46800" bIns="46800" anchor="ctr"/>
+          <a:bodyPr wrap="none" lIns="90000" tIns="46800" rIns="90000" bIns="46800" anchor="ctr"/>
+          <a:lstStyle/>
           <a:p>
             <a:pPr algn="ctr">
               <a:lnSpc>
@@ -4401,12 +4676,15 @@
               <a:srgbClr val="000000"/>
             </a:solidFill>
             <a:miter/>
-            <a:tailEnd len="med" type="triangle" w="med"/>
+            <a:tailEnd type="triangle" w="med" len="med"/>
           </a:ln>
         </p:spPr>
       </p:sp>
     </p:spTree>
   </p:cSld>
+  <p:clrMapOvr>
+    <a:masterClrMapping/>
+  </p:clrMapOvr>
   <p:timing>
     <p:tnLst>
       <p:par>
@@ -4415,14 +4693,14 @@
             <p:seq>
               <p:cTn id="2" nodeType="mainSeq"/>
               <p:prevCondLst>
-                <p:cond delay="0" evt="onPrev">
+                <p:cond evt="onPrev" delay="0">
                   <p:tgtEl>
                     <p:sldTgt/>
                   </p:tgtEl>
                 </p:cond>
               </p:prevCondLst>
               <p:nextCondLst>
-                <p:cond delay="0" evt="onNext">
+                <p:cond evt="onNext" delay="0">
                   <p:tgtEl>
                     <p:sldTgt/>
                   </p:tgtEl>
@@ -4438,7 +4716,7 @@
 </file>
 
 <file path=ppt/slides/slide2.xml><?xml version="1.0" encoding="utf-8"?>
-<p:sld xmlns:a="http://schemas.openxmlformats.org/drawingml/2006/main" xmlns:p="http://schemas.openxmlformats.org/presentationml/2006/main" xmlns:r="http://schemas.openxmlformats.org/officeDocument/2006/relationships">
+<p:sld xmlns:a="http://schemas.openxmlformats.org/drawingml/2006/main" xmlns:r="http://schemas.openxmlformats.org/officeDocument/2006/relationships" xmlns:p="http://schemas.openxmlformats.org/presentationml/2006/main">
   <p:cSld>
     <p:spTree>
       <p:nvGrpSpPr>
@@ -4469,17 +4747,18 @@
             <a:avLst/>
           </a:prstGeom>
           <a:solidFill>
-            <a:srgbClr val="deebf7"/>
+            <a:srgbClr val="DEEBF7"/>
           </a:solidFill>
           <a:ln w="12600">
             <a:solidFill>
-              <a:srgbClr val="43729d"/>
-            </a:solidFill>
-            <a:miter/>
-          </a:ln>
-        </p:spPr>
-        <p:txBody>
-          <a:bodyPr lIns="90000" rIns="90000" tIns="45000" bIns="45000" anchor="ctr"/>
+              <a:srgbClr val="43729D"/>
+            </a:solidFill>
+            <a:miter/>
+          </a:ln>
+        </p:spPr>
+        <p:txBody>
+          <a:bodyPr lIns="90000" tIns="45000" rIns="90000" bIns="45000" anchor="ctr"/>
+          <a:lstStyle/>
           <a:p>
             <a:pPr algn="ctr">
               <a:lnSpc>
@@ -4514,17 +4793,18 @@
             <a:avLst/>
           </a:prstGeom>
           <a:solidFill>
-            <a:srgbClr val="deebf7"/>
+            <a:srgbClr val="DEEBF7"/>
           </a:solidFill>
           <a:ln w="12600">
             <a:solidFill>
-              <a:srgbClr val="43729d"/>
-            </a:solidFill>
-            <a:miter/>
-          </a:ln>
-        </p:spPr>
-        <p:txBody>
-          <a:bodyPr lIns="90000" rIns="90000" tIns="45000" bIns="45000" anchor="ctr"/>
+              <a:srgbClr val="43729D"/>
+            </a:solidFill>
+            <a:miter/>
+          </a:ln>
+        </p:spPr>
+        <p:txBody>
+          <a:bodyPr lIns="90000" tIns="45000" rIns="90000" bIns="45000" anchor="ctr"/>
+          <a:lstStyle/>
           <a:p>
             <a:pPr algn="ctr">
               <a:lnSpc>
@@ -4559,17 +4839,18 @@
             <a:avLst/>
           </a:prstGeom>
           <a:solidFill>
-            <a:srgbClr val="deebf7"/>
+            <a:srgbClr val="DEEBF7"/>
           </a:solidFill>
           <a:ln w="12600">
             <a:solidFill>
-              <a:srgbClr val="43729d"/>
-            </a:solidFill>
-            <a:miter/>
-          </a:ln>
-        </p:spPr>
-        <p:txBody>
-          <a:bodyPr lIns="90000" rIns="90000" tIns="45000" bIns="45000" anchor="ctr"/>
+              <a:srgbClr val="43729D"/>
+            </a:solidFill>
+            <a:miter/>
+          </a:ln>
+        </p:spPr>
+        <p:txBody>
+          <a:bodyPr lIns="90000" tIns="45000" rIns="90000" bIns="45000" anchor="ctr"/>
+          <a:lstStyle/>
           <a:p>
             <a:pPr algn="ctr">
               <a:lnSpc>
@@ -4604,17 +4885,18 @@
             <a:avLst/>
           </a:prstGeom>
           <a:solidFill>
-            <a:srgbClr val="deebf7"/>
+            <a:srgbClr val="DEEBF7"/>
           </a:solidFill>
           <a:ln w="12600">
             <a:solidFill>
-              <a:srgbClr val="43729d"/>
-            </a:solidFill>
-            <a:miter/>
-          </a:ln>
-        </p:spPr>
-        <p:txBody>
-          <a:bodyPr lIns="90000" rIns="90000" tIns="45000" bIns="45000" anchor="ctr"/>
+              <a:srgbClr val="43729D"/>
+            </a:solidFill>
+            <a:miter/>
+          </a:ln>
+        </p:spPr>
+        <p:txBody>
+          <a:bodyPr lIns="90000" tIns="45000" rIns="90000" bIns="45000" anchor="ctr"/>
+          <a:lstStyle/>
           <a:p>
             <a:pPr algn="ctr">
               <a:lnSpc>
@@ -4649,17 +4931,18 @@
             <a:avLst/>
           </a:prstGeom>
           <a:solidFill>
-            <a:srgbClr val="deebf7"/>
+            <a:srgbClr val="DEEBF7"/>
           </a:solidFill>
           <a:ln w="12600">
             <a:solidFill>
-              <a:srgbClr val="43729d"/>
-            </a:solidFill>
-            <a:miter/>
-          </a:ln>
-        </p:spPr>
-        <p:txBody>
-          <a:bodyPr lIns="90000" rIns="90000" tIns="45000" bIns="45000" anchor="ctr"/>
+              <a:srgbClr val="43729D"/>
+            </a:solidFill>
+            <a:miter/>
+          </a:ln>
+        </p:spPr>
+        <p:txBody>
+          <a:bodyPr lIns="90000" tIns="45000" rIns="90000" bIns="45000" anchor="ctr"/>
+          <a:lstStyle/>
           <a:p>
             <a:pPr algn="ctr">
               <a:lnSpc>
@@ -4694,17 +4977,18 @@
             <a:avLst/>
           </a:prstGeom>
           <a:solidFill>
-            <a:srgbClr val="deebf7"/>
+            <a:srgbClr val="DEEBF7"/>
           </a:solidFill>
           <a:ln w="12600">
             <a:solidFill>
-              <a:srgbClr val="43729d"/>
-            </a:solidFill>
-            <a:miter/>
-          </a:ln>
-        </p:spPr>
-        <p:txBody>
-          <a:bodyPr lIns="90000" rIns="90000" tIns="45000" bIns="45000" anchor="ctr"/>
+              <a:srgbClr val="43729D"/>
+            </a:solidFill>
+            <a:miter/>
+          </a:ln>
+        </p:spPr>
+        <p:txBody>
+          <a:bodyPr lIns="90000" tIns="45000" rIns="90000" bIns="45000" anchor="ctr"/>
+          <a:lstStyle/>
           <a:p>
             <a:pPr algn="ctr">
               <a:lnSpc>
@@ -4739,17 +5023,18 @@
             <a:avLst/>
           </a:prstGeom>
           <a:solidFill>
-            <a:srgbClr val="deebf7"/>
+            <a:srgbClr val="DEEBF7"/>
           </a:solidFill>
           <a:ln w="12600">
             <a:solidFill>
-              <a:srgbClr val="43729d"/>
-            </a:solidFill>
-            <a:miter/>
-          </a:ln>
-        </p:spPr>
-        <p:txBody>
-          <a:bodyPr lIns="90000" rIns="90000" tIns="45000" bIns="45000" anchor="ctr"/>
+              <a:srgbClr val="43729D"/>
+            </a:solidFill>
+            <a:miter/>
+          </a:ln>
+        </p:spPr>
+        <p:txBody>
+          <a:bodyPr lIns="90000" tIns="45000" rIns="90000" bIns="45000" anchor="ctr"/>
+          <a:lstStyle/>
           <a:p>
             <a:pPr algn="ctr">
               <a:lnSpc>
@@ -4784,17 +5069,18 @@
             <a:avLst/>
           </a:prstGeom>
           <a:solidFill>
-            <a:srgbClr val="deebf7"/>
+            <a:srgbClr val="DEEBF7"/>
           </a:solidFill>
           <a:ln w="12600">
             <a:solidFill>
-              <a:srgbClr val="43729d"/>
-            </a:solidFill>
-            <a:miter/>
-          </a:ln>
-        </p:spPr>
-        <p:txBody>
-          <a:bodyPr lIns="90000" rIns="90000" tIns="45000" bIns="45000" anchor="ctr"/>
+              <a:srgbClr val="43729D"/>
+            </a:solidFill>
+            <a:miter/>
+          </a:ln>
+        </p:spPr>
+        <p:txBody>
+          <a:bodyPr lIns="90000" tIns="45000" rIns="90000" bIns="45000" anchor="ctr"/>
+          <a:lstStyle/>
           <a:p>
             <a:pPr algn="ctr">
               <a:lnSpc>
@@ -4829,17 +5115,18 @@
             <a:avLst/>
           </a:prstGeom>
           <a:solidFill>
-            <a:srgbClr val="deebf7"/>
+            <a:srgbClr val="DEEBF7"/>
           </a:solidFill>
           <a:ln w="12600">
             <a:solidFill>
-              <a:srgbClr val="43729d"/>
-            </a:solidFill>
-            <a:miter/>
-          </a:ln>
-        </p:spPr>
-        <p:txBody>
-          <a:bodyPr lIns="90000" rIns="90000" tIns="45000" bIns="45000" anchor="ctr"/>
+              <a:srgbClr val="43729D"/>
+            </a:solidFill>
+            <a:miter/>
+          </a:ln>
+        </p:spPr>
+        <p:txBody>
+          <a:bodyPr lIns="90000" tIns="45000" rIns="90000" bIns="45000" anchor="ctr"/>
+          <a:lstStyle/>
           <a:p>
             <a:pPr algn="ctr">
               <a:lnSpc>
@@ -5050,17 +5337,18 @@
             <a:avLst/>
           </a:prstGeom>
           <a:solidFill>
-            <a:srgbClr val="deebf7"/>
+            <a:srgbClr val="DEEBF7"/>
           </a:solidFill>
           <a:ln w="12600">
             <a:solidFill>
-              <a:srgbClr val="43729d"/>
-            </a:solidFill>
-            <a:miter/>
-          </a:ln>
-        </p:spPr>
-        <p:txBody>
-          <a:bodyPr lIns="90000" rIns="90000" tIns="45000" bIns="45000" anchor="ctr"/>
+              <a:srgbClr val="43729D"/>
+            </a:solidFill>
+            <a:miter/>
+          </a:ln>
+        </p:spPr>
+        <p:txBody>
+          <a:bodyPr lIns="90000" tIns="45000" rIns="90000" bIns="45000" anchor="ctr"/>
+          <a:lstStyle/>
           <a:p>
             <a:pPr algn="ctr">
               <a:lnSpc>
@@ -5095,17 +5383,18 @@
             <a:avLst/>
           </a:prstGeom>
           <a:solidFill>
-            <a:srgbClr val="deebf7"/>
+            <a:srgbClr val="DEEBF7"/>
           </a:solidFill>
           <a:ln w="12600">
             <a:solidFill>
-              <a:srgbClr val="43729d"/>
-            </a:solidFill>
-            <a:miter/>
-          </a:ln>
-        </p:spPr>
-        <p:txBody>
-          <a:bodyPr lIns="90000" rIns="90000" tIns="45000" bIns="45000" anchor="ctr"/>
+              <a:srgbClr val="43729D"/>
+            </a:solidFill>
+            <a:miter/>
+          </a:ln>
+        </p:spPr>
+        <p:txBody>
+          <a:bodyPr lIns="90000" tIns="45000" rIns="90000" bIns="45000" anchor="ctr"/>
+          <a:lstStyle/>
           <a:p>
             <a:pPr algn="ctr">
               <a:lnSpc>
@@ -5184,17 +5473,18 @@
             <a:avLst/>
           </a:prstGeom>
           <a:solidFill>
-            <a:srgbClr val="deebf7"/>
+            <a:srgbClr val="DEEBF7"/>
           </a:solidFill>
           <a:ln w="12600">
             <a:solidFill>
-              <a:srgbClr val="43729d"/>
-            </a:solidFill>
-            <a:miter/>
-          </a:ln>
-        </p:spPr>
-        <p:txBody>
-          <a:bodyPr lIns="90000" rIns="90000" tIns="45000" bIns="45000" anchor="ctr"/>
+              <a:srgbClr val="43729D"/>
+            </a:solidFill>
+            <a:miter/>
+          </a:ln>
+        </p:spPr>
+        <p:txBody>
+          <a:bodyPr lIns="90000" tIns="45000" rIns="90000" bIns="45000" anchor="ctr"/>
+          <a:lstStyle/>
           <a:p>
             <a:pPr algn="ctr">
               <a:lnSpc>
@@ -5229,17 +5519,18 @@
             <a:avLst/>
           </a:prstGeom>
           <a:solidFill>
-            <a:srgbClr val="deebf7"/>
+            <a:srgbClr val="DEEBF7"/>
           </a:solidFill>
           <a:ln w="12600">
             <a:solidFill>
-              <a:srgbClr val="43729d"/>
-            </a:solidFill>
-            <a:miter/>
-          </a:ln>
-        </p:spPr>
-        <p:txBody>
-          <a:bodyPr lIns="90000" rIns="90000" tIns="45000" bIns="45000" anchor="ctr"/>
+              <a:srgbClr val="43729D"/>
+            </a:solidFill>
+            <a:miter/>
+          </a:ln>
+        </p:spPr>
+        <p:txBody>
+          <a:bodyPr lIns="90000" tIns="45000" rIns="90000" bIns="45000" anchor="ctr"/>
+          <a:lstStyle/>
           <a:p>
             <a:pPr algn="ctr">
               <a:lnSpc>
@@ -5274,17 +5565,18 @@
             <a:avLst/>
           </a:prstGeom>
           <a:solidFill>
-            <a:srgbClr val="deebf7"/>
+            <a:srgbClr val="DEEBF7"/>
           </a:solidFill>
           <a:ln w="12600">
             <a:solidFill>
-              <a:srgbClr val="43729d"/>
-            </a:solidFill>
-            <a:miter/>
-          </a:ln>
-        </p:spPr>
-        <p:txBody>
-          <a:bodyPr lIns="90000" rIns="90000" tIns="45000" bIns="45000" anchor="ctr"/>
+              <a:srgbClr val="43729D"/>
+            </a:solidFill>
+            <a:miter/>
+          </a:ln>
+        </p:spPr>
+        <p:txBody>
+          <a:bodyPr lIns="90000" tIns="45000" rIns="90000" bIns="45000" anchor="ctr"/>
+          <a:lstStyle/>
           <a:p>
             <a:pPr algn="ctr">
               <a:lnSpc>
@@ -5319,17 +5611,18 @@
             <a:avLst/>
           </a:prstGeom>
           <a:solidFill>
-            <a:srgbClr val="deebf7"/>
+            <a:srgbClr val="DEEBF7"/>
           </a:solidFill>
           <a:ln w="12600">
             <a:solidFill>
-              <a:srgbClr val="43729d"/>
-            </a:solidFill>
-            <a:miter/>
-          </a:ln>
-        </p:spPr>
-        <p:txBody>
-          <a:bodyPr lIns="90000" rIns="90000" tIns="45000" bIns="45000" anchor="ctr"/>
+              <a:srgbClr val="43729D"/>
+            </a:solidFill>
+            <a:miter/>
+          </a:ln>
+        </p:spPr>
+        <p:txBody>
+          <a:bodyPr lIns="90000" tIns="45000" rIns="90000" bIns="45000" anchor="ctr"/>
+          <a:lstStyle/>
           <a:p>
             <a:pPr algn="ctr">
               <a:lnSpc>
@@ -5364,17 +5657,18 @@
             <a:avLst/>
           </a:prstGeom>
           <a:solidFill>
-            <a:srgbClr val="deebf7"/>
+            <a:srgbClr val="DEEBF7"/>
           </a:solidFill>
           <a:ln w="12600">
             <a:solidFill>
-              <a:srgbClr val="43729d"/>
-            </a:solidFill>
-            <a:miter/>
-          </a:ln>
-        </p:spPr>
-        <p:txBody>
-          <a:bodyPr lIns="90000" rIns="90000" tIns="45000" bIns="45000" anchor="ctr"/>
+              <a:srgbClr val="43729D"/>
+            </a:solidFill>
+            <a:miter/>
+          </a:ln>
+        </p:spPr>
+        <p:txBody>
+          <a:bodyPr lIns="90000" tIns="45000" rIns="90000" bIns="45000" anchor="ctr"/>
+          <a:lstStyle/>
           <a:p>
             <a:pPr algn="ctr">
               <a:lnSpc>
@@ -5519,17 +5813,18 @@
             <a:avLst/>
           </a:prstGeom>
           <a:solidFill>
-            <a:srgbClr val="deebf7"/>
+            <a:srgbClr val="DEEBF7"/>
           </a:solidFill>
           <a:ln w="12600">
             <a:solidFill>
-              <a:srgbClr val="43729d"/>
-            </a:solidFill>
-            <a:miter/>
-          </a:ln>
-        </p:spPr>
-        <p:txBody>
-          <a:bodyPr lIns="90000" rIns="90000" tIns="45000" bIns="45000" anchor="ctr"/>
+              <a:srgbClr val="43729D"/>
+            </a:solidFill>
+            <a:miter/>
+          </a:ln>
+        </p:spPr>
+        <p:txBody>
+          <a:bodyPr lIns="90000" tIns="45000" rIns="90000" bIns="45000" anchor="ctr"/>
+          <a:lstStyle/>
           <a:p>
             <a:pPr algn="ctr">
               <a:lnSpc>
@@ -5608,17 +5903,18 @@
             <a:avLst/>
           </a:prstGeom>
           <a:solidFill>
-            <a:srgbClr val="deebf7"/>
+            <a:srgbClr val="DEEBF7"/>
           </a:solidFill>
           <a:ln w="12600">
             <a:solidFill>
-              <a:srgbClr val="43729d"/>
-            </a:solidFill>
-            <a:miter/>
-          </a:ln>
-        </p:spPr>
-        <p:txBody>
-          <a:bodyPr lIns="90000" rIns="90000" tIns="45000" bIns="45000" anchor="ctr"/>
+              <a:srgbClr val="43729D"/>
+            </a:solidFill>
+            <a:miter/>
+          </a:ln>
+        </p:spPr>
+        <p:txBody>
+          <a:bodyPr lIns="90000" tIns="45000" rIns="90000" bIns="45000" anchor="ctr"/>
+          <a:lstStyle/>
           <a:p>
             <a:pPr algn="ctr">
               <a:lnSpc>
@@ -5675,17 +5971,18 @@
             <a:avLst/>
           </a:prstGeom>
           <a:solidFill>
-            <a:srgbClr val="deebf7"/>
+            <a:srgbClr val="DEEBF7"/>
           </a:solidFill>
           <a:ln w="12600">
             <a:solidFill>
-              <a:srgbClr val="43729d"/>
-            </a:solidFill>
-            <a:miter/>
-          </a:ln>
-        </p:spPr>
-        <p:txBody>
-          <a:bodyPr lIns="90000" rIns="90000" tIns="45000" bIns="45000" anchor="ctr"/>
+              <a:srgbClr val="43729D"/>
+            </a:solidFill>
+            <a:miter/>
+          </a:ln>
+        </p:spPr>
+        <p:txBody>
+          <a:bodyPr lIns="90000" tIns="45000" rIns="90000" bIns="45000" anchor="ctr"/>
+          <a:lstStyle/>
           <a:p>
             <a:pPr algn="ctr">
               <a:lnSpc>
@@ -5720,17 +6017,18 @@
             <a:avLst/>
           </a:prstGeom>
           <a:solidFill>
-            <a:srgbClr val="deebf7"/>
+            <a:srgbClr val="DEEBF7"/>
           </a:solidFill>
           <a:ln w="12600">
             <a:solidFill>
-              <a:srgbClr val="43729d"/>
-            </a:solidFill>
-            <a:miter/>
-          </a:ln>
-        </p:spPr>
-        <p:txBody>
-          <a:bodyPr lIns="90000" rIns="90000" tIns="45000" bIns="45000" anchor="ctr"/>
+              <a:srgbClr val="43729D"/>
+            </a:solidFill>
+            <a:miter/>
+          </a:ln>
+        </p:spPr>
+        <p:txBody>
+          <a:bodyPr lIns="90000" tIns="45000" rIns="90000" bIns="45000" anchor="ctr"/>
+          <a:lstStyle/>
           <a:p>
             <a:pPr algn="ctr">
               <a:lnSpc>
@@ -5765,17 +6063,18 @@
             <a:avLst/>
           </a:prstGeom>
           <a:solidFill>
-            <a:srgbClr val="deebf7"/>
+            <a:srgbClr val="DEEBF7"/>
           </a:solidFill>
           <a:ln w="12600">
             <a:solidFill>
-              <a:srgbClr val="43729d"/>
-            </a:solidFill>
-            <a:miter/>
-          </a:ln>
-        </p:spPr>
-        <p:txBody>
-          <a:bodyPr lIns="90000" rIns="90000" tIns="45000" bIns="45000" anchor="ctr"/>
+              <a:srgbClr val="43729D"/>
+            </a:solidFill>
+            <a:miter/>
+          </a:ln>
+        </p:spPr>
+        <p:txBody>
+          <a:bodyPr lIns="90000" tIns="45000" rIns="90000" bIns="45000" anchor="ctr"/>
+          <a:lstStyle/>
           <a:p>
             <a:pPr algn="ctr">
               <a:lnSpc>
@@ -5810,17 +6109,18 @@
             <a:avLst/>
           </a:prstGeom>
           <a:solidFill>
-            <a:srgbClr val="deebf7"/>
+            <a:srgbClr val="DEEBF7"/>
           </a:solidFill>
           <a:ln w="12600">
             <a:solidFill>
-              <a:srgbClr val="43729d"/>
-            </a:solidFill>
-            <a:miter/>
-          </a:ln>
-        </p:spPr>
-        <p:txBody>
-          <a:bodyPr lIns="90000" rIns="90000" tIns="45000" bIns="45000" anchor="ctr"/>
+              <a:srgbClr val="43729D"/>
+            </a:solidFill>
+            <a:miter/>
+          </a:ln>
+        </p:spPr>
+        <p:txBody>
+          <a:bodyPr lIns="90000" tIns="45000" rIns="90000" bIns="45000" anchor="ctr"/>
+          <a:lstStyle/>
           <a:p>
             <a:pPr algn="ctr">
               <a:lnSpc>
@@ -5855,17 +6155,18 @@
             <a:avLst/>
           </a:prstGeom>
           <a:solidFill>
-            <a:srgbClr val="deebf7"/>
+            <a:srgbClr val="DEEBF7"/>
           </a:solidFill>
           <a:ln w="12600">
             <a:solidFill>
-              <a:srgbClr val="43729d"/>
-            </a:solidFill>
-            <a:miter/>
-          </a:ln>
-        </p:spPr>
-        <p:txBody>
-          <a:bodyPr lIns="90000" rIns="90000" tIns="45000" bIns="45000" anchor="ctr"/>
+              <a:srgbClr val="43729D"/>
+            </a:solidFill>
+            <a:miter/>
+          </a:ln>
+        </p:spPr>
+        <p:txBody>
+          <a:bodyPr lIns="90000" tIns="45000" rIns="90000" bIns="45000" anchor="ctr"/>
+          <a:lstStyle/>
           <a:p>
             <a:pPr algn="ctr">
               <a:lnSpc>
@@ -5900,17 +6201,18 @@
             <a:avLst/>
           </a:prstGeom>
           <a:solidFill>
-            <a:srgbClr val="deebf7"/>
+            <a:srgbClr val="DEEBF7"/>
           </a:solidFill>
           <a:ln w="12600">
             <a:solidFill>
-              <a:srgbClr val="43729d"/>
-            </a:solidFill>
-            <a:miter/>
-          </a:ln>
-        </p:spPr>
-        <p:txBody>
-          <a:bodyPr lIns="90000" rIns="90000" tIns="45000" bIns="45000" anchor="ctr"/>
+              <a:srgbClr val="43729D"/>
+            </a:solidFill>
+            <a:miter/>
+          </a:ln>
+        </p:spPr>
+        <p:txBody>
+          <a:bodyPr lIns="90000" tIns="45000" rIns="90000" bIns="45000" anchor="ctr"/>
+          <a:lstStyle/>
           <a:p>
             <a:pPr algn="ctr">
               <a:lnSpc>
@@ -5945,17 +6247,18 @@
             <a:avLst/>
           </a:prstGeom>
           <a:solidFill>
-            <a:srgbClr val="deebf7"/>
+            <a:srgbClr val="DEEBF7"/>
           </a:solidFill>
           <a:ln w="12600">
             <a:solidFill>
-              <a:srgbClr val="43729d"/>
-            </a:solidFill>
-            <a:miter/>
-          </a:ln>
-        </p:spPr>
-        <p:txBody>
-          <a:bodyPr lIns="90000" rIns="90000" tIns="45000" bIns="45000" anchor="ctr"/>
+              <a:srgbClr val="43729D"/>
+            </a:solidFill>
+            <a:miter/>
+          </a:ln>
+        </p:spPr>
+        <p:txBody>
+          <a:bodyPr lIns="90000" tIns="45000" rIns="90000" bIns="45000" anchor="ctr"/>
+          <a:lstStyle/>
           <a:p>
             <a:pPr algn="ctr">
               <a:lnSpc>
@@ -5990,17 +6293,18 @@
             <a:avLst/>
           </a:prstGeom>
           <a:solidFill>
-            <a:srgbClr val="deebf7"/>
+            <a:srgbClr val="DEEBF7"/>
           </a:solidFill>
           <a:ln w="12600">
             <a:solidFill>
-              <a:srgbClr val="43729d"/>
-            </a:solidFill>
-            <a:miter/>
-          </a:ln>
-        </p:spPr>
-        <p:txBody>
-          <a:bodyPr lIns="90000" rIns="90000" tIns="45000" bIns="45000" anchor="ctr"/>
+              <a:srgbClr val="43729D"/>
+            </a:solidFill>
+            <a:miter/>
+          </a:ln>
+        </p:spPr>
+        <p:txBody>
+          <a:bodyPr lIns="90000" tIns="45000" rIns="90000" bIns="45000" anchor="ctr"/>
+          <a:lstStyle/>
           <a:p>
             <a:pPr algn="ctr">
               <a:lnSpc>
@@ -6211,17 +6515,18 @@
             <a:avLst/>
           </a:prstGeom>
           <a:solidFill>
-            <a:srgbClr val="deebf7"/>
+            <a:srgbClr val="DEEBF7"/>
           </a:solidFill>
           <a:ln w="12600">
             <a:solidFill>
-              <a:srgbClr val="43729d"/>
-            </a:solidFill>
-            <a:miter/>
-          </a:ln>
-        </p:spPr>
-        <p:txBody>
-          <a:bodyPr lIns="90000" rIns="90000" tIns="45000" bIns="45000" anchor="ctr"/>
+              <a:srgbClr val="43729D"/>
+            </a:solidFill>
+            <a:miter/>
+          </a:ln>
+        </p:spPr>
+        <p:txBody>
+          <a:bodyPr lIns="90000" tIns="45000" rIns="90000" bIns="45000" anchor="ctr"/>
+          <a:lstStyle/>
           <a:p>
             <a:pPr algn="ctr">
               <a:lnSpc>
@@ -6256,17 +6561,18 @@
             <a:avLst/>
           </a:prstGeom>
           <a:solidFill>
-            <a:srgbClr val="deebf7"/>
+            <a:srgbClr val="DEEBF7"/>
           </a:solidFill>
           <a:ln w="12600">
             <a:solidFill>
-              <a:srgbClr val="43729d"/>
-            </a:solidFill>
-            <a:miter/>
-          </a:ln>
-        </p:spPr>
-        <p:txBody>
-          <a:bodyPr lIns="90000" rIns="90000" tIns="45000" bIns="45000" anchor="ctr"/>
+              <a:srgbClr val="43729D"/>
+            </a:solidFill>
+            <a:miter/>
+          </a:ln>
+        </p:spPr>
+        <p:txBody>
+          <a:bodyPr lIns="90000" tIns="45000" rIns="90000" bIns="45000" anchor="ctr"/>
+          <a:lstStyle/>
           <a:p>
             <a:pPr algn="ctr">
               <a:lnSpc>
@@ -6323,17 +6629,18 @@
             <a:avLst/>
           </a:prstGeom>
           <a:solidFill>
-            <a:srgbClr val="deebf7"/>
+            <a:srgbClr val="DEEBF7"/>
           </a:solidFill>
           <a:ln w="12600">
             <a:solidFill>
-              <a:srgbClr val="43729d"/>
-            </a:solidFill>
-            <a:miter/>
-          </a:ln>
-        </p:spPr>
-        <p:txBody>
-          <a:bodyPr lIns="90000" rIns="90000" tIns="45000" bIns="45000" anchor="ctr"/>
+              <a:srgbClr val="43729D"/>
+            </a:solidFill>
+            <a:miter/>
+          </a:ln>
+        </p:spPr>
+        <p:txBody>
+          <a:bodyPr lIns="90000" tIns="45000" rIns="90000" bIns="45000" anchor="ctr"/>
+          <a:lstStyle/>
           <a:p>
             <a:pPr algn="ctr">
               <a:lnSpc>
@@ -6395,7 +6702,8 @@
           </a:ln>
         </p:spPr>
         <p:txBody>
-          <a:bodyPr lIns="90000" rIns="90000" tIns="45000" bIns="45000"/>
+          <a:bodyPr lIns="90000" tIns="45000" rIns="90000" bIns="45000"/>
+          <a:lstStyle/>
           <a:p>
             <a:pPr>
               <a:lnSpc>
@@ -6405,7 +6713,7 @@
             <a:r>
               <a:rPr lang="en-US">
                 <a:solidFill>
-                  <a:srgbClr val="ff0000"/>
+                  <a:srgbClr val="FF0000"/>
                 </a:solidFill>
                 <a:latin typeface="Calibri"/>
               </a:rPr>
@@ -6435,7 +6743,8 @@
           </a:ln>
         </p:spPr>
         <p:txBody>
-          <a:bodyPr wrap="none" lIns="90000" rIns="90000" tIns="45000" bIns="45000"/>
+          <a:bodyPr wrap="none" lIns="90000" tIns="45000" rIns="90000" bIns="45000"/>
+          <a:lstStyle/>
           <a:p>
             <a:pPr>
               <a:lnSpc>
@@ -6445,7 +6754,7 @@
             <a:r>
               <a:rPr lang="en-US">
                 <a:solidFill>
-                  <a:srgbClr val="ff0000"/>
+                  <a:srgbClr val="FF0000"/>
                 </a:solidFill>
                 <a:latin typeface="Calibri"/>
               </a:rPr>
@@ -6475,7 +6784,8 @@
           </a:ln>
         </p:spPr>
         <p:txBody>
-          <a:bodyPr wrap="none" lIns="90000" rIns="90000" tIns="45000" bIns="45000"/>
+          <a:bodyPr wrap="none" lIns="90000" tIns="45000" rIns="90000" bIns="45000"/>
+          <a:lstStyle/>
           <a:p>
             <a:pPr>
               <a:lnSpc>
@@ -6485,7 +6795,7 @@
             <a:r>
               <a:rPr lang="en-US">
                 <a:solidFill>
-                  <a:srgbClr val="ff0000"/>
+                  <a:srgbClr val="FF0000"/>
                 </a:solidFill>
                 <a:latin typeface="Calibri"/>
               </a:rPr>
@@ -6515,7 +6825,8 @@
           </a:ln>
         </p:spPr>
         <p:txBody>
-          <a:bodyPr wrap="none" lIns="90000" rIns="90000" tIns="45000" bIns="45000"/>
+          <a:bodyPr wrap="none" lIns="90000" tIns="45000" rIns="90000" bIns="45000"/>
+          <a:lstStyle/>
           <a:p>
             <a:pPr>
               <a:lnSpc>
@@ -6525,7 +6836,7 @@
             <a:r>
               <a:rPr lang="en-US">
                 <a:solidFill>
-                  <a:srgbClr val="ff0000"/>
+                  <a:srgbClr val="FF0000"/>
                 </a:solidFill>
                 <a:latin typeface="Calibri"/>
               </a:rPr>
@@ -6555,7 +6866,8 @@
           </a:ln>
         </p:spPr>
         <p:txBody>
-          <a:bodyPr wrap="none" lIns="90000" rIns="90000" tIns="45000" bIns="45000"/>
+          <a:bodyPr wrap="none" lIns="90000" tIns="45000" rIns="90000" bIns="45000"/>
+          <a:lstStyle/>
           <a:p>
             <a:pPr>
               <a:lnSpc>
@@ -6565,7 +6877,7 @@
             <a:r>
               <a:rPr lang="en-US">
                 <a:solidFill>
-                  <a:srgbClr val="ff0000"/>
+                  <a:srgbClr val="FF0000"/>
                 </a:solidFill>
                 <a:latin typeface="Calibri"/>
               </a:rPr>
@@ -6595,7 +6907,8 @@
           </a:ln>
         </p:spPr>
         <p:txBody>
-          <a:bodyPr wrap="none" lIns="90000" rIns="90000" tIns="45000" bIns="45000"/>
+          <a:bodyPr wrap="none" lIns="90000" tIns="45000" rIns="90000" bIns="45000"/>
+          <a:lstStyle/>
           <a:p>
             <a:pPr>
               <a:lnSpc>
@@ -6605,7 +6918,7 @@
             <a:r>
               <a:rPr lang="en-US">
                 <a:solidFill>
-                  <a:srgbClr val="ff0000"/>
+                  <a:srgbClr val="FF0000"/>
                 </a:solidFill>
                 <a:latin typeface="Calibri"/>
               </a:rPr>
@@ -6635,7 +6948,8 @@
           </a:ln>
         </p:spPr>
         <p:txBody>
-          <a:bodyPr wrap="none" lIns="90000" rIns="90000" tIns="45000" bIns="45000"/>
+          <a:bodyPr wrap="none" lIns="90000" tIns="45000" rIns="90000" bIns="45000"/>
+          <a:lstStyle/>
           <a:p>
             <a:pPr>
               <a:lnSpc>
@@ -6645,7 +6959,7 @@
             <a:r>
               <a:rPr lang="en-US">
                 <a:solidFill>
-                  <a:srgbClr val="ff0000"/>
+                  <a:srgbClr val="FF0000"/>
                 </a:solidFill>
                 <a:latin typeface="Calibri"/>
               </a:rPr>
@@ -6675,7 +6989,8 @@
           </a:ln>
         </p:spPr>
         <p:txBody>
-          <a:bodyPr wrap="none" lIns="90000" rIns="90000" tIns="45000" bIns="45000"/>
+          <a:bodyPr wrap="none" lIns="90000" tIns="45000" rIns="90000" bIns="45000"/>
+          <a:lstStyle/>
           <a:p>
             <a:pPr>
               <a:lnSpc>
@@ -6685,7 +7000,7 @@
             <a:r>
               <a:rPr lang="en-US">
                 <a:solidFill>
-                  <a:srgbClr val="ff0000"/>
+                  <a:srgbClr val="FF0000"/>
                 </a:solidFill>
                 <a:latin typeface="Calibri"/>
               </a:rPr>
@@ -6715,7 +7030,8 @@
           </a:ln>
         </p:spPr>
         <p:txBody>
-          <a:bodyPr wrap="none" lIns="90000" rIns="90000" tIns="45000" bIns="45000"/>
+          <a:bodyPr wrap="none" lIns="90000" tIns="45000" rIns="90000" bIns="45000"/>
+          <a:lstStyle/>
           <a:p>
             <a:pPr>
               <a:lnSpc>
@@ -6725,7 +7041,7 @@
             <a:r>
               <a:rPr lang="en-US">
                 <a:solidFill>
-                  <a:srgbClr val="ff0000"/>
+                  <a:srgbClr val="FF0000"/>
                 </a:solidFill>
                 <a:latin typeface="Calibri"/>
               </a:rPr>
@@ -6755,7 +7071,8 @@
           </a:ln>
         </p:spPr>
         <p:txBody>
-          <a:bodyPr wrap="none" lIns="90000" rIns="90000" tIns="45000" bIns="45000"/>
+          <a:bodyPr wrap="none" lIns="90000" tIns="45000" rIns="90000" bIns="45000"/>
+          <a:lstStyle/>
           <a:p>
             <a:pPr>
               <a:lnSpc>
@@ -6765,7 +7082,7 @@
             <a:r>
               <a:rPr lang="en-US">
                 <a:solidFill>
-                  <a:srgbClr val="ff0000"/>
+                  <a:srgbClr val="FF0000"/>
                 </a:solidFill>
                 <a:latin typeface="Calibri"/>
               </a:rPr>
@@ -6795,7 +7112,8 @@
           </a:ln>
         </p:spPr>
         <p:txBody>
-          <a:bodyPr wrap="none" lIns="90000" rIns="90000" tIns="45000" bIns="45000"/>
+          <a:bodyPr wrap="none" lIns="90000" tIns="45000" rIns="90000" bIns="45000"/>
+          <a:lstStyle/>
           <a:p>
             <a:pPr>
               <a:lnSpc>
@@ -6805,7 +7123,7 @@
             <a:r>
               <a:rPr lang="en-US">
                 <a:solidFill>
-                  <a:srgbClr val="ff0000"/>
+                  <a:srgbClr val="FF0000"/>
                 </a:solidFill>
                 <a:latin typeface="Calibri"/>
               </a:rPr>
@@ -6835,7 +7153,8 @@
           </a:ln>
         </p:spPr>
         <p:txBody>
-          <a:bodyPr wrap="none" lIns="90000" rIns="90000" tIns="45000" bIns="45000"/>
+          <a:bodyPr wrap="none" lIns="90000" tIns="45000" rIns="90000" bIns="45000"/>
+          <a:lstStyle/>
           <a:p>
             <a:pPr>
               <a:lnSpc>
@@ -6845,7 +7164,7 @@
             <a:r>
               <a:rPr lang="en-US">
                 <a:solidFill>
-                  <a:srgbClr val="ff0000"/>
+                  <a:srgbClr val="FF0000"/>
                 </a:solidFill>
                 <a:latin typeface="Calibri"/>
               </a:rPr>
@@ -6875,7 +7194,8 @@
           </a:ln>
         </p:spPr>
         <p:txBody>
-          <a:bodyPr wrap="none" lIns="90000" rIns="90000" tIns="45000" bIns="45000"/>
+          <a:bodyPr wrap="none" lIns="90000" tIns="45000" rIns="90000" bIns="45000"/>
+          <a:lstStyle/>
           <a:p>
             <a:pPr>
               <a:lnSpc>
@@ -6885,7 +7205,7 @@
             <a:r>
               <a:rPr lang="en-US">
                 <a:solidFill>
-                  <a:srgbClr val="ff0000"/>
+                  <a:srgbClr val="FF0000"/>
                 </a:solidFill>
                 <a:latin typeface="Calibri"/>
               </a:rPr>
@@ -6915,7 +7235,8 @@
           </a:ln>
         </p:spPr>
         <p:txBody>
-          <a:bodyPr wrap="none" lIns="90000" rIns="90000" tIns="45000" bIns="45000"/>
+          <a:bodyPr wrap="none" lIns="90000" tIns="45000" rIns="90000" bIns="45000"/>
+          <a:lstStyle/>
           <a:p>
             <a:pPr>
               <a:lnSpc>
@@ -6925,7 +7246,7 @@
             <a:r>
               <a:rPr lang="en-US">
                 <a:solidFill>
-                  <a:srgbClr val="ff0000"/>
+                  <a:srgbClr val="FF0000"/>
                 </a:solidFill>
                 <a:latin typeface="Calibri"/>
               </a:rPr>
@@ -6955,7 +7276,8 @@
           </a:ln>
         </p:spPr>
         <p:txBody>
-          <a:bodyPr wrap="none" lIns="90000" rIns="90000" tIns="45000" bIns="45000"/>
+          <a:bodyPr wrap="none" lIns="90000" tIns="45000" rIns="90000" bIns="45000"/>
+          <a:lstStyle/>
           <a:p>
             <a:pPr>
               <a:lnSpc>
@@ -6965,7 +7287,7 @@
             <a:r>
               <a:rPr lang="en-US">
                 <a:solidFill>
-                  <a:srgbClr val="ff0000"/>
+                  <a:srgbClr val="FF0000"/>
                 </a:solidFill>
                 <a:latin typeface="Calibri"/>
               </a:rPr>
@@ -6995,7 +7317,8 @@
           </a:ln>
         </p:spPr>
         <p:txBody>
-          <a:bodyPr wrap="none" lIns="90000" rIns="90000" tIns="45000" bIns="45000"/>
+          <a:bodyPr wrap="none" lIns="90000" tIns="45000" rIns="90000" bIns="45000"/>
+          <a:lstStyle/>
           <a:p>
             <a:pPr>
               <a:lnSpc>
@@ -7005,7 +7328,7 @@
             <a:r>
               <a:rPr lang="en-US">
                 <a:solidFill>
-                  <a:srgbClr val="ff0000"/>
+                  <a:srgbClr val="FF0000"/>
                 </a:solidFill>
                 <a:latin typeface="Calibri"/>
               </a:rPr>
@@ -7035,7 +7358,8 @@
           </a:ln>
         </p:spPr>
         <p:txBody>
-          <a:bodyPr wrap="none" lIns="90000" rIns="90000" tIns="45000" bIns="45000"/>
+          <a:bodyPr wrap="none" lIns="90000" tIns="45000" rIns="90000" bIns="45000"/>
+          <a:lstStyle/>
           <a:p>
             <a:pPr>
               <a:lnSpc>
@@ -7045,7 +7369,7 @@
             <a:r>
               <a:rPr lang="en-US">
                 <a:solidFill>
-                  <a:srgbClr val="ff0000"/>
+                  <a:srgbClr val="FF0000"/>
                 </a:solidFill>
                 <a:latin typeface="Calibri"/>
               </a:rPr>
@@ -7075,7 +7399,8 @@
           </a:ln>
         </p:spPr>
         <p:txBody>
-          <a:bodyPr wrap="none" lIns="90000" rIns="90000" tIns="45000" bIns="45000"/>
+          <a:bodyPr wrap="none" lIns="90000" tIns="45000" rIns="90000" bIns="45000"/>
+          <a:lstStyle/>
           <a:p>
             <a:pPr>
               <a:lnSpc>
@@ -7085,7 +7410,7 @@
             <a:r>
               <a:rPr lang="en-US">
                 <a:solidFill>
-                  <a:srgbClr val="ff0000"/>
+                  <a:srgbClr val="FF0000"/>
                 </a:solidFill>
                 <a:latin typeface="Calibri"/>
               </a:rPr>
@@ -7115,7 +7440,8 @@
           </a:ln>
         </p:spPr>
         <p:txBody>
-          <a:bodyPr wrap="none" lIns="90000" rIns="90000" tIns="45000" bIns="45000"/>
+          <a:bodyPr wrap="none" lIns="90000" tIns="45000" rIns="90000" bIns="45000"/>
+          <a:lstStyle/>
           <a:p>
             <a:pPr>
               <a:lnSpc>
@@ -7125,7 +7451,7 @@
             <a:r>
               <a:rPr lang="en-US">
                 <a:solidFill>
-                  <a:srgbClr val="ff0000"/>
+                  <a:srgbClr val="FF0000"/>
                 </a:solidFill>
                 <a:latin typeface="Calibri"/>
               </a:rPr>
@@ -7155,7 +7481,8 @@
           </a:ln>
         </p:spPr>
         <p:txBody>
-          <a:bodyPr wrap="none" lIns="90000" rIns="90000" tIns="45000" bIns="45000"/>
+          <a:bodyPr wrap="none" lIns="90000" tIns="45000" rIns="90000" bIns="45000"/>
+          <a:lstStyle/>
           <a:p>
             <a:pPr>
               <a:lnSpc>
@@ -7165,7 +7492,7 @@
             <a:r>
               <a:rPr lang="en-US">
                 <a:solidFill>
-                  <a:srgbClr val="ff0000"/>
+                  <a:srgbClr val="FF0000"/>
                 </a:solidFill>
                 <a:latin typeface="Calibri"/>
               </a:rPr>
@@ -7195,7 +7522,8 @@
           </a:ln>
         </p:spPr>
         <p:txBody>
-          <a:bodyPr wrap="none" lIns="90000" rIns="90000" tIns="45000" bIns="45000"/>
+          <a:bodyPr wrap="none" lIns="90000" tIns="45000" rIns="90000" bIns="45000"/>
+          <a:lstStyle/>
           <a:p>
             <a:pPr>
               <a:lnSpc>
@@ -7205,7 +7533,7 @@
             <a:r>
               <a:rPr lang="en-US">
                 <a:solidFill>
-                  <a:srgbClr val="ff0000"/>
+                  <a:srgbClr val="FF0000"/>
                 </a:solidFill>
                 <a:latin typeface="Calibri"/>
               </a:rPr>
@@ -7235,7 +7563,8 @@
           </a:ln>
         </p:spPr>
         <p:txBody>
-          <a:bodyPr wrap="none" lIns="90000" rIns="90000" tIns="45000" bIns="45000"/>
+          <a:bodyPr wrap="none" lIns="90000" tIns="45000" rIns="90000" bIns="45000"/>
+          <a:lstStyle/>
           <a:p>
             <a:pPr>
               <a:lnSpc>
@@ -7245,7 +7574,7 @@
             <a:r>
               <a:rPr lang="en-US">
                 <a:solidFill>
-                  <a:srgbClr val="ff0000"/>
+                  <a:srgbClr val="FF0000"/>
                 </a:solidFill>
                 <a:latin typeface="Calibri"/>
               </a:rPr>
@@ -7275,7 +7604,8 @@
           </a:ln>
         </p:spPr>
         <p:txBody>
-          <a:bodyPr wrap="none" lIns="90000" rIns="90000" tIns="45000" bIns="45000"/>
+          <a:bodyPr wrap="none" lIns="90000" tIns="45000" rIns="90000" bIns="45000"/>
+          <a:lstStyle/>
           <a:p>
             <a:pPr>
               <a:lnSpc>
@@ -7285,7 +7615,7 @@
             <a:r>
               <a:rPr lang="en-US">
                 <a:solidFill>
-                  <a:srgbClr val="ff0000"/>
+                  <a:srgbClr val="FF0000"/>
                 </a:solidFill>
                 <a:latin typeface="Calibri"/>
               </a:rPr>
@@ -7315,7 +7645,8 @@
           </a:ln>
         </p:spPr>
         <p:txBody>
-          <a:bodyPr wrap="none" lIns="90000" rIns="90000" tIns="45000" bIns="45000"/>
+          <a:bodyPr wrap="none" lIns="90000" tIns="45000" rIns="90000" bIns="45000"/>
+          <a:lstStyle/>
           <a:p>
             <a:pPr>
               <a:lnSpc>
@@ -7325,7 +7656,7 @@
             <a:r>
               <a:rPr lang="en-US">
                 <a:solidFill>
-                  <a:srgbClr val="ff0000"/>
+                  <a:srgbClr val="FF0000"/>
                 </a:solidFill>
                 <a:latin typeface="Calibri"/>
               </a:rPr>
@@ -7355,7 +7686,8 @@
           </a:ln>
         </p:spPr>
         <p:txBody>
-          <a:bodyPr wrap="none" lIns="90000" rIns="90000" tIns="45000" bIns="45000"/>
+          <a:bodyPr wrap="none" lIns="90000" tIns="45000" rIns="90000" bIns="45000"/>
+          <a:lstStyle/>
           <a:p>
             <a:pPr>
               <a:lnSpc>
@@ -7365,7 +7697,7 @@
             <a:r>
               <a:rPr lang="en-US">
                 <a:solidFill>
-                  <a:srgbClr val="ff0000"/>
+                  <a:srgbClr val="FF0000"/>
                 </a:solidFill>
                 <a:latin typeface="Calibri"/>
               </a:rPr>
@@ -7395,7 +7727,8 @@
           </a:ln>
         </p:spPr>
         <p:txBody>
-          <a:bodyPr wrap="none" lIns="90000" rIns="90000" tIns="45000" bIns="45000"/>
+          <a:bodyPr wrap="none" lIns="90000" tIns="45000" rIns="90000" bIns="45000"/>
+          <a:lstStyle/>
           <a:p>
             <a:pPr>
               <a:lnSpc>
@@ -7405,7 +7738,7 @@
             <a:r>
               <a:rPr lang="en-US">
                 <a:solidFill>
-                  <a:srgbClr val="ff0000"/>
+                  <a:srgbClr val="FF0000"/>
                 </a:solidFill>
                 <a:latin typeface="Calibri"/>
               </a:rPr>
@@ -7435,7 +7768,8 @@
           </a:ln>
         </p:spPr>
         <p:txBody>
-          <a:bodyPr wrap="none" lIns="90000" rIns="90000" tIns="45000" bIns="45000"/>
+          <a:bodyPr wrap="none" lIns="90000" tIns="45000" rIns="90000" bIns="45000"/>
+          <a:lstStyle/>
           <a:p>
             <a:pPr>
               <a:lnSpc>
@@ -7445,7 +7779,7 @@
             <a:r>
               <a:rPr lang="en-US">
                 <a:solidFill>
-                  <a:srgbClr val="ff0000"/>
+                  <a:srgbClr val="FF0000"/>
                 </a:solidFill>
                 <a:latin typeface="Calibri"/>
               </a:rPr>
@@ -7475,7 +7809,8 @@
           </a:ln>
         </p:spPr>
         <p:txBody>
-          <a:bodyPr wrap="none" lIns="90000" rIns="90000" tIns="45000" bIns="45000"/>
+          <a:bodyPr wrap="none" lIns="90000" tIns="45000" rIns="90000" bIns="45000"/>
+          <a:lstStyle/>
           <a:p>
             <a:pPr>
               <a:lnSpc>
@@ -7485,7 +7820,7 @@
             <a:r>
               <a:rPr lang="en-US">
                 <a:solidFill>
-                  <a:srgbClr val="ff0000"/>
+                  <a:srgbClr val="FF0000"/>
                 </a:solidFill>
                 <a:latin typeface="Calibri"/>
               </a:rPr>
@@ -7515,7 +7850,8 @@
           </a:ln>
         </p:spPr>
         <p:txBody>
-          <a:bodyPr wrap="none" lIns="90000" rIns="90000" tIns="45000" bIns="45000"/>
+          <a:bodyPr wrap="none" lIns="90000" tIns="45000" rIns="90000" bIns="45000"/>
+          <a:lstStyle/>
           <a:p>
             <a:pPr>
               <a:lnSpc>
@@ -7525,7 +7861,7 @@
             <a:r>
               <a:rPr lang="en-US">
                 <a:solidFill>
-                  <a:srgbClr val="ff0000"/>
+                  <a:srgbClr val="FF0000"/>
                 </a:solidFill>
                 <a:latin typeface="Calibri"/>
               </a:rPr>
@@ -7537,22 +7873,25 @@
       </p:sp>
     </p:spTree>
   </p:cSld>
+  <p:clrMapOvr>
+    <a:masterClrMapping/>
+  </p:clrMapOvr>
   <p:timing>
     <p:tnLst>
       <p:par>
-        <p:cTn id="3" dur="indefinite" restart="never" nodeType="tmRoot">
+        <p:cTn id="1" dur="indefinite" restart="never" nodeType="tmRoot">
           <p:childTnLst>
             <p:seq>
-              <p:cTn id="4" nodeType="mainSeq"/>
+              <p:cTn id="2" nodeType="mainSeq"/>
               <p:prevCondLst>
-                <p:cond delay="0" evt="onPrev">
+                <p:cond evt="onPrev" delay="0">
                   <p:tgtEl>
                     <p:sldTgt/>
                   </p:tgtEl>
                 </p:cond>
               </p:prevCondLst>
               <p:nextCondLst>
-                <p:cond delay="0" evt="onNext">
+                <p:cond evt="onNext" delay="0">
                   <p:tgtEl>
                     <p:sldTgt/>
                   </p:tgtEl>
@@ -7564,6 +7903,6380 @@
       </p:par>
     </p:tnLst>
   </p:timing>
+</p:sld>
+</file>
+
+<file path=ppt/slides/slide3.xml><?xml version="1.0" encoding="utf-8"?>
+<p:sld xmlns:a="http://schemas.openxmlformats.org/drawingml/2006/main" xmlns:r="http://schemas.openxmlformats.org/officeDocument/2006/relationships" xmlns:p="http://schemas.openxmlformats.org/presentationml/2006/main">
+  <p:cSld>
+    <p:spTree>
+      <p:nvGrpSpPr>
+        <p:cNvPr id="1" name=""/>
+        <p:cNvGrpSpPr/>
+        <p:nvPr/>
+      </p:nvGrpSpPr>
+      <p:grpSpPr>
+        <a:xfrm>
+          <a:off x="0" y="0"/>
+          <a:ext cx="0" cy="0"/>
+          <a:chOff x="0" y="0"/>
+          <a:chExt cx="0" cy="0"/>
+        </a:xfrm>
+      </p:grpSpPr>
+      <p:sp>
+        <p:nvSpPr>
+          <p:cNvPr id="61" name="CustomShape 1"/>
+          <p:cNvSpPr/>
+          <p:nvPr/>
+        </p:nvSpPr>
+        <p:spPr>
+          <a:xfrm>
+            <a:off x="3584880" y="2047320"/>
+            <a:ext cx="501120" cy="425520"/>
+          </a:xfrm>
+          <a:prstGeom prst="ellipse">
+            <a:avLst/>
+          </a:prstGeom>
+          <a:solidFill>
+            <a:srgbClr val="DEEBF7"/>
+          </a:solidFill>
+          <a:ln w="12600">
+            <a:solidFill>
+              <a:srgbClr val="43729D"/>
+            </a:solidFill>
+            <a:miter/>
+          </a:ln>
+        </p:spPr>
+        <p:txBody>
+          <a:bodyPr lIns="90000" tIns="45000" rIns="90000" bIns="45000" anchor="ctr"/>
+          <a:lstStyle/>
+          <a:p>
+            <a:pPr algn="ctr">
+              <a:lnSpc>
+                <a:spcPct val="100000"/>
+              </a:lnSpc>
+            </a:pPr>
+            <a:r>
+              <a:rPr lang="en-US" sz="1100">
+                <a:solidFill>
+                  <a:srgbClr val="000000"/>
+                </a:solidFill>
+                <a:latin typeface="Calibri"/>
+              </a:rPr>
+              <a:t>16</a:t>
+            </a:r>
+            <a:endParaRPr/>
+          </a:p>
+        </p:txBody>
+      </p:sp>
+      <p:sp>
+        <p:nvSpPr>
+          <p:cNvPr id="62" name="CustomShape 2"/>
+          <p:cNvSpPr/>
+          <p:nvPr/>
+        </p:nvSpPr>
+        <p:spPr>
+          <a:xfrm>
+            <a:off x="4726800" y="2082240"/>
+            <a:ext cx="501120" cy="390600"/>
+          </a:xfrm>
+          <a:prstGeom prst="ellipse">
+            <a:avLst/>
+          </a:prstGeom>
+          <a:solidFill>
+            <a:srgbClr val="DEEBF7"/>
+          </a:solidFill>
+          <a:ln w="12600">
+            <a:solidFill>
+              <a:srgbClr val="43729D"/>
+            </a:solidFill>
+            <a:miter/>
+          </a:ln>
+        </p:spPr>
+        <p:txBody>
+          <a:bodyPr lIns="90000" tIns="45000" rIns="90000" bIns="45000" anchor="ctr"/>
+          <a:lstStyle/>
+          <a:p>
+            <a:pPr algn="ctr">
+              <a:lnSpc>
+                <a:spcPct val="100000"/>
+              </a:lnSpc>
+            </a:pPr>
+            <a:r>
+              <a:rPr lang="en-US" sz="1100">
+                <a:solidFill>
+                  <a:srgbClr val="000000"/>
+                </a:solidFill>
+                <a:latin typeface="Calibri"/>
+              </a:rPr>
+              <a:t>53</a:t>
+            </a:r>
+            <a:endParaRPr/>
+          </a:p>
+        </p:txBody>
+      </p:sp>
+      <p:sp>
+        <p:nvSpPr>
+          <p:cNvPr id="63" name="CustomShape 3"/>
+          <p:cNvSpPr/>
+          <p:nvPr/>
+        </p:nvSpPr>
+        <p:spPr>
+          <a:xfrm>
+            <a:off x="7020360" y="2064960"/>
+            <a:ext cx="501120" cy="390600"/>
+          </a:xfrm>
+          <a:prstGeom prst="ellipse">
+            <a:avLst/>
+          </a:prstGeom>
+          <a:solidFill>
+            <a:srgbClr val="FFC000"/>
+          </a:solidFill>
+          <a:ln w="12600">
+            <a:solidFill>
+              <a:srgbClr val="43729D"/>
+            </a:solidFill>
+            <a:miter/>
+          </a:ln>
+        </p:spPr>
+        <p:txBody>
+          <a:bodyPr lIns="90000" tIns="45000" rIns="90000" bIns="45000" anchor="ctr"/>
+          <a:lstStyle/>
+          <a:p>
+            <a:pPr algn="ctr">
+              <a:lnSpc>
+                <a:spcPct val="100000"/>
+              </a:lnSpc>
+            </a:pPr>
+            <a:r>
+              <a:rPr lang="en-US" sz="1100" dirty="0">
+                <a:solidFill>
+                  <a:srgbClr val="000000"/>
+                </a:solidFill>
+                <a:latin typeface="Calibri"/>
+              </a:rPr>
+              <a:t>84</a:t>
+            </a:r>
+            <a:endParaRPr dirty="0"/>
+          </a:p>
+        </p:txBody>
+      </p:sp>
+      <p:sp>
+        <p:nvSpPr>
+          <p:cNvPr id="64" name="CustomShape 4"/>
+          <p:cNvSpPr/>
+          <p:nvPr/>
+        </p:nvSpPr>
+        <p:spPr>
+          <a:xfrm>
+            <a:off x="3144240" y="2947680"/>
+            <a:ext cx="501120" cy="390600"/>
+          </a:xfrm>
+          <a:prstGeom prst="ellipse">
+            <a:avLst/>
+          </a:prstGeom>
+          <a:solidFill>
+            <a:srgbClr val="DEEBF7"/>
+          </a:solidFill>
+          <a:ln w="12600">
+            <a:solidFill>
+              <a:srgbClr val="43729D"/>
+            </a:solidFill>
+            <a:miter/>
+          </a:ln>
+        </p:spPr>
+        <p:txBody>
+          <a:bodyPr lIns="90000" tIns="45000" rIns="90000" bIns="45000" anchor="ctr"/>
+          <a:lstStyle/>
+          <a:p>
+            <a:pPr algn="ctr">
+              <a:lnSpc>
+                <a:spcPct val="100000"/>
+              </a:lnSpc>
+            </a:pPr>
+            <a:r>
+              <a:rPr lang="en-US" sz="1100">
+                <a:solidFill>
+                  <a:srgbClr val="000000"/>
+                </a:solidFill>
+                <a:latin typeface="Calibri"/>
+              </a:rPr>
+              <a:t>13</a:t>
+            </a:r>
+            <a:endParaRPr/>
+          </a:p>
+        </p:txBody>
+      </p:sp>
+      <p:sp>
+        <p:nvSpPr>
+          <p:cNvPr id="65" name="CustomShape 5"/>
+          <p:cNvSpPr/>
+          <p:nvPr/>
+        </p:nvSpPr>
+        <p:spPr>
+          <a:xfrm>
+            <a:off x="5889600" y="2086560"/>
+            <a:ext cx="501120" cy="390600"/>
+          </a:xfrm>
+          <a:prstGeom prst="ellipse">
+            <a:avLst/>
+          </a:prstGeom>
+          <a:solidFill>
+            <a:schemeClr val="accent4"/>
+          </a:solidFill>
+          <a:ln w="12600">
+            <a:solidFill>
+              <a:srgbClr val="43729D"/>
+            </a:solidFill>
+            <a:miter/>
+          </a:ln>
+        </p:spPr>
+        <p:txBody>
+          <a:bodyPr lIns="90000" tIns="45000" rIns="90000" bIns="45000" anchor="ctr"/>
+          <a:lstStyle/>
+          <a:p>
+            <a:pPr algn="ctr">
+              <a:lnSpc>
+                <a:spcPct val="100000"/>
+              </a:lnSpc>
+            </a:pPr>
+            <a:r>
+              <a:rPr lang="en-US" sz="1100">
+                <a:solidFill>
+                  <a:srgbClr val="000000"/>
+                </a:solidFill>
+                <a:latin typeface="Calibri"/>
+              </a:rPr>
+              <a:t>72</a:t>
+            </a:r>
+            <a:endParaRPr/>
+          </a:p>
+        </p:txBody>
+      </p:sp>
+      <p:sp>
+        <p:nvSpPr>
+          <p:cNvPr id="66" name="CustomShape 6"/>
+          <p:cNvSpPr/>
+          <p:nvPr/>
+        </p:nvSpPr>
+        <p:spPr>
+          <a:xfrm>
+            <a:off x="3792240" y="2947680"/>
+            <a:ext cx="501120" cy="390600"/>
+          </a:xfrm>
+          <a:prstGeom prst="ellipse">
+            <a:avLst/>
+          </a:prstGeom>
+          <a:solidFill>
+            <a:srgbClr val="DEEBF7"/>
+          </a:solidFill>
+          <a:ln w="12600">
+            <a:solidFill>
+              <a:srgbClr val="43729D"/>
+            </a:solidFill>
+            <a:miter/>
+          </a:ln>
+        </p:spPr>
+        <p:txBody>
+          <a:bodyPr lIns="90000" tIns="45000" rIns="90000" bIns="45000" anchor="ctr"/>
+          <a:lstStyle/>
+          <a:p>
+            <a:pPr algn="ctr">
+              <a:lnSpc>
+                <a:spcPct val="100000"/>
+              </a:lnSpc>
+            </a:pPr>
+            <a:r>
+              <a:rPr lang="en-US" sz="1100">
+                <a:solidFill>
+                  <a:srgbClr val="000000"/>
+                </a:solidFill>
+                <a:latin typeface="Calibri"/>
+              </a:rPr>
+              <a:t>35</a:t>
+            </a:r>
+            <a:endParaRPr/>
+          </a:p>
+        </p:txBody>
+      </p:sp>
+      <p:sp>
+        <p:nvSpPr>
+          <p:cNvPr id="67" name="CustomShape 7"/>
+          <p:cNvSpPr/>
+          <p:nvPr/>
+        </p:nvSpPr>
+        <p:spPr>
+          <a:xfrm>
+            <a:off x="5373360" y="457200"/>
+            <a:ext cx="501120" cy="390600"/>
+          </a:xfrm>
+          <a:prstGeom prst="ellipse">
+            <a:avLst/>
+          </a:prstGeom>
+          <a:solidFill>
+            <a:srgbClr val="FFC000"/>
+          </a:solidFill>
+          <a:ln w="12600">
+            <a:solidFill>
+              <a:srgbClr val="43729D"/>
+            </a:solidFill>
+            <a:miter/>
+          </a:ln>
+        </p:spPr>
+        <p:txBody>
+          <a:bodyPr lIns="90000" tIns="45000" rIns="90000" bIns="45000" anchor="ctr"/>
+          <a:lstStyle/>
+          <a:p>
+            <a:pPr algn="ctr">
+              <a:lnSpc>
+                <a:spcPct val="100000"/>
+              </a:lnSpc>
+            </a:pPr>
+            <a:r>
+              <a:rPr lang="en-US" sz="1100">
+                <a:solidFill>
+                  <a:srgbClr val="000000"/>
+                </a:solidFill>
+                <a:latin typeface="Calibri"/>
+              </a:rPr>
+              <a:t>66</a:t>
+            </a:r>
+            <a:endParaRPr/>
+          </a:p>
+        </p:txBody>
+      </p:sp>
+      <p:sp>
+        <p:nvSpPr>
+          <p:cNvPr id="68" name="CustomShape 8"/>
+          <p:cNvSpPr/>
+          <p:nvPr/>
+        </p:nvSpPr>
+        <p:spPr>
+          <a:xfrm>
+            <a:off x="4136760" y="1117800"/>
+            <a:ext cx="501120" cy="390600"/>
+          </a:xfrm>
+          <a:prstGeom prst="ellipse">
+            <a:avLst/>
+          </a:prstGeom>
+          <a:solidFill>
+            <a:schemeClr val="accent4"/>
+          </a:solidFill>
+          <a:ln w="12600">
+            <a:solidFill>
+              <a:srgbClr val="43729D"/>
+            </a:solidFill>
+            <a:miter/>
+          </a:ln>
+        </p:spPr>
+        <p:txBody>
+          <a:bodyPr lIns="90000" tIns="45000" rIns="90000" bIns="45000" anchor="ctr"/>
+          <a:lstStyle/>
+          <a:p>
+            <a:pPr algn="ctr">
+              <a:lnSpc>
+                <a:spcPct val="100000"/>
+              </a:lnSpc>
+            </a:pPr>
+            <a:r>
+              <a:rPr lang="en-US" sz="1100">
+                <a:solidFill>
+                  <a:srgbClr val="000000"/>
+                </a:solidFill>
+                <a:latin typeface="Calibri"/>
+              </a:rPr>
+              <a:t>49</a:t>
+            </a:r>
+            <a:endParaRPr/>
+          </a:p>
+        </p:txBody>
+      </p:sp>
+      <p:sp>
+        <p:nvSpPr>
+          <p:cNvPr id="69" name="CustomShape 9"/>
+          <p:cNvSpPr/>
+          <p:nvPr/>
+        </p:nvSpPr>
+        <p:spPr>
+          <a:xfrm>
+            <a:off x="6459840" y="1211040"/>
+            <a:ext cx="501120" cy="390600"/>
+          </a:xfrm>
+          <a:prstGeom prst="ellipse">
+            <a:avLst/>
+          </a:prstGeom>
+          <a:solidFill>
+            <a:srgbClr val="FFC000"/>
+          </a:solidFill>
+          <a:ln w="12600">
+            <a:solidFill>
+              <a:srgbClr val="43729D"/>
+            </a:solidFill>
+            <a:miter/>
+          </a:ln>
+        </p:spPr>
+        <p:txBody>
+          <a:bodyPr lIns="90000" tIns="45000" rIns="90000" bIns="45000" anchor="ctr"/>
+          <a:lstStyle/>
+          <a:p>
+            <a:pPr algn="ctr">
+              <a:lnSpc>
+                <a:spcPct val="100000"/>
+              </a:lnSpc>
+            </a:pPr>
+            <a:r>
+              <a:rPr lang="en-US" sz="1100">
+                <a:solidFill>
+                  <a:srgbClr val="000000"/>
+                </a:solidFill>
+                <a:latin typeface="Calibri"/>
+              </a:rPr>
+              <a:t>79</a:t>
+            </a:r>
+            <a:endParaRPr/>
+          </a:p>
+        </p:txBody>
+      </p:sp>
+      <p:sp>
+        <p:nvSpPr>
+          <p:cNvPr id="70" name="Line 10"/>
+          <p:cNvSpPr/>
+          <p:nvPr/>
+        </p:nvSpPr>
+        <p:spPr>
+          <a:xfrm flipV="1">
+            <a:off x="4564800" y="790920"/>
+            <a:ext cx="881640" cy="383760"/>
+          </a:xfrm>
+          <a:prstGeom prst="line">
+            <a:avLst/>
+          </a:prstGeom>
+          <a:ln w="25560">
+            <a:solidFill>
+              <a:schemeClr val="accent4"/>
+            </a:solidFill>
+            <a:miter/>
+          </a:ln>
+        </p:spPr>
+      </p:sp>
+      <p:sp>
+        <p:nvSpPr>
+          <p:cNvPr id="71" name="Line 11"/>
+          <p:cNvSpPr/>
+          <p:nvPr/>
+        </p:nvSpPr>
+        <p:spPr>
+          <a:xfrm>
+            <a:off x="5801040" y="790920"/>
+            <a:ext cx="731880" cy="477360"/>
+          </a:xfrm>
+          <a:prstGeom prst="line">
+            <a:avLst/>
+          </a:prstGeom>
+          <a:ln w="25560">
+            <a:solidFill>
+              <a:srgbClr val="FFC000"/>
+            </a:solidFill>
+            <a:miter/>
+          </a:ln>
+        </p:spPr>
+      </p:sp>
+      <p:sp>
+        <p:nvSpPr>
+          <p:cNvPr id="72" name="Line 12"/>
+          <p:cNvSpPr/>
+          <p:nvPr/>
+        </p:nvSpPr>
+        <p:spPr>
+          <a:xfrm flipH="1">
+            <a:off x="6167160" y="1544760"/>
+            <a:ext cx="365760" cy="537480"/>
+          </a:xfrm>
+          <a:prstGeom prst="line">
+            <a:avLst/>
+          </a:prstGeom>
+          <a:ln w="25560">
+            <a:solidFill>
+              <a:schemeClr val="accent4"/>
+            </a:solidFill>
+            <a:miter/>
+          </a:ln>
+        </p:spPr>
+      </p:sp>
+      <p:sp>
+        <p:nvSpPr>
+          <p:cNvPr id="73" name="Line 13"/>
+          <p:cNvSpPr/>
+          <p:nvPr/>
+        </p:nvSpPr>
+        <p:spPr>
+          <a:xfrm>
+            <a:off x="6887520" y="1544760"/>
+            <a:ext cx="383400" cy="519840"/>
+          </a:xfrm>
+          <a:prstGeom prst="line">
+            <a:avLst/>
+          </a:prstGeom>
+          <a:ln w="25560">
+            <a:solidFill>
+              <a:srgbClr val="FFC000"/>
+            </a:solidFill>
+            <a:miter/>
+          </a:ln>
+        </p:spPr>
+      </p:sp>
+      <p:sp>
+        <p:nvSpPr>
+          <p:cNvPr id="74" name="Line 14"/>
+          <p:cNvSpPr/>
+          <p:nvPr/>
+        </p:nvSpPr>
+        <p:spPr>
+          <a:xfrm flipH="1">
+            <a:off x="3835440" y="1451160"/>
+            <a:ext cx="374760" cy="596160"/>
+          </a:xfrm>
+          <a:prstGeom prst="line">
+            <a:avLst/>
+          </a:prstGeom>
+          <a:ln w="25560">
+            <a:solidFill>
+              <a:srgbClr val="000000"/>
+            </a:solidFill>
+            <a:miter/>
+          </a:ln>
+        </p:spPr>
+      </p:sp>
+      <p:sp>
+        <p:nvSpPr>
+          <p:cNvPr id="75" name="Line 15"/>
+          <p:cNvSpPr/>
+          <p:nvPr/>
+        </p:nvSpPr>
+        <p:spPr>
+          <a:xfrm>
+            <a:off x="4564800" y="1451160"/>
+            <a:ext cx="412560" cy="631080"/>
+          </a:xfrm>
+          <a:prstGeom prst="line">
+            <a:avLst/>
+          </a:prstGeom>
+          <a:ln w="25560">
+            <a:solidFill>
+              <a:srgbClr val="000000"/>
+            </a:solidFill>
+            <a:miter/>
+          </a:ln>
+        </p:spPr>
+      </p:sp>
+      <p:sp>
+        <p:nvSpPr>
+          <p:cNvPr id="76" name="Line 16"/>
+          <p:cNvSpPr/>
+          <p:nvPr/>
+        </p:nvSpPr>
+        <p:spPr>
+          <a:xfrm>
+            <a:off x="3906720" y="2477520"/>
+            <a:ext cx="136080" cy="486720"/>
+          </a:xfrm>
+          <a:prstGeom prst="line">
+            <a:avLst/>
+          </a:prstGeom>
+          <a:ln w="25560">
+            <a:solidFill>
+              <a:srgbClr val="000000"/>
+            </a:solidFill>
+            <a:miter/>
+          </a:ln>
+        </p:spPr>
+      </p:sp>
+      <p:sp>
+        <p:nvSpPr>
+          <p:cNvPr id="77" name="Line 17"/>
+          <p:cNvSpPr/>
+          <p:nvPr/>
+        </p:nvSpPr>
+        <p:spPr>
+          <a:xfrm flipH="1">
+            <a:off x="3461040" y="2464560"/>
+            <a:ext cx="271800" cy="482760"/>
+          </a:xfrm>
+          <a:prstGeom prst="line">
+            <a:avLst/>
+          </a:prstGeom>
+          <a:ln w="25560">
+            <a:solidFill>
+              <a:srgbClr val="000000"/>
+            </a:solidFill>
+            <a:miter/>
+          </a:ln>
+        </p:spPr>
+      </p:sp>
+      <p:sp>
+        <p:nvSpPr>
+          <p:cNvPr id="78" name="CustomShape 18"/>
+          <p:cNvSpPr/>
+          <p:nvPr/>
+        </p:nvSpPr>
+        <p:spPr>
+          <a:xfrm>
+            <a:off x="4412880" y="2947680"/>
+            <a:ext cx="501120" cy="390600"/>
+          </a:xfrm>
+          <a:prstGeom prst="ellipse">
+            <a:avLst/>
+          </a:prstGeom>
+          <a:solidFill>
+            <a:srgbClr val="DEEBF7"/>
+          </a:solidFill>
+          <a:ln w="12600">
+            <a:solidFill>
+              <a:srgbClr val="43729D"/>
+            </a:solidFill>
+            <a:miter/>
+          </a:ln>
+        </p:spPr>
+        <p:txBody>
+          <a:bodyPr lIns="90000" tIns="45000" rIns="90000" bIns="45000" anchor="ctr"/>
+          <a:lstStyle/>
+          <a:p>
+            <a:pPr algn="ctr">
+              <a:lnSpc>
+                <a:spcPct val="100000"/>
+              </a:lnSpc>
+            </a:pPr>
+            <a:r>
+              <a:rPr lang="en-US" sz="1100">
+                <a:solidFill>
+                  <a:srgbClr val="000000"/>
+                </a:solidFill>
+                <a:latin typeface="Calibri"/>
+              </a:rPr>
+              <a:t>51</a:t>
+            </a:r>
+            <a:endParaRPr/>
+          </a:p>
+        </p:txBody>
+      </p:sp>
+      <p:sp>
+        <p:nvSpPr>
+          <p:cNvPr id="79" name="CustomShape 19"/>
+          <p:cNvSpPr/>
+          <p:nvPr/>
+        </p:nvSpPr>
+        <p:spPr>
+          <a:xfrm>
+            <a:off x="5074200" y="2931840"/>
+            <a:ext cx="501120" cy="390600"/>
+          </a:xfrm>
+          <a:prstGeom prst="ellipse">
+            <a:avLst/>
+          </a:prstGeom>
+          <a:solidFill>
+            <a:srgbClr val="DEEBF7"/>
+          </a:solidFill>
+          <a:ln w="12600">
+            <a:solidFill>
+              <a:srgbClr val="43729D"/>
+            </a:solidFill>
+            <a:miter/>
+          </a:ln>
+        </p:spPr>
+        <p:txBody>
+          <a:bodyPr lIns="90000" tIns="45000" rIns="90000" bIns="45000" anchor="ctr"/>
+          <a:lstStyle/>
+          <a:p>
+            <a:pPr algn="ctr">
+              <a:lnSpc>
+                <a:spcPct val="100000"/>
+              </a:lnSpc>
+            </a:pPr>
+            <a:r>
+              <a:rPr lang="en-US" sz="1100">
+                <a:solidFill>
+                  <a:srgbClr val="000000"/>
+                </a:solidFill>
+                <a:latin typeface="Calibri"/>
+              </a:rPr>
+              <a:t>63</a:t>
+            </a:r>
+            <a:endParaRPr/>
+          </a:p>
+        </p:txBody>
+      </p:sp>
+      <p:sp>
+        <p:nvSpPr>
+          <p:cNvPr id="80" name="Line 20"/>
+          <p:cNvSpPr/>
+          <p:nvPr/>
+        </p:nvSpPr>
+        <p:spPr>
+          <a:xfrm flipH="1">
+            <a:off x="4663440" y="2455920"/>
+            <a:ext cx="250560" cy="491400"/>
+          </a:xfrm>
+          <a:prstGeom prst="line">
+            <a:avLst/>
+          </a:prstGeom>
+          <a:ln w="25560">
+            <a:solidFill>
+              <a:srgbClr val="000000"/>
+            </a:solidFill>
+            <a:miter/>
+          </a:ln>
+        </p:spPr>
+      </p:sp>
+      <p:sp>
+        <p:nvSpPr>
+          <p:cNvPr id="81" name="Line 21"/>
+          <p:cNvSpPr/>
+          <p:nvPr/>
+        </p:nvSpPr>
+        <p:spPr>
+          <a:xfrm>
+            <a:off x="5108760" y="2440080"/>
+            <a:ext cx="216000" cy="491400"/>
+          </a:xfrm>
+          <a:prstGeom prst="line">
+            <a:avLst/>
+          </a:prstGeom>
+          <a:ln w="25560">
+            <a:solidFill>
+              <a:srgbClr val="000000"/>
+            </a:solidFill>
+            <a:miter/>
+          </a:ln>
+        </p:spPr>
+      </p:sp>
+      <p:sp>
+        <p:nvSpPr>
+          <p:cNvPr id="82" name="CustomShape 22"/>
+          <p:cNvSpPr/>
+          <p:nvPr/>
+        </p:nvSpPr>
+        <p:spPr>
+          <a:xfrm>
+            <a:off x="3413160" y="3874680"/>
+            <a:ext cx="501120" cy="390600"/>
+          </a:xfrm>
+          <a:prstGeom prst="ellipse">
+            <a:avLst/>
+          </a:prstGeom>
+          <a:solidFill>
+            <a:srgbClr val="DEEBF7"/>
+          </a:solidFill>
+          <a:ln w="12600">
+            <a:solidFill>
+              <a:srgbClr val="43729D"/>
+            </a:solidFill>
+            <a:miter/>
+          </a:ln>
+        </p:spPr>
+        <p:txBody>
+          <a:bodyPr lIns="90000" tIns="45000" rIns="90000" bIns="45000" anchor="ctr"/>
+          <a:lstStyle/>
+          <a:p>
+            <a:pPr algn="ctr">
+              <a:lnSpc>
+                <a:spcPct val="100000"/>
+              </a:lnSpc>
+            </a:pPr>
+            <a:r>
+              <a:rPr lang="en-US" sz="1100">
+                <a:solidFill>
+                  <a:srgbClr val="000000"/>
+                </a:solidFill>
+                <a:latin typeface="Calibri"/>
+              </a:rPr>
+              <a:t>25</a:t>
+            </a:r>
+            <a:endParaRPr/>
+          </a:p>
+        </p:txBody>
+      </p:sp>
+      <p:sp>
+        <p:nvSpPr>
+          <p:cNvPr id="83" name="CustomShape 23"/>
+          <p:cNvSpPr/>
+          <p:nvPr/>
+        </p:nvSpPr>
+        <p:spPr>
+          <a:xfrm>
+            <a:off x="5473800" y="3867120"/>
+            <a:ext cx="501120" cy="390600"/>
+          </a:xfrm>
+          <a:prstGeom prst="ellipse">
+            <a:avLst/>
+          </a:prstGeom>
+          <a:solidFill>
+            <a:srgbClr val="DEEBF7"/>
+          </a:solidFill>
+          <a:ln w="12600">
+            <a:solidFill>
+              <a:srgbClr val="43729D"/>
+            </a:solidFill>
+            <a:miter/>
+          </a:ln>
+        </p:spPr>
+        <p:txBody>
+          <a:bodyPr lIns="90000" tIns="45000" rIns="90000" bIns="45000" anchor="ctr"/>
+          <a:lstStyle/>
+          <a:p>
+            <a:pPr algn="ctr">
+              <a:lnSpc>
+                <a:spcPct val="100000"/>
+              </a:lnSpc>
+            </a:pPr>
+            <a:r>
+              <a:rPr lang="en-US" sz="1100">
+                <a:solidFill>
+                  <a:srgbClr val="000000"/>
+                </a:solidFill>
+                <a:latin typeface="Calibri"/>
+              </a:rPr>
+              <a:t>64</a:t>
+            </a:r>
+            <a:endParaRPr/>
+          </a:p>
+        </p:txBody>
+      </p:sp>
+      <p:sp>
+        <p:nvSpPr>
+          <p:cNvPr id="84" name="CustomShape 24"/>
+          <p:cNvSpPr/>
+          <p:nvPr/>
+        </p:nvSpPr>
+        <p:spPr>
+          <a:xfrm>
+            <a:off x="7007400" y="3799440"/>
+            <a:ext cx="501120" cy="390600"/>
+          </a:xfrm>
+          <a:prstGeom prst="ellipse">
+            <a:avLst/>
+          </a:prstGeom>
+          <a:solidFill>
+            <a:schemeClr val="accent4"/>
+          </a:solidFill>
+          <a:ln w="12600">
+            <a:solidFill>
+              <a:srgbClr val="43729D"/>
+            </a:solidFill>
+            <a:miter/>
+          </a:ln>
+        </p:spPr>
+        <p:txBody>
+          <a:bodyPr lIns="90000" tIns="45000" rIns="90000" bIns="45000" anchor="ctr"/>
+          <a:lstStyle/>
+          <a:p>
+            <a:pPr algn="ctr">
+              <a:lnSpc>
+                <a:spcPct val="100000"/>
+              </a:lnSpc>
+            </a:pPr>
+            <a:r>
+              <a:rPr lang="en-US" sz="1100" dirty="0">
+                <a:solidFill>
+                  <a:srgbClr val="000000"/>
+                </a:solidFill>
+                <a:latin typeface="Calibri"/>
+              </a:rPr>
+              <a:t>85</a:t>
+            </a:r>
+            <a:endParaRPr dirty="0"/>
+          </a:p>
+        </p:txBody>
+      </p:sp>
+      <p:sp>
+        <p:nvSpPr>
+          <p:cNvPr id="85" name="CustomShape 25"/>
+          <p:cNvSpPr/>
+          <p:nvPr/>
+        </p:nvSpPr>
+        <p:spPr>
+          <a:xfrm>
+            <a:off x="7615080" y="2940480"/>
+            <a:ext cx="501120" cy="390600"/>
+          </a:xfrm>
+          <a:prstGeom prst="ellipse">
+            <a:avLst/>
+          </a:prstGeom>
+          <a:solidFill>
+            <a:srgbClr val="FFC000"/>
+          </a:solidFill>
+          <a:ln w="12600">
+            <a:solidFill>
+              <a:srgbClr val="43729D"/>
+            </a:solidFill>
+            <a:miter/>
+          </a:ln>
+        </p:spPr>
+        <p:txBody>
+          <a:bodyPr lIns="90000" tIns="45000" rIns="90000" bIns="45000" anchor="ctr"/>
+          <a:lstStyle/>
+          <a:p>
+            <a:pPr algn="ctr">
+              <a:lnSpc>
+                <a:spcPct val="100000"/>
+              </a:lnSpc>
+            </a:pPr>
+            <a:r>
+              <a:rPr lang="en-US" sz="1100">
+                <a:solidFill>
+                  <a:srgbClr val="000000"/>
+                </a:solidFill>
+                <a:latin typeface="Calibri"/>
+              </a:rPr>
+              <a:t>89</a:t>
+            </a:r>
+            <a:endParaRPr/>
+          </a:p>
+        </p:txBody>
+      </p:sp>
+      <p:sp>
+        <p:nvSpPr>
+          <p:cNvPr id="86" name="CustomShape 26"/>
+          <p:cNvSpPr/>
+          <p:nvPr/>
+        </p:nvSpPr>
+        <p:spPr>
+          <a:xfrm>
+            <a:off x="4789080" y="3867120"/>
+            <a:ext cx="501120" cy="390600"/>
+          </a:xfrm>
+          <a:prstGeom prst="ellipse">
+            <a:avLst/>
+          </a:prstGeom>
+          <a:solidFill>
+            <a:srgbClr val="DEEBF7"/>
+          </a:solidFill>
+          <a:ln w="12600">
+            <a:solidFill>
+              <a:srgbClr val="43729D"/>
+            </a:solidFill>
+            <a:miter/>
+          </a:ln>
+        </p:spPr>
+        <p:txBody>
+          <a:bodyPr lIns="90000" tIns="45000" rIns="90000" bIns="45000" anchor="ctr"/>
+          <a:lstStyle/>
+          <a:p>
+            <a:pPr algn="ctr">
+              <a:lnSpc>
+                <a:spcPct val="100000"/>
+              </a:lnSpc>
+            </a:pPr>
+            <a:r>
+              <a:rPr lang="en-US" sz="1100">
+                <a:solidFill>
+                  <a:srgbClr val="000000"/>
+                </a:solidFill>
+                <a:latin typeface="Calibri"/>
+              </a:rPr>
+              <a:t>58</a:t>
+            </a:r>
+            <a:endParaRPr/>
+          </a:p>
+        </p:txBody>
+      </p:sp>
+      <p:sp>
+        <p:nvSpPr>
+          <p:cNvPr id="87" name="Line 27"/>
+          <p:cNvSpPr/>
+          <p:nvPr/>
+        </p:nvSpPr>
+        <p:spPr>
+          <a:xfrm flipH="1">
+            <a:off x="7338600" y="3281400"/>
+            <a:ext cx="365760" cy="537480"/>
+          </a:xfrm>
+          <a:prstGeom prst="line">
+            <a:avLst/>
+          </a:prstGeom>
+          <a:ln w="25560">
+            <a:solidFill>
+              <a:schemeClr val="accent4"/>
+            </a:solidFill>
+            <a:miter/>
+          </a:ln>
+        </p:spPr>
+      </p:sp>
+      <p:sp>
+        <p:nvSpPr>
+          <p:cNvPr id="88" name="Line 28"/>
+          <p:cNvSpPr/>
+          <p:nvPr/>
+        </p:nvSpPr>
+        <p:spPr>
+          <a:xfrm>
+            <a:off x="5441400" y="3301200"/>
+            <a:ext cx="268200" cy="573120"/>
+          </a:xfrm>
+          <a:prstGeom prst="line">
+            <a:avLst/>
+          </a:prstGeom>
+          <a:ln w="25560">
+            <a:solidFill>
+              <a:srgbClr val="000000"/>
+            </a:solidFill>
+            <a:miter/>
+          </a:ln>
+        </p:spPr>
+      </p:sp>
+      <p:sp>
+        <p:nvSpPr>
+          <p:cNvPr id="89" name="Line 29"/>
+          <p:cNvSpPr/>
+          <p:nvPr/>
+        </p:nvSpPr>
+        <p:spPr>
+          <a:xfrm>
+            <a:off x="7455600" y="2410200"/>
+            <a:ext cx="318240" cy="537120"/>
+          </a:xfrm>
+          <a:prstGeom prst="line">
+            <a:avLst/>
+          </a:prstGeom>
+          <a:ln w="25560">
+            <a:solidFill>
+              <a:srgbClr val="FFC000"/>
+            </a:solidFill>
+            <a:miter/>
+          </a:ln>
+        </p:spPr>
+      </p:sp>
+      <p:sp>
+        <p:nvSpPr>
+          <p:cNvPr id="90" name="Line 30"/>
+          <p:cNvSpPr/>
+          <p:nvPr/>
+        </p:nvSpPr>
+        <p:spPr>
+          <a:xfrm flipH="1">
+            <a:off x="5066280" y="3322800"/>
+            <a:ext cx="258480" cy="537480"/>
+          </a:xfrm>
+          <a:prstGeom prst="line">
+            <a:avLst/>
+          </a:prstGeom>
+          <a:ln w="25560">
+            <a:solidFill>
+              <a:srgbClr val="000000"/>
+            </a:solidFill>
+            <a:miter/>
+          </a:ln>
+        </p:spPr>
+      </p:sp>
+      <p:sp>
+        <p:nvSpPr>
+          <p:cNvPr id="91" name="Line 31"/>
+          <p:cNvSpPr/>
+          <p:nvPr/>
+        </p:nvSpPr>
+        <p:spPr>
+          <a:xfrm flipH="1">
+            <a:off x="3663720" y="3322800"/>
+            <a:ext cx="263520" cy="551520"/>
+          </a:xfrm>
+          <a:prstGeom prst="line">
+            <a:avLst/>
+          </a:prstGeom>
+          <a:ln w="25560">
+            <a:solidFill>
+              <a:srgbClr val="000000"/>
+            </a:solidFill>
+            <a:miter/>
+          </a:ln>
+        </p:spPr>
+      </p:sp>
+      <p:sp>
+        <p:nvSpPr>
+          <p:cNvPr id="92" name="CustomShape 32"/>
+          <p:cNvSpPr/>
+          <p:nvPr/>
+        </p:nvSpPr>
+        <p:spPr>
+          <a:xfrm>
+            <a:off x="6735600" y="2940480"/>
+            <a:ext cx="501120" cy="390600"/>
+          </a:xfrm>
+          <a:prstGeom prst="ellipse">
+            <a:avLst/>
+          </a:prstGeom>
+          <a:solidFill>
+            <a:schemeClr val="accent4"/>
+          </a:solidFill>
+          <a:ln w="12600">
+            <a:solidFill>
+              <a:srgbClr val="43729D"/>
+            </a:solidFill>
+            <a:miter/>
+          </a:ln>
+        </p:spPr>
+        <p:txBody>
+          <a:bodyPr lIns="90000" tIns="45000" rIns="90000" bIns="45000" anchor="ctr"/>
+          <a:lstStyle/>
+          <a:p>
+            <a:pPr algn="ctr">
+              <a:lnSpc>
+                <a:spcPct val="100000"/>
+              </a:lnSpc>
+            </a:pPr>
+            <a:r>
+              <a:rPr lang="en-US" sz="1100">
+                <a:solidFill>
+                  <a:srgbClr val="000000"/>
+                </a:solidFill>
+                <a:latin typeface="Calibri"/>
+              </a:rPr>
+              <a:t>82</a:t>
+            </a:r>
+            <a:endParaRPr/>
+          </a:p>
+        </p:txBody>
+      </p:sp>
+      <p:sp>
+        <p:nvSpPr>
+          <p:cNvPr id="93" name="Line 33"/>
+          <p:cNvSpPr/>
+          <p:nvPr/>
+        </p:nvSpPr>
+        <p:spPr>
+          <a:xfrm flipH="1">
+            <a:off x="6986160" y="2448720"/>
+            <a:ext cx="204120" cy="491760"/>
+          </a:xfrm>
+          <a:prstGeom prst="line">
+            <a:avLst/>
+          </a:prstGeom>
+          <a:ln w="25560">
+            <a:solidFill>
+              <a:schemeClr val="accent4"/>
+            </a:solidFill>
+            <a:miter/>
+          </a:ln>
+        </p:spPr>
+      </p:sp>
+      <p:sp>
+        <p:nvSpPr>
+          <p:cNvPr id="94" name="Line 34"/>
+          <p:cNvSpPr/>
+          <p:nvPr/>
+        </p:nvSpPr>
+        <p:spPr>
+          <a:xfrm flipH="1">
+            <a:off x="4585320" y="4220280"/>
+            <a:ext cx="328680" cy="587880"/>
+          </a:xfrm>
+          <a:prstGeom prst="line">
+            <a:avLst/>
+          </a:prstGeom>
+          <a:ln w="25560">
+            <a:solidFill>
+              <a:srgbClr val="000000"/>
+            </a:solidFill>
+            <a:miter/>
+          </a:ln>
+        </p:spPr>
+      </p:sp>
+      <p:sp>
+        <p:nvSpPr>
+          <p:cNvPr id="95" name="CustomShape 35"/>
+          <p:cNvSpPr/>
+          <p:nvPr/>
+        </p:nvSpPr>
+        <p:spPr>
+          <a:xfrm>
+            <a:off x="4370400" y="4686120"/>
+            <a:ext cx="501120" cy="390600"/>
+          </a:xfrm>
+          <a:prstGeom prst="ellipse">
+            <a:avLst/>
+          </a:prstGeom>
+          <a:solidFill>
+            <a:srgbClr val="DEEBF7"/>
+          </a:solidFill>
+          <a:ln w="12600">
+            <a:solidFill>
+              <a:srgbClr val="43729D"/>
+            </a:solidFill>
+            <a:miter/>
+          </a:ln>
+        </p:spPr>
+        <p:txBody>
+          <a:bodyPr lIns="90000" tIns="45000" rIns="90000" bIns="45000" anchor="ctr"/>
+          <a:lstStyle/>
+          <a:p>
+            <a:pPr algn="ctr">
+              <a:lnSpc>
+                <a:spcPct val="100000"/>
+              </a:lnSpc>
+            </a:pPr>
+            <a:r>
+              <a:rPr lang="en-US" sz="1100">
+                <a:solidFill>
+                  <a:srgbClr val="000000"/>
+                </a:solidFill>
+                <a:latin typeface="Calibri"/>
+              </a:rPr>
+              <a:t>55</a:t>
+            </a:r>
+            <a:endParaRPr/>
+          </a:p>
+        </p:txBody>
+      </p:sp>
+      <p:sp>
+        <p:nvSpPr>
+          <p:cNvPr id="96" name="Line 36"/>
+          <p:cNvSpPr/>
+          <p:nvPr/>
+        </p:nvSpPr>
+        <p:spPr>
+          <a:xfrm>
+            <a:off x="5134680" y="4265280"/>
+            <a:ext cx="216360" cy="491760"/>
+          </a:xfrm>
+          <a:prstGeom prst="line">
+            <a:avLst/>
+          </a:prstGeom>
+          <a:ln w="25560">
+            <a:solidFill>
+              <a:srgbClr val="000000"/>
+            </a:solidFill>
+            <a:miter/>
+          </a:ln>
+        </p:spPr>
+      </p:sp>
+      <p:sp>
+        <p:nvSpPr>
+          <p:cNvPr id="97" name="CustomShape 37"/>
+          <p:cNvSpPr/>
+          <p:nvPr/>
+        </p:nvSpPr>
+        <p:spPr>
+          <a:xfrm>
+            <a:off x="5097240" y="4702680"/>
+            <a:ext cx="501120" cy="390600"/>
+          </a:xfrm>
+          <a:prstGeom prst="ellipse">
+            <a:avLst/>
+          </a:prstGeom>
+          <a:solidFill>
+            <a:srgbClr val="DEEBF7"/>
+          </a:solidFill>
+          <a:ln w="12600">
+            <a:solidFill>
+              <a:srgbClr val="43729D"/>
+            </a:solidFill>
+            <a:miter/>
+          </a:ln>
+        </p:spPr>
+        <p:txBody>
+          <a:bodyPr lIns="90000" tIns="45000" rIns="90000" bIns="45000" anchor="ctr"/>
+          <a:lstStyle/>
+          <a:p>
+            <a:pPr algn="ctr">
+              <a:lnSpc>
+                <a:spcPct val="100000"/>
+              </a:lnSpc>
+            </a:pPr>
+            <a:r>
+              <a:rPr lang="en-US" sz="1100">
+                <a:solidFill>
+                  <a:srgbClr val="000000"/>
+                </a:solidFill>
+                <a:latin typeface="Calibri"/>
+              </a:rPr>
+              <a:t>60</a:t>
+            </a:r>
+            <a:endParaRPr/>
+          </a:p>
+        </p:txBody>
+      </p:sp>
+      <p:sp>
+        <p:nvSpPr>
+          <p:cNvPr id="98" name="CustomShape 38"/>
+          <p:cNvSpPr/>
+          <p:nvPr/>
+        </p:nvSpPr>
+        <p:spPr>
+          <a:xfrm>
+            <a:off x="8334720" y="4666680"/>
+            <a:ext cx="609120" cy="410400"/>
+          </a:xfrm>
+          <a:prstGeom prst="ellipse">
+            <a:avLst/>
+          </a:prstGeom>
+          <a:solidFill>
+            <a:srgbClr val="DEEBF7"/>
+          </a:solidFill>
+          <a:ln w="12600">
+            <a:solidFill>
+              <a:srgbClr val="43729D"/>
+            </a:solidFill>
+            <a:miter/>
+          </a:ln>
+        </p:spPr>
+        <p:txBody>
+          <a:bodyPr lIns="90000" tIns="45000" rIns="90000" bIns="45000" anchor="ctr"/>
+          <a:lstStyle/>
+          <a:p>
+            <a:pPr algn="ctr">
+              <a:lnSpc>
+                <a:spcPct val="100000"/>
+              </a:lnSpc>
+            </a:pPr>
+            <a:r>
+              <a:rPr lang="en-US" sz="1100">
+                <a:solidFill>
+                  <a:srgbClr val="000000"/>
+                </a:solidFill>
+                <a:latin typeface="Calibri"/>
+              </a:rPr>
+              <a:t>125</a:t>
+            </a:r>
+            <a:endParaRPr/>
+          </a:p>
+        </p:txBody>
+      </p:sp>
+      <p:sp>
+        <p:nvSpPr>
+          <p:cNvPr id="99" name="CustomShape 39"/>
+          <p:cNvSpPr/>
+          <p:nvPr/>
+        </p:nvSpPr>
+        <p:spPr>
+          <a:xfrm>
+            <a:off x="8029800" y="3829320"/>
+            <a:ext cx="609120" cy="380160"/>
+          </a:xfrm>
+          <a:prstGeom prst="ellipse">
+            <a:avLst/>
+          </a:prstGeom>
+          <a:solidFill>
+            <a:srgbClr val="92D050"/>
+          </a:solidFill>
+          <a:ln w="12600">
+            <a:solidFill>
+              <a:srgbClr val="43729D"/>
+            </a:solidFill>
+            <a:miter/>
+          </a:ln>
+        </p:spPr>
+        <p:txBody>
+          <a:bodyPr lIns="90000" tIns="45000" rIns="90000" bIns="45000" anchor="ctr"/>
+          <a:lstStyle/>
+          <a:p>
+            <a:pPr algn="ctr">
+              <a:lnSpc>
+                <a:spcPct val="100000"/>
+              </a:lnSpc>
+            </a:pPr>
+            <a:r>
+              <a:rPr lang="en-US" sz="1100">
+                <a:solidFill>
+                  <a:srgbClr val="000000"/>
+                </a:solidFill>
+                <a:latin typeface="Calibri"/>
+              </a:rPr>
+              <a:t>95</a:t>
+            </a:r>
+            <a:endParaRPr/>
+          </a:p>
+        </p:txBody>
+      </p:sp>
+      <p:sp>
+        <p:nvSpPr>
+          <p:cNvPr id="100" name="CustomShape 40"/>
+          <p:cNvSpPr/>
+          <p:nvPr/>
+        </p:nvSpPr>
+        <p:spPr>
+          <a:xfrm>
+            <a:off x="5446800" y="5397120"/>
+            <a:ext cx="501120" cy="390600"/>
+          </a:xfrm>
+          <a:prstGeom prst="ellipse">
+            <a:avLst/>
+          </a:prstGeom>
+          <a:solidFill>
+            <a:srgbClr val="DEEBF7"/>
+          </a:solidFill>
+          <a:ln w="12600">
+            <a:solidFill>
+              <a:srgbClr val="43729D"/>
+            </a:solidFill>
+            <a:miter/>
+          </a:ln>
+        </p:spPr>
+        <p:txBody>
+          <a:bodyPr lIns="90000" tIns="45000" rIns="90000" bIns="45000" anchor="ctr"/>
+          <a:lstStyle/>
+          <a:p>
+            <a:pPr algn="ctr">
+              <a:lnSpc>
+                <a:spcPct val="100000"/>
+              </a:lnSpc>
+            </a:pPr>
+            <a:r>
+              <a:rPr lang="en-US" sz="1100">
+                <a:solidFill>
+                  <a:srgbClr val="000000"/>
+                </a:solidFill>
+                <a:latin typeface="Calibri"/>
+              </a:rPr>
+              <a:t>61</a:t>
+            </a:r>
+            <a:endParaRPr/>
+          </a:p>
+        </p:txBody>
+      </p:sp>
+      <p:sp>
+        <p:nvSpPr>
+          <p:cNvPr id="101" name="CustomShape 41"/>
+          <p:cNvSpPr/>
+          <p:nvPr/>
+        </p:nvSpPr>
+        <p:spPr>
+          <a:xfrm>
+            <a:off x="3038040" y="4624200"/>
+            <a:ext cx="501120" cy="390600"/>
+          </a:xfrm>
+          <a:prstGeom prst="ellipse">
+            <a:avLst/>
+          </a:prstGeom>
+          <a:solidFill>
+            <a:srgbClr val="DEEBF7"/>
+          </a:solidFill>
+          <a:ln w="12600">
+            <a:solidFill>
+              <a:srgbClr val="43729D"/>
+            </a:solidFill>
+            <a:miter/>
+          </a:ln>
+        </p:spPr>
+        <p:txBody>
+          <a:bodyPr lIns="90000" tIns="45000" rIns="90000" bIns="45000" anchor="ctr"/>
+          <a:lstStyle/>
+          <a:p>
+            <a:pPr algn="ctr">
+              <a:lnSpc>
+                <a:spcPct val="100000"/>
+              </a:lnSpc>
+            </a:pPr>
+            <a:r>
+              <a:rPr lang="en-US" sz="1100">
+                <a:solidFill>
+                  <a:srgbClr val="000000"/>
+                </a:solidFill>
+                <a:latin typeface="Calibri"/>
+              </a:rPr>
+              <a:t>18</a:t>
+            </a:r>
+            <a:endParaRPr/>
+          </a:p>
+        </p:txBody>
+      </p:sp>
+      <p:sp>
+        <p:nvSpPr>
+          <p:cNvPr id="102" name="CustomShape 42"/>
+          <p:cNvSpPr/>
+          <p:nvPr/>
+        </p:nvSpPr>
+        <p:spPr>
+          <a:xfrm>
+            <a:off x="2543400" y="3776040"/>
+            <a:ext cx="501120" cy="390600"/>
+          </a:xfrm>
+          <a:prstGeom prst="ellipse">
+            <a:avLst/>
+          </a:prstGeom>
+          <a:solidFill>
+            <a:srgbClr val="DEEBF7"/>
+          </a:solidFill>
+          <a:ln w="12600">
+            <a:solidFill>
+              <a:srgbClr val="43729D"/>
+            </a:solidFill>
+            <a:miter/>
+          </a:ln>
+        </p:spPr>
+        <p:txBody>
+          <a:bodyPr lIns="90000" tIns="45000" rIns="90000" bIns="45000" anchor="ctr"/>
+          <a:lstStyle/>
+          <a:p>
+            <a:pPr algn="ctr">
+              <a:lnSpc>
+                <a:spcPct val="100000"/>
+              </a:lnSpc>
+            </a:pPr>
+            <a:r>
+              <a:rPr lang="en-US" sz="1100">
+                <a:solidFill>
+                  <a:srgbClr val="000000"/>
+                </a:solidFill>
+                <a:latin typeface="Calibri"/>
+              </a:rPr>
+              <a:t>6</a:t>
+            </a:r>
+            <a:endParaRPr/>
+          </a:p>
+        </p:txBody>
+      </p:sp>
+      <p:sp>
+        <p:nvSpPr>
+          <p:cNvPr id="103" name="CustomShape 43"/>
+          <p:cNvSpPr/>
+          <p:nvPr/>
+        </p:nvSpPr>
+        <p:spPr>
+          <a:xfrm>
+            <a:off x="7965000" y="5420520"/>
+            <a:ext cx="501120" cy="390600"/>
+          </a:xfrm>
+          <a:prstGeom prst="ellipse">
+            <a:avLst/>
+          </a:prstGeom>
+          <a:solidFill>
+            <a:srgbClr val="DEEBF7"/>
+          </a:solidFill>
+          <a:ln w="12600">
+            <a:solidFill>
+              <a:srgbClr val="43729D"/>
+            </a:solidFill>
+            <a:miter/>
+          </a:ln>
+        </p:spPr>
+        <p:txBody>
+          <a:bodyPr lIns="90000" tIns="45000" rIns="90000" bIns="45000" anchor="ctr"/>
+          <a:lstStyle/>
+          <a:p>
+            <a:pPr algn="ctr">
+              <a:lnSpc>
+                <a:spcPct val="100000"/>
+              </a:lnSpc>
+            </a:pPr>
+            <a:r>
+              <a:rPr lang="en-US" sz="1100">
+                <a:solidFill>
+                  <a:srgbClr val="000000"/>
+                </a:solidFill>
+                <a:latin typeface="Calibri"/>
+              </a:rPr>
+              <a:t>94</a:t>
+            </a:r>
+            <a:endParaRPr/>
+          </a:p>
+        </p:txBody>
+      </p:sp>
+      <p:sp>
+        <p:nvSpPr>
+          <p:cNvPr id="104" name="CustomShape 44"/>
+          <p:cNvSpPr/>
+          <p:nvPr/>
+        </p:nvSpPr>
+        <p:spPr>
+          <a:xfrm>
+            <a:off x="7239240" y="5434920"/>
+            <a:ext cx="501120" cy="390600"/>
+          </a:xfrm>
+          <a:prstGeom prst="ellipse">
+            <a:avLst/>
+          </a:prstGeom>
+          <a:solidFill>
+            <a:srgbClr val="DEEBF7"/>
+          </a:solidFill>
+          <a:ln w="12600">
+            <a:solidFill>
+              <a:srgbClr val="43729D"/>
+            </a:solidFill>
+            <a:miter/>
+          </a:ln>
+        </p:spPr>
+        <p:txBody>
+          <a:bodyPr lIns="90000" tIns="45000" rIns="90000" bIns="45000" anchor="ctr"/>
+          <a:lstStyle/>
+          <a:p>
+            <a:pPr algn="ctr">
+              <a:lnSpc>
+                <a:spcPct val="100000"/>
+              </a:lnSpc>
+            </a:pPr>
+            <a:r>
+              <a:rPr lang="en-US" sz="1100">
+                <a:solidFill>
+                  <a:srgbClr val="000000"/>
+                </a:solidFill>
+                <a:latin typeface="Calibri"/>
+              </a:rPr>
+              <a:t>90</a:t>
+            </a:r>
+            <a:endParaRPr/>
+          </a:p>
+        </p:txBody>
+      </p:sp>
+      <p:sp>
+        <p:nvSpPr>
+          <p:cNvPr id="105" name="Line 45"/>
+          <p:cNvSpPr/>
+          <p:nvPr/>
+        </p:nvSpPr>
+        <p:spPr>
+          <a:xfrm flipH="1">
+            <a:off x="2903760" y="3281400"/>
+            <a:ext cx="313920" cy="518040"/>
+          </a:xfrm>
+          <a:prstGeom prst="line">
+            <a:avLst/>
+          </a:prstGeom>
+          <a:ln w="25560">
+            <a:solidFill>
+              <a:srgbClr val="000000"/>
+            </a:solidFill>
+            <a:miter/>
+          </a:ln>
+        </p:spPr>
+      </p:sp>
+      <p:sp>
+        <p:nvSpPr>
+          <p:cNvPr id="106" name="Line 46"/>
+          <p:cNvSpPr/>
+          <p:nvPr/>
+        </p:nvSpPr>
+        <p:spPr>
+          <a:xfrm>
+            <a:off x="8342640" y="4210560"/>
+            <a:ext cx="216360" cy="491760"/>
+          </a:xfrm>
+          <a:prstGeom prst="line">
+            <a:avLst/>
+          </a:prstGeom>
+          <a:ln w="25560">
+            <a:solidFill>
+              <a:srgbClr val="000000"/>
+            </a:solidFill>
+            <a:miter/>
+          </a:ln>
+        </p:spPr>
+      </p:sp>
+      <p:sp>
+        <p:nvSpPr>
+          <p:cNvPr id="107" name="Line 47"/>
+          <p:cNvSpPr/>
+          <p:nvPr/>
+        </p:nvSpPr>
+        <p:spPr>
+          <a:xfrm>
+            <a:off x="7999200" y="3311280"/>
+            <a:ext cx="335160" cy="518040"/>
+          </a:xfrm>
+          <a:prstGeom prst="line">
+            <a:avLst/>
+          </a:prstGeom>
+          <a:ln w="25560">
+            <a:solidFill>
+              <a:srgbClr val="FFC000"/>
+            </a:solidFill>
+            <a:miter/>
+          </a:ln>
+        </p:spPr>
+      </p:sp>
+      <p:sp>
+        <p:nvSpPr>
+          <p:cNvPr id="108" name="Line 48"/>
+          <p:cNvSpPr/>
+          <p:nvPr/>
+        </p:nvSpPr>
+        <p:spPr>
+          <a:xfrm flipH="1">
+            <a:off x="3288600" y="4222080"/>
+            <a:ext cx="267840" cy="401760"/>
+          </a:xfrm>
+          <a:prstGeom prst="line">
+            <a:avLst/>
+          </a:prstGeom>
+          <a:ln w="25560">
+            <a:solidFill>
+              <a:srgbClr val="000000"/>
+            </a:solidFill>
+            <a:miter/>
+          </a:ln>
+        </p:spPr>
+      </p:sp>
+      <p:sp>
+        <p:nvSpPr>
+          <p:cNvPr id="109" name="Line 49"/>
+          <p:cNvSpPr/>
+          <p:nvPr/>
+        </p:nvSpPr>
+        <p:spPr>
+          <a:xfrm>
+            <a:off x="7979400" y="5036400"/>
+            <a:ext cx="236160" cy="383760"/>
+          </a:xfrm>
+          <a:prstGeom prst="line">
+            <a:avLst/>
+          </a:prstGeom>
+          <a:ln w="25560">
+            <a:solidFill>
+              <a:srgbClr val="000000"/>
+            </a:solidFill>
+            <a:miter/>
+          </a:ln>
+        </p:spPr>
+      </p:sp>
+      <p:sp>
+        <p:nvSpPr>
+          <p:cNvPr id="110" name="Line 50"/>
+          <p:cNvSpPr/>
+          <p:nvPr/>
+        </p:nvSpPr>
+        <p:spPr>
+          <a:xfrm flipH="1">
+            <a:off x="7527960" y="5035680"/>
+            <a:ext cx="151200" cy="389520"/>
+          </a:xfrm>
+          <a:prstGeom prst="line">
+            <a:avLst/>
+          </a:prstGeom>
+          <a:ln w="25560">
+            <a:solidFill>
+              <a:srgbClr val="000000"/>
+            </a:solidFill>
+            <a:miter/>
+          </a:ln>
+        </p:spPr>
+      </p:sp>
+      <p:sp>
+        <p:nvSpPr>
+          <p:cNvPr id="111" name="Line 51"/>
+          <p:cNvSpPr/>
+          <p:nvPr/>
+        </p:nvSpPr>
+        <p:spPr>
+          <a:xfrm flipH="1">
+            <a:off x="7855560" y="4154040"/>
+            <a:ext cx="263520" cy="565920"/>
+          </a:xfrm>
+          <a:prstGeom prst="line">
+            <a:avLst/>
+          </a:prstGeom>
+          <a:ln w="25560">
+            <a:solidFill>
+              <a:schemeClr val="accent4"/>
+            </a:solidFill>
+            <a:miter/>
+          </a:ln>
+        </p:spPr>
+      </p:sp>
+      <p:sp>
+        <p:nvSpPr>
+          <p:cNvPr id="112" name="Line 52"/>
+          <p:cNvSpPr/>
+          <p:nvPr/>
+        </p:nvSpPr>
+        <p:spPr>
+          <a:xfrm>
+            <a:off x="5524920" y="5036400"/>
+            <a:ext cx="172440" cy="360720"/>
+          </a:xfrm>
+          <a:prstGeom prst="line">
+            <a:avLst/>
+          </a:prstGeom>
+          <a:ln w="25560">
+            <a:solidFill>
+              <a:srgbClr val="000000"/>
+            </a:solidFill>
+            <a:miter/>
+          </a:ln>
+        </p:spPr>
+      </p:sp>
+      <p:sp>
+        <p:nvSpPr>
+          <p:cNvPr id="113" name="CustomShape 53"/>
+          <p:cNvSpPr/>
+          <p:nvPr/>
+        </p:nvSpPr>
+        <p:spPr>
+          <a:xfrm>
+            <a:off x="7606080" y="4701960"/>
+            <a:ext cx="501120" cy="390600"/>
+          </a:xfrm>
+          <a:prstGeom prst="ellipse">
+            <a:avLst/>
+          </a:prstGeom>
+          <a:solidFill>
+            <a:schemeClr val="accent4"/>
+          </a:solidFill>
+          <a:ln w="12600">
+            <a:solidFill>
+              <a:srgbClr val="43729D"/>
+            </a:solidFill>
+            <a:miter/>
+          </a:ln>
+        </p:spPr>
+        <p:txBody>
+          <a:bodyPr lIns="90000" tIns="45000" rIns="90000" bIns="45000" anchor="ctr"/>
+          <a:lstStyle/>
+          <a:p>
+            <a:pPr algn="ctr">
+              <a:lnSpc>
+                <a:spcPct val="100000"/>
+              </a:lnSpc>
+            </a:pPr>
+            <a:r>
+              <a:rPr lang="en-US" sz="1100" dirty="0">
+                <a:solidFill>
+                  <a:srgbClr val="000000"/>
+                </a:solidFill>
+                <a:latin typeface="Calibri"/>
+              </a:rPr>
+              <a:t>93</a:t>
+            </a:r>
+            <a:endParaRPr dirty="0"/>
+          </a:p>
+        </p:txBody>
+      </p:sp>
+      <p:sp>
+        <p:nvSpPr>
+          <p:cNvPr id="114" name="CustomShape 54"/>
+          <p:cNvSpPr/>
+          <p:nvPr/>
+        </p:nvSpPr>
+        <p:spPr>
+          <a:xfrm>
+            <a:off x="6177960" y="2920320"/>
+            <a:ext cx="501120" cy="390600"/>
+          </a:xfrm>
+          <a:prstGeom prst="ellipse">
+            <a:avLst/>
+          </a:prstGeom>
+          <a:solidFill>
+            <a:srgbClr val="DEEBF7"/>
+          </a:solidFill>
+          <a:ln w="12600">
+            <a:solidFill>
+              <a:srgbClr val="43729D"/>
+            </a:solidFill>
+            <a:miter/>
+          </a:ln>
+        </p:spPr>
+        <p:txBody>
+          <a:bodyPr lIns="90000" tIns="45000" rIns="90000" bIns="45000" anchor="ctr"/>
+          <a:lstStyle/>
+          <a:p>
+            <a:pPr algn="ctr">
+              <a:lnSpc>
+                <a:spcPct val="100000"/>
+              </a:lnSpc>
+            </a:pPr>
+            <a:r>
+              <a:rPr lang="en-US" sz="1100">
+                <a:solidFill>
+                  <a:srgbClr val="000000"/>
+                </a:solidFill>
+                <a:latin typeface="Calibri"/>
+              </a:rPr>
+              <a:t>75</a:t>
+            </a:r>
+            <a:endParaRPr/>
+          </a:p>
+        </p:txBody>
+      </p:sp>
+      <p:sp>
+        <p:nvSpPr>
+          <p:cNvPr id="115" name="Line 55"/>
+          <p:cNvSpPr/>
+          <p:nvPr/>
+        </p:nvSpPr>
+        <p:spPr>
+          <a:xfrm>
+            <a:off x="6177600" y="2477520"/>
+            <a:ext cx="230760" cy="461880"/>
+          </a:xfrm>
+          <a:prstGeom prst="line">
+            <a:avLst/>
+          </a:prstGeom>
+          <a:ln w="25560">
+            <a:solidFill>
+              <a:srgbClr val="000000"/>
+            </a:solidFill>
+            <a:miter/>
+          </a:ln>
+        </p:spPr>
+      </p:sp>
+      <p:sp>
+        <p:nvSpPr>
+          <p:cNvPr id="116" name="CustomShape 56"/>
+          <p:cNvSpPr/>
+          <p:nvPr/>
+        </p:nvSpPr>
+        <p:spPr>
+          <a:xfrm>
+            <a:off x="5839920" y="6136200"/>
+            <a:ext cx="501120" cy="390600"/>
+          </a:xfrm>
+          <a:prstGeom prst="ellipse">
+            <a:avLst/>
+          </a:prstGeom>
+          <a:solidFill>
+            <a:srgbClr val="DEEBF7"/>
+          </a:solidFill>
+          <a:ln w="12600">
+            <a:solidFill>
+              <a:srgbClr val="43729D"/>
+            </a:solidFill>
+            <a:miter/>
+          </a:ln>
+        </p:spPr>
+        <p:txBody>
+          <a:bodyPr lIns="90000" tIns="45000" rIns="90000" bIns="45000" anchor="ctr"/>
+          <a:lstStyle/>
+          <a:p>
+            <a:pPr algn="ctr">
+              <a:lnSpc>
+                <a:spcPct val="100000"/>
+              </a:lnSpc>
+            </a:pPr>
+            <a:r>
+              <a:rPr lang="en-US" sz="1100">
+                <a:solidFill>
+                  <a:srgbClr val="000000"/>
+                </a:solidFill>
+                <a:latin typeface="Calibri"/>
+              </a:rPr>
+              <a:t>62</a:t>
+            </a:r>
+            <a:endParaRPr/>
+          </a:p>
+        </p:txBody>
+      </p:sp>
+      <p:sp>
+        <p:nvSpPr>
+          <p:cNvPr id="117" name="Line 57"/>
+          <p:cNvSpPr/>
+          <p:nvPr/>
+        </p:nvSpPr>
+        <p:spPr>
+          <a:xfrm>
+            <a:off x="5874480" y="5730840"/>
+            <a:ext cx="216000" cy="405000"/>
+          </a:xfrm>
+          <a:prstGeom prst="line">
+            <a:avLst/>
+          </a:prstGeom>
+          <a:ln w="25560">
+            <a:solidFill>
+              <a:srgbClr val="000000"/>
+            </a:solidFill>
+            <a:miter/>
+          </a:ln>
+        </p:spPr>
+      </p:sp>
+      <p:sp>
+        <p:nvSpPr>
+          <p:cNvPr id="118" name="CustomShape 58"/>
+          <p:cNvSpPr/>
+          <p:nvPr/>
+        </p:nvSpPr>
+        <p:spPr>
+          <a:xfrm>
+            <a:off x="6052680" y="5834160"/>
+            <a:ext cx="163080" cy="364680"/>
+          </a:xfrm>
+          <a:prstGeom prst="rect">
+            <a:avLst/>
+          </a:prstGeom>
+          <a:noFill/>
+          <a:ln>
+            <a:noFill/>
+          </a:ln>
+        </p:spPr>
+        <p:txBody>
+          <a:bodyPr lIns="90000" tIns="45000" rIns="90000" bIns="45000"/>
+          <a:lstStyle/>
+          <a:p>
+            <a:pPr>
+              <a:lnSpc>
+                <a:spcPct val="100000"/>
+              </a:lnSpc>
+            </a:pPr>
+            <a:r>
+              <a:rPr lang="en-US">
+                <a:solidFill>
+                  <a:srgbClr val="FF0000"/>
+                </a:solidFill>
+                <a:latin typeface="Calibri"/>
+              </a:rPr>
+              <a:t>1</a:t>
+            </a:r>
+            <a:endParaRPr/>
+          </a:p>
+        </p:txBody>
+      </p:sp>
+      <p:sp>
+        <p:nvSpPr>
+          <p:cNvPr id="119" name="CustomShape 59"/>
+          <p:cNvSpPr/>
+          <p:nvPr/>
+        </p:nvSpPr>
+        <p:spPr>
+          <a:xfrm>
+            <a:off x="5648400" y="5093280"/>
+            <a:ext cx="306000" cy="364680"/>
+          </a:xfrm>
+          <a:prstGeom prst="rect">
+            <a:avLst/>
+          </a:prstGeom>
+          <a:noFill/>
+          <a:ln>
+            <a:noFill/>
+          </a:ln>
+        </p:spPr>
+        <p:txBody>
+          <a:bodyPr wrap="none" lIns="90000" tIns="45000" rIns="90000" bIns="45000"/>
+          <a:lstStyle/>
+          <a:p>
+            <a:pPr>
+              <a:lnSpc>
+                <a:spcPct val="100000"/>
+              </a:lnSpc>
+            </a:pPr>
+            <a:r>
+              <a:rPr lang="en-US">
+                <a:solidFill>
+                  <a:srgbClr val="FF0000"/>
+                </a:solidFill>
+                <a:latin typeface="Calibri"/>
+              </a:rPr>
+              <a:t>2</a:t>
+            </a:r>
+            <a:endParaRPr/>
+          </a:p>
+        </p:txBody>
+      </p:sp>
+      <p:sp>
+        <p:nvSpPr>
+          <p:cNvPr id="120" name="CustomShape 60"/>
+          <p:cNvSpPr/>
+          <p:nvPr/>
+        </p:nvSpPr>
+        <p:spPr>
+          <a:xfrm>
+            <a:off x="5267880" y="4355640"/>
+            <a:ext cx="306000" cy="364680"/>
+          </a:xfrm>
+          <a:prstGeom prst="rect">
+            <a:avLst/>
+          </a:prstGeom>
+          <a:noFill/>
+          <a:ln>
+            <a:noFill/>
+          </a:ln>
+        </p:spPr>
+        <p:txBody>
+          <a:bodyPr wrap="none" lIns="90000" tIns="45000" rIns="90000" bIns="45000"/>
+          <a:lstStyle/>
+          <a:p>
+            <a:pPr>
+              <a:lnSpc>
+                <a:spcPct val="100000"/>
+              </a:lnSpc>
+            </a:pPr>
+            <a:r>
+              <a:rPr lang="en-US">
+                <a:solidFill>
+                  <a:srgbClr val="FF0000"/>
+                </a:solidFill>
+                <a:latin typeface="Calibri"/>
+              </a:rPr>
+              <a:t>3</a:t>
+            </a:r>
+            <a:endParaRPr/>
+          </a:p>
+        </p:txBody>
+      </p:sp>
+      <p:sp>
+        <p:nvSpPr>
+          <p:cNvPr id="121" name="CustomShape 61"/>
+          <p:cNvSpPr/>
+          <p:nvPr/>
+        </p:nvSpPr>
+        <p:spPr>
+          <a:xfrm>
+            <a:off x="4411800" y="4350600"/>
+            <a:ext cx="306000" cy="364680"/>
+          </a:xfrm>
+          <a:prstGeom prst="rect">
+            <a:avLst/>
+          </a:prstGeom>
+          <a:noFill/>
+          <a:ln>
+            <a:noFill/>
+          </a:ln>
+        </p:spPr>
+        <p:txBody>
+          <a:bodyPr wrap="none" lIns="90000" tIns="45000" rIns="90000" bIns="45000"/>
+          <a:lstStyle/>
+          <a:p>
+            <a:pPr>
+              <a:lnSpc>
+                <a:spcPct val="100000"/>
+              </a:lnSpc>
+            </a:pPr>
+            <a:r>
+              <a:rPr lang="en-US">
+                <a:solidFill>
+                  <a:srgbClr val="FF0000"/>
+                </a:solidFill>
+                <a:latin typeface="Calibri"/>
+              </a:rPr>
+              <a:t>1</a:t>
+            </a:r>
+            <a:endParaRPr/>
+          </a:p>
+        </p:txBody>
+      </p:sp>
+      <p:sp>
+        <p:nvSpPr>
+          <p:cNvPr id="122" name="CustomShape 62"/>
+          <p:cNvSpPr/>
+          <p:nvPr/>
+        </p:nvSpPr>
+        <p:spPr>
+          <a:xfrm>
+            <a:off x="2625120" y="3467160"/>
+            <a:ext cx="306000" cy="364680"/>
+          </a:xfrm>
+          <a:prstGeom prst="rect">
+            <a:avLst/>
+          </a:prstGeom>
+          <a:noFill/>
+          <a:ln>
+            <a:noFill/>
+          </a:ln>
+        </p:spPr>
+        <p:txBody>
+          <a:bodyPr wrap="none" lIns="90000" tIns="45000" rIns="90000" bIns="45000"/>
+          <a:lstStyle/>
+          <a:p>
+            <a:pPr>
+              <a:lnSpc>
+                <a:spcPct val="100000"/>
+              </a:lnSpc>
+            </a:pPr>
+            <a:r>
+              <a:rPr lang="en-US">
+                <a:solidFill>
+                  <a:srgbClr val="FF0000"/>
+                </a:solidFill>
+                <a:latin typeface="Calibri"/>
+              </a:rPr>
+              <a:t>1</a:t>
+            </a:r>
+            <a:endParaRPr/>
+          </a:p>
+        </p:txBody>
+      </p:sp>
+      <p:sp>
+        <p:nvSpPr>
+          <p:cNvPr id="123" name="CustomShape 63"/>
+          <p:cNvSpPr/>
+          <p:nvPr/>
+        </p:nvSpPr>
+        <p:spPr>
+          <a:xfrm>
+            <a:off x="3049920" y="4313880"/>
+            <a:ext cx="306000" cy="364680"/>
+          </a:xfrm>
+          <a:prstGeom prst="rect">
+            <a:avLst/>
+          </a:prstGeom>
+          <a:noFill/>
+          <a:ln>
+            <a:noFill/>
+          </a:ln>
+        </p:spPr>
+        <p:txBody>
+          <a:bodyPr wrap="none" lIns="90000" tIns="45000" rIns="90000" bIns="45000"/>
+          <a:lstStyle/>
+          <a:p>
+            <a:pPr>
+              <a:lnSpc>
+                <a:spcPct val="100000"/>
+              </a:lnSpc>
+            </a:pPr>
+            <a:r>
+              <a:rPr lang="en-US">
+                <a:solidFill>
+                  <a:srgbClr val="FF0000"/>
+                </a:solidFill>
+                <a:latin typeface="Calibri"/>
+              </a:rPr>
+              <a:t>1</a:t>
+            </a:r>
+            <a:endParaRPr/>
+          </a:p>
+        </p:txBody>
+      </p:sp>
+      <p:sp>
+        <p:nvSpPr>
+          <p:cNvPr id="124" name="CustomShape 64"/>
+          <p:cNvSpPr/>
+          <p:nvPr/>
+        </p:nvSpPr>
+        <p:spPr>
+          <a:xfrm>
+            <a:off x="5612040" y="3548160"/>
+            <a:ext cx="306000" cy="364680"/>
+          </a:xfrm>
+          <a:prstGeom prst="rect">
+            <a:avLst/>
+          </a:prstGeom>
+          <a:noFill/>
+          <a:ln>
+            <a:noFill/>
+          </a:ln>
+        </p:spPr>
+        <p:txBody>
+          <a:bodyPr wrap="none" lIns="90000" tIns="45000" rIns="90000" bIns="45000"/>
+          <a:lstStyle/>
+          <a:p>
+            <a:pPr>
+              <a:lnSpc>
+                <a:spcPct val="100000"/>
+              </a:lnSpc>
+            </a:pPr>
+            <a:r>
+              <a:rPr lang="en-US">
+                <a:solidFill>
+                  <a:srgbClr val="FF0000"/>
+                </a:solidFill>
+                <a:latin typeface="Calibri"/>
+              </a:rPr>
+              <a:t>1</a:t>
+            </a:r>
+            <a:endParaRPr/>
+          </a:p>
+        </p:txBody>
+      </p:sp>
+      <p:sp>
+        <p:nvSpPr>
+          <p:cNvPr id="125" name="CustomShape 65"/>
+          <p:cNvSpPr/>
+          <p:nvPr/>
+        </p:nvSpPr>
+        <p:spPr>
+          <a:xfrm>
+            <a:off x="7098840" y="3484800"/>
+            <a:ext cx="306000" cy="364680"/>
+          </a:xfrm>
+          <a:prstGeom prst="rect">
+            <a:avLst/>
+          </a:prstGeom>
+          <a:noFill/>
+          <a:ln>
+            <a:noFill/>
+          </a:ln>
+        </p:spPr>
+        <p:txBody>
+          <a:bodyPr wrap="none" lIns="90000" tIns="45000" rIns="90000" bIns="45000"/>
+          <a:lstStyle/>
+          <a:p>
+            <a:pPr>
+              <a:lnSpc>
+                <a:spcPct val="100000"/>
+              </a:lnSpc>
+            </a:pPr>
+            <a:r>
+              <a:rPr lang="en-US" b="1" dirty="0">
+                <a:solidFill>
+                  <a:schemeClr val="accent4"/>
+                </a:solidFill>
+                <a:latin typeface="Calibri"/>
+              </a:rPr>
+              <a:t>1</a:t>
+            </a:r>
+            <a:endParaRPr b="1" dirty="0">
+              <a:solidFill>
+                <a:schemeClr val="accent4"/>
+              </a:solidFill>
+            </a:endParaRPr>
+          </a:p>
+        </p:txBody>
+      </p:sp>
+      <p:sp>
+        <p:nvSpPr>
+          <p:cNvPr id="126" name="CustomShape 66"/>
+          <p:cNvSpPr/>
+          <p:nvPr/>
+        </p:nvSpPr>
+        <p:spPr>
+          <a:xfrm>
+            <a:off x="7302600" y="5105520"/>
+            <a:ext cx="306000" cy="364680"/>
+          </a:xfrm>
+          <a:prstGeom prst="rect">
+            <a:avLst/>
+          </a:prstGeom>
+          <a:noFill/>
+          <a:ln>
+            <a:noFill/>
+          </a:ln>
+        </p:spPr>
+        <p:txBody>
+          <a:bodyPr wrap="none" lIns="90000" tIns="45000" rIns="90000" bIns="45000"/>
+          <a:lstStyle/>
+          <a:p>
+            <a:pPr>
+              <a:lnSpc>
+                <a:spcPct val="100000"/>
+              </a:lnSpc>
+            </a:pPr>
+            <a:r>
+              <a:rPr lang="en-US">
+                <a:solidFill>
+                  <a:srgbClr val="FF0000"/>
+                </a:solidFill>
+                <a:latin typeface="Calibri"/>
+              </a:rPr>
+              <a:t>1</a:t>
+            </a:r>
+            <a:endParaRPr/>
+          </a:p>
+        </p:txBody>
+      </p:sp>
+      <p:sp>
+        <p:nvSpPr>
+          <p:cNvPr id="127" name="CustomShape 67"/>
+          <p:cNvSpPr/>
+          <p:nvPr/>
+        </p:nvSpPr>
+        <p:spPr>
+          <a:xfrm>
+            <a:off x="8121960" y="5109480"/>
+            <a:ext cx="306000" cy="364680"/>
+          </a:xfrm>
+          <a:prstGeom prst="rect">
+            <a:avLst/>
+          </a:prstGeom>
+          <a:noFill/>
+          <a:ln>
+            <a:noFill/>
+          </a:ln>
+        </p:spPr>
+        <p:txBody>
+          <a:bodyPr wrap="none" lIns="90000" tIns="45000" rIns="90000" bIns="45000"/>
+          <a:lstStyle/>
+          <a:p>
+            <a:pPr>
+              <a:lnSpc>
+                <a:spcPct val="100000"/>
+              </a:lnSpc>
+            </a:pPr>
+            <a:r>
+              <a:rPr lang="en-US">
+                <a:solidFill>
+                  <a:srgbClr val="FF0000"/>
+                </a:solidFill>
+                <a:latin typeface="Calibri"/>
+              </a:rPr>
+              <a:t>1</a:t>
+            </a:r>
+            <a:endParaRPr/>
+          </a:p>
+        </p:txBody>
+      </p:sp>
+      <p:sp>
+        <p:nvSpPr>
+          <p:cNvPr id="128" name="CustomShape 68"/>
+          <p:cNvSpPr/>
+          <p:nvPr/>
+        </p:nvSpPr>
+        <p:spPr>
+          <a:xfrm>
+            <a:off x="8470800" y="4332600"/>
+            <a:ext cx="306000" cy="364680"/>
+          </a:xfrm>
+          <a:prstGeom prst="rect">
+            <a:avLst/>
+          </a:prstGeom>
+          <a:noFill/>
+          <a:ln>
+            <a:noFill/>
+          </a:ln>
+        </p:spPr>
+        <p:txBody>
+          <a:bodyPr wrap="none" lIns="90000" tIns="45000" rIns="90000" bIns="45000"/>
+          <a:lstStyle/>
+          <a:p>
+            <a:pPr>
+              <a:lnSpc>
+                <a:spcPct val="100000"/>
+              </a:lnSpc>
+            </a:pPr>
+            <a:r>
+              <a:rPr lang="en-US" dirty="0">
+                <a:solidFill>
+                  <a:srgbClr val="FF0000"/>
+                </a:solidFill>
+                <a:latin typeface="Calibri"/>
+              </a:rPr>
+              <a:t>1</a:t>
+            </a:r>
+            <a:endParaRPr dirty="0"/>
+          </a:p>
+        </p:txBody>
+      </p:sp>
+      <p:sp>
+        <p:nvSpPr>
+          <p:cNvPr id="129" name="CustomShape 69"/>
+          <p:cNvSpPr/>
+          <p:nvPr/>
+        </p:nvSpPr>
+        <p:spPr>
+          <a:xfrm>
+            <a:off x="4855320" y="3522240"/>
+            <a:ext cx="306000" cy="364680"/>
+          </a:xfrm>
+          <a:prstGeom prst="rect">
+            <a:avLst/>
+          </a:prstGeom>
+          <a:noFill/>
+          <a:ln>
+            <a:noFill/>
+          </a:ln>
+        </p:spPr>
+        <p:txBody>
+          <a:bodyPr wrap="none" lIns="90000" tIns="45000" rIns="90000" bIns="45000"/>
+          <a:lstStyle/>
+          <a:p>
+            <a:pPr>
+              <a:lnSpc>
+                <a:spcPct val="100000"/>
+              </a:lnSpc>
+            </a:pPr>
+            <a:r>
+              <a:rPr lang="en-US">
+                <a:solidFill>
+                  <a:srgbClr val="FF0000"/>
+                </a:solidFill>
+                <a:latin typeface="Calibri"/>
+              </a:rPr>
+              <a:t>5</a:t>
+            </a:r>
+            <a:endParaRPr/>
+          </a:p>
+        </p:txBody>
+      </p:sp>
+      <p:sp>
+        <p:nvSpPr>
+          <p:cNvPr id="130" name="CustomShape 70"/>
+          <p:cNvSpPr/>
+          <p:nvPr/>
+        </p:nvSpPr>
+        <p:spPr>
+          <a:xfrm>
+            <a:off x="5250960" y="2628360"/>
+            <a:ext cx="306000" cy="364680"/>
+          </a:xfrm>
+          <a:prstGeom prst="rect">
+            <a:avLst/>
+          </a:prstGeom>
+          <a:noFill/>
+          <a:ln>
+            <a:noFill/>
+          </a:ln>
+        </p:spPr>
+        <p:txBody>
+          <a:bodyPr wrap="none" lIns="90000" tIns="45000" rIns="90000" bIns="45000"/>
+          <a:lstStyle/>
+          <a:p>
+            <a:pPr>
+              <a:lnSpc>
+                <a:spcPct val="100000"/>
+              </a:lnSpc>
+            </a:pPr>
+            <a:r>
+              <a:rPr lang="en-US">
+                <a:solidFill>
+                  <a:srgbClr val="FF0000"/>
+                </a:solidFill>
+                <a:latin typeface="Calibri"/>
+              </a:rPr>
+              <a:t>7</a:t>
+            </a:r>
+            <a:endParaRPr/>
+          </a:p>
+        </p:txBody>
+      </p:sp>
+      <p:sp>
+        <p:nvSpPr>
+          <p:cNvPr id="131" name="CustomShape 71"/>
+          <p:cNvSpPr/>
+          <p:nvPr/>
+        </p:nvSpPr>
+        <p:spPr>
+          <a:xfrm>
+            <a:off x="4443480" y="2628360"/>
+            <a:ext cx="306000" cy="364680"/>
+          </a:xfrm>
+          <a:prstGeom prst="rect">
+            <a:avLst/>
+          </a:prstGeom>
+          <a:noFill/>
+          <a:ln>
+            <a:noFill/>
+          </a:ln>
+        </p:spPr>
+        <p:txBody>
+          <a:bodyPr wrap="none" lIns="90000" tIns="45000" rIns="90000" bIns="45000"/>
+          <a:lstStyle/>
+          <a:p>
+            <a:pPr>
+              <a:lnSpc>
+                <a:spcPct val="100000"/>
+              </a:lnSpc>
+            </a:pPr>
+            <a:r>
+              <a:rPr lang="en-US">
+                <a:solidFill>
+                  <a:srgbClr val="FF0000"/>
+                </a:solidFill>
+                <a:latin typeface="Calibri"/>
+              </a:rPr>
+              <a:t>1</a:t>
+            </a:r>
+            <a:endParaRPr/>
+          </a:p>
+        </p:txBody>
+      </p:sp>
+      <p:sp>
+        <p:nvSpPr>
+          <p:cNvPr id="132" name="CustomShape 72"/>
+          <p:cNvSpPr/>
+          <p:nvPr/>
+        </p:nvSpPr>
+        <p:spPr>
+          <a:xfrm>
+            <a:off x="6297480" y="2628360"/>
+            <a:ext cx="306000" cy="364680"/>
+          </a:xfrm>
+          <a:prstGeom prst="rect">
+            <a:avLst/>
+          </a:prstGeom>
+          <a:noFill/>
+          <a:ln>
+            <a:noFill/>
+          </a:ln>
+        </p:spPr>
+        <p:txBody>
+          <a:bodyPr wrap="none" lIns="90000" tIns="45000" rIns="90000" bIns="45000"/>
+          <a:lstStyle/>
+          <a:p>
+            <a:pPr>
+              <a:lnSpc>
+                <a:spcPct val="100000"/>
+              </a:lnSpc>
+            </a:pPr>
+            <a:r>
+              <a:rPr lang="en-US">
+                <a:solidFill>
+                  <a:srgbClr val="FF0000"/>
+                </a:solidFill>
+                <a:latin typeface="Calibri"/>
+              </a:rPr>
+              <a:t>1</a:t>
+            </a:r>
+            <a:endParaRPr/>
+          </a:p>
+        </p:txBody>
+      </p:sp>
+      <p:sp>
+        <p:nvSpPr>
+          <p:cNvPr id="133" name="CustomShape 73"/>
+          <p:cNvSpPr/>
+          <p:nvPr/>
+        </p:nvSpPr>
+        <p:spPr>
+          <a:xfrm>
+            <a:off x="6783120" y="2647800"/>
+            <a:ext cx="306000" cy="364680"/>
+          </a:xfrm>
+          <a:prstGeom prst="rect">
+            <a:avLst/>
+          </a:prstGeom>
+          <a:noFill/>
+          <a:ln>
+            <a:noFill/>
+          </a:ln>
+        </p:spPr>
+        <p:txBody>
+          <a:bodyPr wrap="none" lIns="90000" tIns="45000" rIns="90000" bIns="45000"/>
+          <a:lstStyle/>
+          <a:p>
+            <a:pPr>
+              <a:lnSpc>
+                <a:spcPct val="100000"/>
+              </a:lnSpc>
+            </a:pPr>
+            <a:r>
+              <a:rPr lang="en-US" b="1" dirty="0">
+                <a:solidFill>
+                  <a:schemeClr val="accent4"/>
+                </a:solidFill>
+                <a:latin typeface="Calibri"/>
+              </a:rPr>
+              <a:t>1</a:t>
+            </a:r>
+            <a:endParaRPr b="1" dirty="0">
+              <a:solidFill>
+                <a:schemeClr val="accent4"/>
+              </a:solidFill>
+            </a:endParaRPr>
+          </a:p>
+        </p:txBody>
+      </p:sp>
+      <p:sp>
+        <p:nvSpPr>
+          <p:cNvPr id="134" name="CustomShape 74"/>
+          <p:cNvSpPr/>
+          <p:nvPr/>
+        </p:nvSpPr>
+        <p:spPr>
+          <a:xfrm>
+            <a:off x="7655040" y="4392000"/>
+            <a:ext cx="306000" cy="364680"/>
+          </a:xfrm>
+          <a:prstGeom prst="rect">
+            <a:avLst/>
+          </a:prstGeom>
+          <a:noFill/>
+          <a:ln>
+            <a:noFill/>
+          </a:ln>
+        </p:spPr>
+        <p:txBody>
+          <a:bodyPr wrap="none" lIns="90000" tIns="45000" rIns="90000" bIns="45000"/>
+          <a:lstStyle/>
+          <a:p>
+            <a:pPr>
+              <a:lnSpc>
+                <a:spcPct val="100000"/>
+              </a:lnSpc>
+            </a:pPr>
+            <a:r>
+              <a:rPr lang="en-US" b="1" dirty="0">
+                <a:solidFill>
+                  <a:schemeClr val="accent4"/>
+                </a:solidFill>
+                <a:latin typeface="Calibri"/>
+              </a:rPr>
+              <a:t>3</a:t>
+            </a:r>
+            <a:endParaRPr b="1" dirty="0">
+              <a:solidFill>
+                <a:schemeClr val="accent4"/>
+              </a:solidFill>
+            </a:endParaRPr>
+          </a:p>
+        </p:txBody>
+      </p:sp>
+      <p:sp>
+        <p:nvSpPr>
+          <p:cNvPr id="135" name="CustomShape 75"/>
+          <p:cNvSpPr/>
+          <p:nvPr/>
+        </p:nvSpPr>
+        <p:spPr>
+          <a:xfrm>
+            <a:off x="8253360" y="3484800"/>
+            <a:ext cx="306000" cy="364680"/>
+          </a:xfrm>
+          <a:prstGeom prst="rect">
+            <a:avLst/>
+          </a:prstGeom>
+          <a:noFill/>
+          <a:ln>
+            <a:noFill/>
+          </a:ln>
+        </p:spPr>
+        <p:txBody>
+          <a:bodyPr wrap="none" lIns="90000" tIns="45000" rIns="90000" bIns="45000"/>
+          <a:lstStyle/>
+          <a:p>
+            <a:pPr>
+              <a:lnSpc>
+                <a:spcPct val="100000"/>
+              </a:lnSpc>
+            </a:pPr>
+            <a:r>
+              <a:rPr lang="en-US" dirty="0">
+                <a:solidFill>
+                  <a:srgbClr val="FF0000"/>
+                </a:solidFill>
+                <a:latin typeface="Calibri"/>
+              </a:rPr>
+              <a:t>5</a:t>
+            </a:r>
+            <a:endParaRPr dirty="0">
+              <a:solidFill>
+                <a:srgbClr val="FF0000"/>
+              </a:solidFill>
+            </a:endParaRPr>
+          </a:p>
+        </p:txBody>
+      </p:sp>
+      <p:sp>
+        <p:nvSpPr>
+          <p:cNvPr id="136" name="CustomShape 76"/>
+          <p:cNvSpPr/>
+          <p:nvPr/>
+        </p:nvSpPr>
+        <p:spPr>
+          <a:xfrm>
+            <a:off x="3438360" y="3548160"/>
+            <a:ext cx="306000" cy="364680"/>
+          </a:xfrm>
+          <a:prstGeom prst="rect">
+            <a:avLst/>
+          </a:prstGeom>
+          <a:noFill/>
+          <a:ln>
+            <a:noFill/>
+          </a:ln>
+        </p:spPr>
+        <p:txBody>
+          <a:bodyPr wrap="none" lIns="90000" tIns="45000" rIns="90000" bIns="45000"/>
+          <a:lstStyle/>
+          <a:p>
+            <a:pPr>
+              <a:lnSpc>
+                <a:spcPct val="100000"/>
+              </a:lnSpc>
+            </a:pPr>
+            <a:r>
+              <a:rPr lang="en-US">
+                <a:solidFill>
+                  <a:srgbClr val="FF0000"/>
+                </a:solidFill>
+                <a:latin typeface="Calibri"/>
+              </a:rPr>
+              <a:t>2</a:t>
+            </a:r>
+            <a:endParaRPr/>
+          </a:p>
+        </p:txBody>
+      </p:sp>
+      <p:sp>
+        <p:nvSpPr>
+          <p:cNvPr id="137" name="CustomShape 77"/>
+          <p:cNvSpPr/>
+          <p:nvPr/>
+        </p:nvSpPr>
+        <p:spPr>
+          <a:xfrm>
+            <a:off x="3225600" y="2651760"/>
+            <a:ext cx="306000" cy="364680"/>
+          </a:xfrm>
+          <a:prstGeom prst="rect">
+            <a:avLst/>
+          </a:prstGeom>
+          <a:noFill/>
+          <a:ln>
+            <a:noFill/>
+          </a:ln>
+        </p:spPr>
+        <p:txBody>
+          <a:bodyPr wrap="none" lIns="90000" tIns="45000" rIns="90000" bIns="45000"/>
+          <a:lstStyle/>
+          <a:p>
+            <a:pPr>
+              <a:lnSpc>
+                <a:spcPct val="100000"/>
+              </a:lnSpc>
+            </a:pPr>
+            <a:r>
+              <a:rPr lang="en-US">
+                <a:solidFill>
+                  <a:srgbClr val="FF0000"/>
+                </a:solidFill>
+                <a:latin typeface="Calibri"/>
+              </a:rPr>
+              <a:t>2</a:t>
+            </a:r>
+            <a:endParaRPr/>
+          </a:p>
+        </p:txBody>
+      </p:sp>
+      <p:sp>
+        <p:nvSpPr>
+          <p:cNvPr id="138" name="CustomShape 78"/>
+          <p:cNvSpPr/>
+          <p:nvPr/>
+        </p:nvSpPr>
+        <p:spPr>
+          <a:xfrm>
+            <a:off x="3965760" y="2628360"/>
+            <a:ext cx="306000" cy="364680"/>
+          </a:xfrm>
+          <a:prstGeom prst="rect">
+            <a:avLst/>
+          </a:prstGeom>
+          <a:noFill/>
+          <a:ln>
+            <a:noFill/>
+          </a:ln>
+        </p:spPr>
+        <p:txBody>
+          <a:bodyPr wrap="none" lIns="90000" tIns="45000" rIns="90000" bIns="45000"/>
+          <a:lstStyle/>
+          <a:p>
+            <a:pPr>
+              <a:lnSpc>
+                <a:spcPct val="100000"/>
+              </a:lnSpc>
+            </a:pPr>
+            <a:r>
+              <a:rPr lang="en-US">
+                <a:solidFill>
+                  <a:srgbClr val="FF0000"/>
+                </a:solidFill>
+                <a:latin typeface="Calibri"/>
+              </a:rPr>
+              <a:t>3</a:t>
+            </a:r>
+            <a:endParaRPr/>
+          </a:p>
+        </p:txBody>
+      </p:sp>
+      <p:sp>
+        <p:nvSpPr>
+          <p:cNvPr id="139" name="CustomShape 79"/>
+          <p:cNvSpPr/>
+          <p:nvPr/>
+        </p:nvSpPr>
+        <p:spPr>
+          <a:xfrm>
+            <a:off x="7723080" y="2651760"/>
+            <a:ext cx="306000" cy="364680"/>
+          </a:xfrm>
+          <a:prstGeom prst="rect">
+            <a:avLst/>
+          </a:prstGeom>
+          <a:noFill/>
+          <a:ln>
+            <a:noFill/>
+          </a:ln>
+        </p:spPr>
+        <p:txBody>
+          <a:bodyPr wrap="none" lIns="90000" tIns="45000" rIns="90000" bIns="45000"/>
+          <a:lstStyle/>
+          <a:p>
+            <a:pPr>
+              <a:lnSpc>
+                <a:spcPct val="100000"/>
+              </a:lnSpc>
+            </a:pPr>
+            <a:r>
+              <a:rPr lang="en-US">
+                <a:solidFill>
+                  <a:srgbClr val="FF0000"/>
+                </a:solidFill>
+                <a:latin typeface="Calibri"/>
+              </a:rPr>
+              <a:t>7</a:t>
+            </a:r>
+            <a:endParaRPr/>
+          </a:p>
+        </p:txBody>
+      </p:sp>
+      <p:sp>
+        <p:nvSpPr>
+          <p:cNvPr id="140" name="CustomShape 80"/>
+          <p:cNvSpPr/>
+          <p:nvPr/>
+        </p:nvSpPr>
+        <p:spPr>
+          <a:xfrm>
+            <a:off x="7151760" y="1737360"/>
+            <a:ext cx="306000" cy="364680"/>
+          </a:xfrm>
+          <a:prstGeom prst="rect">
+            <a:avLst/>
+          </a:prstGeom>
+          <a:noFill/>
+          <a:ln>
+            <a:noFill/>
+          </a:ln>
+        </p:spPr>
+        <p:txBody>
+          <a:bodyPr wrap="none" lIns="90000" tIns="45000" rIns="90000" bIns="45000"/>
+          <a:lstStyle/>
+          <a:p>
+            <a:pPr>
+              <a:lnSpc>
+                <a:spcPct val="100000"/>
+              </a:lnSpc>
+            </a:pPr>
+            <a:r>
+              <a:rPr lang="en-US">
+                <a:solidFill>
+                  <a:srgbClr val="FF0000"/>
+                </a:solidFill>
+                <a:latin typeface="Calibri"/>
+              </a:rPr>
+              <a:t>9</a:t>
+            </a:r>
+            <a:endParaRPr/>
+          </a:p>
+        </p:txBody>
+      </p:sp>
+      <p:sp>
+        <p:nvSpPr>
+          <p:cNvPr id="141" name="CustomShape 81"/>
+          <p:cNvSpPr/>
+          <p:nvPr/>
+        </p:nvSpPr>
+        <p:spPr>
+          <a:xfrm>
+            <a:off x="5968800" y="1755720"/>
+            <a:ext cx="306000" cy="364680"/>
+          </a:xfrm>
+          <a:prstGeom prst="rect">
+            <a:avLst/>
+          </a:prstGeom>
+          <a:noFill/>
+          <a:ln>
+            <a:noFill/>
+          </a:ln>
+        </p:spPr>
+        <p:txBody>
+          <a:bodyPr wrap="none" lIns="90000" tIns="45000" rIns="90000" bIns="45000"/>
+          <a:lstStyle/>
+          <a:p>
+            <a:pPr>
+              <a:lnSpc>
+                <a:spcPct val="100000"/>
+              </a:lnSpc>
+            </a:pPr>
+            <a:r>
+              <a:rPr lang="en-US" b="1" dirty="0">
+                <a:solidFill>
+                  <a:schemeClr val="accent4"/>
+                </a:solidFill>
+                <a:latin typeface="Calibri"/>
+              </a:rPr>
+              <a:t>2</a:t>
+            </a:r>
+            <a:endParaRPr b="1" dirty="0">
+              <a:solidFill>
+                <a:schemeClr val="accent4"/>
+              </a:solidFill>
+            </a:endParaRPr>
+          </a:p>
+        </p:txBody>
+      </p:sp>
+      <p:sp>
+        <p:nvSpPr>
+          <p:cNvPr id="142" name="CustomShape 82"/>
+          <p:cNvSpPr/>
+          <p:nvPr/>
+        </p:nvSpPr>
+        <p:spPr>
+          <a:xfrm>
+            <a:off x="4865400" y="1765440"/>
+            <a:ext cx="306000" cy="364680"/>
+          </a:xfrm>
+          <a:prstGeom prst="rect">
+            <a:avLst/>
+          </a:prstGeom>
+          <a:noFill/>
+          <a:ln>
+            <a:noFill/>
+          </a:ln>
+        </p:spPr>
+        <p:txBody>
+          <a:bodyPr wrap="none" lIns="90000" tIns="45000" rIns="90000" bIns="45000"/>
+          <a:lstStyle/>
+          <a:p>
+            <a:pPr>
+              <a:lnSpc>
+                <a:spcPct val="100000"/>
+              </a:lnSpc>
+            </a:pPr>
+            <a:r>
+              <a:rPr lang="en-US">
+                <a:solidFill>
+                  <a:srgbClr val="FF0000"/>
+                </a:solidFill>
+                <a:latin typeface="Calibri"/>
+              </a:rPr>
+              <a:t>9</a:t>
+            </a:r>
+            <a:endParaRPr/>
+          </a:p>
+        </p:txBody>
+      </p:sp>
+      <p:sp>
+        <p:nvSpPr>
+          <p:cNvPr id="143" name="CustomShape 83"/>
+          <p:cNvSpPr/>
+          <p:nvPr/>
+        </p:nvSpPr>
+        <p:spPr>
+          <a:xfrm>
+            <a:off x="3631320" y="1720080"/>
+            <a:ext cx="306000" cy="364680"/>
+          </a:xfrm>
+          <a:prstGeom prst="rect">
+            <a:avLst/>
+          </a:prstGeom>
+          <a:noFill/>
+          <a:ln>
+            <a:noFill/>
+          </a:ln>
+        </p:spPr>
+        <p:txBody>
+          <a:bodyPr wrap="none" lIns="90000" tIns="45000" rIns="90000" bIns="45000"/>
+          <a:lstStyle/>
+          <a:p>
+            <a:pPr>
+              <a:lnSpc>
+                <a:spcPct val="100000"/>
+              </a:lnSpc>
+            </a:pPr>
+            <a:r>
+              <a:rPr lang="en-US">
+                <a:solidFill>
+                  <a:srgbClr val="FF0000"/>
+                </a:solidFill>
+                <a:latin typeface="Calibri"/>
+              </a:rPr>
+              <a:t>6</a:t>
+            </a:r>
+            <a:endParaRPr/>
+          </a:p>
+        </p:txBody>
+      </p:sp>
+      <p:sp>
+        <p:nvSpPr>
+          <p:cNvPr id="144" name="CustomShape 84"/>
+          <p:cNvSpPr/>
+          <p:nvPr/>
+        </p:nvSpPr>
+        <p:spPr>
+          <a:xfrm>
+            <a:off x="4217760" y="804960"/>
+            <a:ext cx="432720" cy="364680"/>
+          </a:xfrm>
+          <a:prstGeom prst="rect">
+            <a:avLst/>
+          </a:prstGeom>
+          <a:noFill/>
+          <a:ln>
+            <a:noFill/>
+          </a:ln>
+        </p:spPr>
+        <p:txBody>
+          <a:bodyPr wrap="none" lIns="90000" tIns="45000" rIns="90000" bIns="45000"/>
+          <a:lstStyle/>
+          <a:p>
+            <a:pPr>
+              <a:lnSpc>
+                <a:spcPct val="100000"/>
+              </a:lnSpc>
+            </a:pPr>
+            <a:r>
+              <a:rPr lang="en-US" b="1" dirty="0">
+                <a:solidFill>
+                  <a:schemeClr val="accent4"/>
+                </a:solidFill>
+                <a:latin typeface="Calibri"/>
+              </a:rPr>
+              <a:t>16</a:t>
+            </a:r>
+            <a:endParaRPr b="1" dirty="0">
+              <a:solidFill>
+                <a:schemeClr val="accent4"/>
+              </a:solidFill>
+            </a:endParaRPr>
+          </a:p>
+        </p:txBody>
+      </p:sp>
+      <p:sp>
+        <p:nvSpPr>
+          <p:cNvPr id="145" name="CustomShape 85"/>
+          <p:cNvSpPr/>
+          <p:nvPr/>
+        </p:nvSpPr>
+        <p:spPr>
+          <a:xfrm>
+            <a:off x="6512400" y="891360"/>
+            <a:ext cx="432720" cy="364680"/>
+          </a:xfrm>
+          <a:prstGeom prst="rect">
+            <a:avLst/>
+          </a:prstGeom>
+          <a:noFill/>
+          <a:ln>
+            <a:noFill/>
+          </a:ln>
+        </p:spPr>
+        <p:txBody>
+          <a:bodyPr wrap="none" lIns="90000" tIns="45000" rIns="90000" bIns="45000"/>
+          <a:lstStyle/>
+          <a:p>
+            <a:pPr>
+              <a:lnSpc>
+                <a:spcPct val="100000"/>
+              </a:lnSpc>
+            </a:pPr>
+            <a:r>
+              <a:rPr lang="en-US" dirty="0">
+                <a:solidFill>
+                  <a:srgbClr val="FF0000"/>
+                </a:solidFill>
+                <a:latin typeface="Calibri"/>
+              </a:rPr>
+              <a:t>12</a:t>
+            </a:r>
+            <a:endParaRPr dirty="0"/>
+          </a:p>
+        </p:txBody>
+      </p:sp>
+      <p:sp>
+        <p:nvSpPr>
+          <p:cNvPr id="146" name="CustomShape 86"/>
+          <p:cNvSpPr/>
+          <p:nvPr/>
+        </p:nvSpPr>
+        <p:spPr>
+          <a:xfrm>
+            <a:off x="5402880" y="153360"/>
+            <a:ext cx="432720" cy="364680"/>
+          </a:xfrm>
+          <a:prstGeom prst="rect">
+            <a:avLst/>
+          </a:prstGeom>
+          <a:noFill/>
+          <a:ln>
+            <a:noFill/>
+          </a:ln>
+        </p:spPr>
+        <p:txBody>
+          <a:bodyPr wrap="none" lIns="90000" tIns="45000" rIns="90000" bIns="45000"/>
+          <a:lstStyle/>
+          <a:p>
+            <a:pPr>
+              <a:lnSpc>
+                <a:spcPct val="100000"/>
+              </a:lnSpc>
+            </a:pPr>
+            <a:r>
+              <a:rPr lang="en-US" dirty="0">
+                <a:solidFill>
+                  <a:srgbClr val="FF0000"/>
+                </a:solidFill>
+                <a:latin typeface="Calibri"/>
+              </a:rPr>
+              <a:t>29</a:t>
+            </a:r>
+            <a:endParaRPr dirty="0"/>
+          </a:p>
+        </p:txBody>
+      </p:sp>
+    </p:spTree>
+    <p:extLst>
+      <p:ext uri="{BB962C8B-B14F-4D97-AF65-F5344CB8AC3E}">
+        <p14:creationId xmlns:p14="http://schemas.microsoft.com/office/powerpoint/2010/main" val="2271497888"/>
+      </p:ext>
+    </p:extLst>
+  </p:cSld>
+  <p:clrMapOvr>
+    <a:masterClrMapping/>
+  </p:clrMapOvr>
+</p:sld>
+</file>
+
+<file path=ppt/slides/slide4.xml><?xml version="1.0" encoding="utf-8"?>
+<p:sld xmlns:a="http://schemas.openxmlformats.org/drawingml/2006/main" xmlns:r="http://schemas.openxmlformats.org/officeDocument/2006/relationships" xmlns:p="http://schemas.openxmlformats.org/presentationml/2006/main">
+  <p:cSld>
+    <p:spTree>
+      <p:nvGrpSpPr>
+        <p:cNvPr id="1" name=""/>
+        <p:cNvGrpSpPr/>
+        <p:nvPr/>
+      </p:nvGrpSpPr>
+      <p:grpSpPr>
+        <a:xfrm>
+          <a:off x="0" y="0"/>
+          <a:ext cx="0" cy="0"/>
+          <a:chOff x="0" y="0"/>
+          <a:chExt cx="0" cy="0"/>
+        </a:xfrm>
+      </p:grpSpPr>
+      <p:sp>
+        <p:nvSpPr>
+          <p:cNvPr id="4" name="CustomShape 1"/>
+          <p:cNvSpPr/>
+          <p:nvPr/>
+        </p:nvSpPr>
+        <p:spPr>
+          <a:xfrm>
+            <a:off x="3584880" y="2047320"/>
+            <a:ext cx="501120" cy="425520"/>
+          </a:xfrm>
+          <a:prstGeom prst="ellipse">
+            <a:avLst/>
+          </a:prstGeom>
+          <a:solidFill>
+            <a:srgbClr val="7030A0"/>
+          </a:solidFill>
+          <a:ln w="12600">
+            <a:solidFill>
+              <a:srgbClr val="43729D"/>
+            </a:solidFill>
+            <a:miter/>
+          </a:ln>
+        </p:spPr>
+        <p:txBody>
+          <a:bodyPr lIns="90000" tIns="45000" rIns="90000" bIns="45000" anchor="ctr"/>
+          <a:lstStyle/>
+          <a:p>
+            <a:pPr algn="ctr">
+              <a:lnSpc>
+                <a:spcPct val="100000"/>
+              </a:lnSpc>
+            </a:pPr>
+            <a:r>
+              <a:rPr lang="en-US" sz="1100">
+                <a:solidFill>
+                  <a:srgbClr val="000000"/>
+                </a:solidFill>
+                <a:latin typeface="Calibri"/>
+              </a:rPr>
+              <a:t>16</a:t>
+            </a:r>
+            <a:endParaRPr/>
+          </a:p>
+        </p:txBody>
+      </p:sp>
+      <p:sp>
+        <p:nvSpPr>
+          <p:cNvPr id="5" name="CustomShape 2"/>
+          <p:cNvSpPr/>
+          <p:nvPr/>
+        </p:nvSpPr>
+        <p:spPr>
+          <a:xfrm>
+            <a:off x="4726800" y="2082240"/>
+            <a:ext cx="501120" cy="390600"/>
+          </a:xfrm>
+          <a:prstGeom prst="ellipse">
+            <a:avLst/>
+          </a:prstGeom>
+          <a:solidFill>
+            <a:srgbClr val="FFC000"/>
+          </a:solidFill>
+          <a:ln w="12600">
+            <a:solidFill>
+              <a:srgbClr val="43729D"/>
+            </a:solidFill>
+            <a:miter/>
+          </a:ln>
+        </p:spPr>
+        <p:txBody>
+          <a:bodyPr lIns="90000" tIns="45000" rIns="90000" bIns="45000" anchor="ctr"/>
+          <a:lstStyle/>
+          <a:p>
+            <a:pPr algn="ctr">
+              <a:lnSpc>
+                <a:spcPct val="100000"/>
+              </a:lnSpc>
+            </a:pPr>
+            <a:r>
+              <a:rPr lang="en-US" sz="1100">
+                <a:solidFill>
+                  <a:srgbClr val="000000"/>
+                </a:solidFill>
+                <a:latin typeface="Calibri"/>
+              </a:rPr>
+              <a:t>53</a:t>
+            </a:r>
+            <a:endParaRPr/>
+          </a:p>
+        </p:txBody>
+      </p:sp>
+      <p:sp>
+        <p:nvSpPr>
+          <p:cNvPr id="6" name="CustomShape 3"/>
+          <p:cNvSpPr/>
+          <p:nvPr/>
+        </p:nvSpPr>
+        <p:spPr>
+          <a:xfrm>
+            <a:off x="7020360" y="2064960"/>
+            <a:ext cx="501120" cy="390600"/>
+          </a:xfrm>
+          <a:prstGeom prst="ellipse">
+            <a:avLst/>
+          </a:prstGeom>
+          <a:solidFill>
+            <a:srgbClr val="DEEBF7"/>
+          </a:solidFill>
+          <a:ln w="12600">
+            <a:solidFill>
+              <a:srgbClr val="43729D"/>
+            </a:solidFill>
+            <a:miter/>
+          </a:ln>
+        </p:spPr>
+        <p:txBody>
+          <a:bodyPr lIns="90000" tIns="45000" rIns="90000" bIns="45000" anchor="ctr"/>
+          <a:lstStyle/>
+          <a:p>
+            <a:pPr algn="ctr">
+              <a:lnSpc>
+                <a:spcPct val="100000"/>
+              </a:lnSpc>
+            </a:pPr>
+            <a:r>
+              <a:rPr lang="en-US" sz="1100">
+                <a:solidFill>
+                  <a:srgbClr val="000000"/>
+                </a:solidFill>
+                <a:latin typeface="Calibri"/>
+              </a:rPr>
+              <a:t>84</a:t>
+            </a:r>
+            <a:endParaRPr/>
+          </a:p>
+        </p:txBody>
+      </p:sp>
+      <p:sp>
+        <p:nvSpPr>
+          <p:cNvPr id="7" name="CustomShape 4"/>
+          <p:cNvSpPr/>
+          <p:nvPr/>
+        </p:nvSpPr>
+        <p:spPr>
+          <a:xfrm>
+            <a:off x="3144240" y="2947680"/>
+            <a:ext cx="501120" cy="390600"/>
+          </a:xfrm>
+          <a:prstGeom prst="ellipse">
+            <a:avLst/>
+          </a:prstGeom>
+          <a:solidFill>
+            <a:srgbClr val="DEEBF7"/>
+          </a:solidFill>
+          <a:ln w="12600">
+            <a:solidFill>
+              <a:srgbClr val="43729D"/>
+            </a:solidFill>
+            <a:miter/>
+          </a:ln>
+        </p:spPr>
+        <p:txBody>
+          <a:bodyPr lIns="90000" tIns="45000" rIns="90000" bIns="45000" anchor="ctr"/>
+          <a:lstStyle/>
+          <a:p>
+            <a:pPr algn="ctr">
+              <a:lnSpc>
+                <a:spcPct val="100000"/>
+              </a:lnSpc>
+            </a:pPr>
+            <a:r>
+              <a:rPr lang="en-US" sz="1100">
+                <a:solidFill>
+                  <a:srgbClr val="000000"/>
+                </a:solidFill>
+                <a:latin typeface="Calibri"/>
+              </a:rPr>
+              <a:t>13</a:t>
+            </a:r>
+            <a:endParaRPr/>
+          </a:p>
+        </p:txBody>
+      </p:sp>
+      <p:sp>
+        <p:nvSpPr>
+          <p:cNvPr id="8" name="CustomShape 5"/>
+          <p:cNvSpPr/>
+          <p:nvPr/>
+        </p:nvSpPr>
+        <p:spPr>
+          <a:xfrm>
+            <a:off x="5889600" y="2086560"/>
+            <a:ext cx="501120" cy="390600"/>
+          </a:xfrm>
+          <a:prstGeom prst="ellipse">
+            <a:avLst/>
+          </a:prstGeom>
+          <a:solidFill>
+            <a:srgbClr val="DEEBF7"/>
+          </a:solidFill>
+          <a:ln w="12600">
+            <a:solidFill>
+              <a:srgbClr val="43729D"/>
+            </a:solidFill>
+            <a:miter/>
+          </a:ln>
+        </p:spPr>
+        <p:txBody>
+          <a:bodyPr lIns="90000" tIns="45000" rIns="90000" bIns="45000" anchor="ctr"/>
+          <a:lstStyle/>
+          <a:p>
+            <a:pPr algn="ctr">
+              <a:lnSpc>
+                <a:spcPct val="100000"/>
+              </a:lnSpc>
+            </a:pPr>
+            <a:r>
+              <a:rPr lang="en-US" sz="1100">
+                <a:solidFill>
+                  <a:srgbClr val="000000"/>
+                </a:solidFill>
+                <a:latin typeface="Calibri"/>
+              </a:rPr>
+              <a:t>72</a:t>
+            </a:r>
+            <a:endParaRPr/>
+          </a:p>
+        </p:txBody>
+      </p:sp>
+      <p:sp>
+        <p:nvSpPr>
+          <p:cNvPr id="9" name="CustomShape 6"/>
+          <p:cNvSpPr/>
+          <p:nvPr/>
+        </p:nvSpPr>
+        <p:spPr>
+          <a:xfrm>
+            <a:off x="3792240" y="2947680"/>
+            <a:ext cx="501120" cy="390600"/>
+          </a:xfrm>
+          <a:prstGeom prst="ellipse">
+            <a:avLst/>
+          </a:prstGeom>
+          <a:solidFill>
+            <a:srgbClr val="DEEBF7"/>
+          </a:solidFill>
+          <a:ln w="12600">
+            <a:solidFill>
+              <a:srgbClr val="43729D"/>
+            </a:solidFill>
+            <a:miter/>
+          </a:ln>
+        </p:spPr>
+        <p:txBody>
+          <a:bodyPr lIns="90000" tIns="45000" rIns="90000" bIns="45000" anchor="ctr"/>
+          <a:lstStyle/>
+          <a:p>
+            <a:pPr algn="ctr">
+              <a:lnSpc>
+                <a:spcPct val="100000"/>
+              </a:lnSpc>
+            </a:pPr>
+            <a:r>
+              <a:rPr lang="en-US" sz="1100">
+                <a:solidFill>
+                  <a:srgbClr val="000000"/>
+                </a:solidFill>
+                <a:latin typeface="Calibri"/>
+              </a:rPr>
+              <a:t>35</a:t>
+            </a:r>
+            <a:endParaRPr/>
+          </a:p>
+        </p:txBody>
+      </p:sp>
+      <p:sp>
+        <p:nvSpPr>
+          <p:cNvPr id="10" name="CustomShape 7"/>
+          <p:cNvSpPr/>
+          <p:nvPr/>
+        </p:nvSpPr>
+        <p:spPr>
+          <a:xfrm>
+            <a:off x="5373360" y="457200"/>
+            <a:ext cx="501120" cy="390600"/>
+          </a:xfrm>
+          <a:prstGeom prst="ellipse">
+            <a:avLst/>
+          </a:prstGeom>
+          <a:solidFill>
+            <a:srgbClr val="FFC000"/>
+          </a:solidFill>
+          <a:ln w="12600">
+            <a:solidFill>
+              <a:srgbClr val="43729D"/>
+            </a:solidFill>
+            <a:miter/>
+          </a:ln>
+        </p:spPr>
+        <p:txBody>
+          <a:bodyPr lIns="90000" tIns="45000" rIns="90000" bIns="45000" anchor="ctr"/>
+          <a:lstStyle/>
+          <a:p>
+            <a:pPr algn="ctr">
+              <a:lnSpc>
+                <a:spcPct val="100000"/>
+              </a:lnSpc>
+            </a:pPr>
+            <a:r>
+              <a:rPr lang="en-US" sz="1100">
+                <a:solidFill>
+                  <a:srgbClr val="000000"/>
+                </a:solidFill>
+                <a:latin typeface="Calibri"/>
+              </a:rPr>
+              <a:t>66</a:t>
+            </a:r>
+            <a:endParaRPr/>
+          </a:p>
+        </p:txBody>
+      </p:sp>
+      <p:sp>
+        <p:nvSpPr>
+          <p:cNvPr id="11" name="CustomShape 8"/>
+          <p:cNvSpPr/>
+          <p:nvPr/>
+        </p:nvSpPr>
+        <p:spPr>
+          <a:xfrm>
+            <a:off x="4136760" y="1117800"/>
+            <a:ext cx="501120" cy="390600"/>
+          </a:xfrm>
+          <a:prstGeom prst="ellipse">
+            <a:avLst/>
+          </a:prstGeom>
+          <a:solidFill>
+            <a:srgbClr val="FFC000"/>
+          </a:solidFill>
+          <a:ln w="12600">
+            <a:solidFill>
+              <a:srgbClr val="43729D"/>
+            </a:solidFill>
+            <a:miter/>
+          </a:ln>
+        </p:spPr>
+        <p:txBody>
+          <a:bodyPr lIns="90000" tIns="45000" rIns="90000" bIns="45000" anchor="ctr"/>
+          <a:lstStyle/>
+          <a:p>
+            <a:pPr algn="ctr">
+              <a:lnSpc>
+                <a:spcPct val="100000"/>
+              </a:lnSpc>
+            </a:pPr>
+            <a:r>
+              <a:rPr lang="en-US" sz="1100">
+                <a:solidFill>
+                  <a:srgbClr val="000000"/>
+                </a:solidFill>
+                <a:latin typeface="Calibri"/>
+              </a:rPr>
+              <a:t>49</a:t>
+            </a:r>
+            <a:endParaRPr/>
+          </a:p>
+        </p:txBody>
+      </p:sp>
+      <p:sp>
+        <p:nvSpPr>
+          <p:cNvPr id="12" name="CustomShape 9"/>
+          <p:cNvSpPr/>
+          <p:nvPr/>
+        </p:nvSpPr>
+        <p:spPr>
+          <a:xfrm>
+            <a:off x="6459840" y="1211040"/>
+            <a:ext cx="501120" cy="390600"/>
+          </a:xfrm>
+          <a:prstGeom prst="ellipse">
+            <a:avLst/>
+          </a:prstGeom>
+          <a:solidFill>
+            <a:srgbClr val="DEEBF7"/>
+          </a:solidFill>
+          <a:ln w="12600">
+            <a:solidFill>
+              <a:srgbClr val="43729D"/>
+            </a:solidFill>
+            <a:miter/>
+          </a:ln>
+        </p:spPr>
+        <p:txBody>
+          <a:bodyPr lIns="90000" tIns="45000" rIns="90000" bIns="45000" anchor="ctr"/>
+          <a:lstStyle/>
+          <a:p>
+            <a:pPr algn="ctr">
+              <a:lnSpc>
+                <a:spcPct val="100000"/>
+              </a:lnSpc>
+            </a:pPr>
+            <a:r>
+              <a:rPr lang="en-US" sz="1100">
+                <a:solidFill>
+                  <a:srgbClr val="000000"/>
+                </a:solidFill>
+                <a:latin typeface="Calibri"/>
+              </a:rPr>
+              <a:t>79</a:t>
+            </a:r>
+            <a:endParaRPr/>
+          </a:p>
+        </p:txBody>
+      </p:sp>
+      <p:sp>
+        <p:nvSpPr>
+          <p:cNvPr id="13" name="Line 10"/>
+          <p:cNvSpPr/>
+          <p:nvPr/>
+        </p:nvSpPr>
+        <p:spPr>
+          <a:xfrm flipV="1">
+            <a:off x="4564800" y="790920"/>
+            <a:ext cx="881640" cy="383760"/>
+          </a:xfrm>
+          <a:prstGeom prst="line">
+            <a:avLst/>
+          </a:prstGeom>
+          <a:ln w="25560">
+            <a:solidFill>
+              <a:srgbClr val="FFC000"/>
+            </a:solidFill>
+            <a:miter/>
+          </a:ln>
+        </p:spPr>
+      </p:sp>
+      <p:sp>
+        <p:nvSpPr>
+          <p:cNvPr id="14" name="Line 11"/>
+          <p:cNvSpPr/>
+          <p:nvPr/>
+        </p:nvSpPr>
+        <p:spPr>
+          <a:xfrm>
+            <a:off x="5801040" y="790920"/>
+            <a:ext cx="731880" cy="477360"/>
+          </a:xfrm>
+          <a:prstGeom prst="line">
+            <a:avLst/>
+          </a:prstGeom>
+          <a:ln w="25560">
+            <a:solidFill>
+              <a:srgbClr val="000000"/>
+            </a:solidFill>
+            <a:miter/>
+          </a:ln>
+        </p:spPr>
+      </p:sp>
+      <p:sp>
+        <p:nvSpPr>
+          <p:cNvPr id="15" name="Line 12"/>
+          <p:cNvSpPr/>
+          <p:nvPr/>
+        </p:nvSpPr>
+        <p:spPr>
+          <a:xfrm flipH="1">
+            <a:off x="6167160" y="1544760"/>
+            <a:ext cx="365760" cy="537480"/>
+          </a:xfrm>
+          <a:prstGeom prst="line">
+            <a:avLst/>
+          </a:prstGeom>
+          <a:ln w="25560">
+            <a:solidFill>
+              <a:srgbClr val="000000"/>
+            </a:solidFill>
+            <a:miter/>
+          </a:ln>
+        </p:spPr>
+      </p:sp>
+      <p:sp>
+        <p:nvSpPr>
+          <p:cNvPr id="16" name="Line 13"/>
+          <p:cNvSpPr/>
+          <p:nvPr/>
+        </p:nvSpPr>
+        <p:spPr>
+          <a:xfrm>
+            <a:off x="6887520" y="1544760"/>
+            <a:ext cx="383400" cy="519840"/>
+          </a:xfrm>
+          <a:prstGeom prst="line">
+            <a:avLst/>
+          </a:prstGeom>
+          <a:ln w="25560">
+            <a:solidFill>
+              <a:srgbClr val="000000"/>
+            </a:solidFill>
+            <a:miter/>
+          </a:ln>
+        </p:spPr>
+      </p:sp>
+      <p:sp>
+        <p:nvSpPr>
+          <p:cNvPr id="17" name="Line 14"/>
+          <p:cNvSpPr/>
+          <p:nvPr/>
+        </p:nvSpPr>
+        <p:spPr>
+          <a:xfrm flipH="1">
+            <a:off x="3835440" y="1451160"/>
+            <a:ext cx="374760" cy="596160"/>
+          </a:xfrm>
+          <a:prstGeom prst="line">
+            <a:avLst/>
+          </a:prstGeom>
+          <a:ln w="25560">
+            <a:solidFill>
+              <a:srgbClr val="7030A0"/>
+            </a:solidFill>
+            <a:miter/>
+          </a:ln>
+        </p:spPr>
+      </p:sp>
+      <p:sp>
+        <p:nvSpPr>
+          <p:cNvPr id="18" name="Line 15"/>
+          <p:cNvSpPr/>
+          <p:nvPr/>
+        </p:nvSpPr>
+        <p:spPr>
+          <a:xfrm>
+            <a:off x="4564800" y="1451160"/>
+            <a:ext cx="412560" cy="631080"/>
+          </a:xfrm>
+          <a:prstGeom prst="line">
+            <a:avLst/>
+          </a:prstGeom>
+          <a:ln w="25560">
+            <a:solidFill>
+              <a:srgbClr val="FFC000"/>
+            </a:solidFill>
+            <a:miter/>
+          </a:ln>
+        </p:spPr>
+      </p:sp>
+      <p:sp>
+        <p:nvSpPr>
+          <p:cNvPr id="19" name="Line 16"/>
+          <p:cNvSpPr/>
+          <p:nvPr/>
+        </p:nvSpPr>
+        <p:spPr>
+          <a:xfrm>
+            <a:off x="3906720" y="2477520"/>
+            <a:ext cx="136080" cy="486720"/>
+          </a:xfrm>
+          <a:prstGeom prst="line">
+            <a:avLst/>
+          </a:prstGeom>
+          <a:ln w="25560">
+            <a:solidFill>
+              <a:srgbClr val="000000"/>
+            </a:solidFill>
+            <a:miter/>
+          </a:ln>
+        </p:spPr>
+      </p:sp>
+      <p:sp>
+        <p:nvSpPr>
+          <p:cNvPr id="20" name="Line 17"/>
+          <p:cNvSpPr/>
+          <p:nvPr/>
+        </p:nvSpPr>
+        <p:spPr>
+          <a:xfrm flipH="1">
+            <a:off x="3461040" y="2464560"/>
+            <a:ext cx="271800" cy="482760"/>
+          </a:xfrm>
+          <a:prstGeom prst="line">
+            <a:avLst/>
+          </a:prstGeom>
+          <a:ln w="25560">
+            <a:solidFill>
+              <a:srgbClr val="000000"/>
+            </a:solidFill>
+            <a:miter/>
+          </a:ln>
+        </p:spPr>
+      </p:sp>
+      <p:sp>
+        <p:nvSpPr>
+          <p:cNvPr id="21" name="CustomShape 18"/>
+          <p:cNvSpPr/>
+          <p:nvPr/>
+        </p:nvSpPr>
+        <p:spPr>
+          <a:xfrm>
+            <a:off x="4412880" y="2947680"/>
+            <a:ext cx="501120" cy="390600"/>
+          </a:xfrm>
+          <a:prstGeom prst="ellipse">
+            <a:avLst/>
+          </a:prstGeom>
+          <a:solidFill>
+            <a:srgbClr val="7030A0"/>
+          </a:solidFill>
+          <a:ln w="12600">
+            <a:solidFill>
+              <a:srgbClr val="43729D"/>
+            </a:solidFill>
+            <a:miter/>
+          </a:ln>
+        </p:spPr>
+        <p:txBody>
+          <a:bodyPr lIns="90000" tIns="45000" rIns="90000" bIns="45000" anchor="ctr"/>
+          <a:lstStyle/>
+          <a:p>
+            <a:pPr algn="ctr">
+              <a:lnSpc>
+                <a:spcPct val="100000"/>
+              </a:lnSpc>
+            </a:pPr>
+            <a:r>
+              <a:rPr lang="en-US" sz="1100">
+                <a:solidFill>
+                  <a:srgbClr val="000000"/>
+                </a:solidFill>
+                <a:latin typeface="Calibri"/>
+              </a:rPr>
+              <a:t>51</a:t>
+            </a:r>
+            <a:endParaRPr/>
+          </a:p>
+        </p:txBody>
+      </p:sp>
+      <p:sp>
+        <p:nvSpPr>
+          <p:cNvPr id="22" name="CustomShape 19"/>
+          <p:cNvSpPr/>
+          <p:nvPr/>
+        </p:nvSpPr>
+        <p:spPr>
+          <a:xfrm>
+            <a:off x="5074200" y="2931840"/>
+            <a:ext cx="501120" cy="390600"/>
+          </a:xfrm>
+          <a:prstGeom prst="ellipse">
+            <a:avLst/>
+          </a:prstGeom>
+          <a:solidFill>
+            <a:srgbClr val="FFC000"/>
+          </a:solidFill>
+          <a:ln w="12600">
+            <a:solidFill>
+              <a:srgbClr val="43729D"/>
+            </a:solidFill>
+            <a:miter/>
+          </a:ln>
+        </p:spPr>
+        <p:txBody>
+          <a:bodyPr lIns="90000" tIns="45000" rIns="90000" bIns="45000" anchor="ctr"/>
+          <a:lstStyle/>
+          <a:p>
+            <a:pPr algn="ctr">
+              <a:lnSpc>
+                <a:spcPct val="100000"/>
+              </a:lnSpc>
+            </a:pPr>
+            <a:r>
+              <a:rPr lang="en-US" sz="1100" dirty="0">
+                <a:solidFill>
+                  <a:srgbClr val="000000"/>
+                </a:solidFill>
+                <a:latin typeface="Calibri"/>
+              </a:rPr>
+              <a:t>63</a:t>
+            </a:r>
+            <a:endParaRPr dirty="0"/>
+          </a:p>
+        </p:txBody>
+      </p:sp>
+      <p:sp>
+        <p:nvSpPr>
+          <p:cNvPr id="23" name="Line 20"/>
+          <p:cNvSpPr/>
+          <p:nvPr/>
+        </p:nvSpPr>
+        <p:spPr>
+          <a:xfrm flipH="1">
+            <a:off x="4663440" y="2455920"/>
+            <a:ext cx="250560" cy="491400"/>
+          </a:xfrm>
+          <a:prstGeom prst="line">
+            <a:avLst/>
+          </a:prstGeom>
+          <a:ln w="25560">
+            <a:solidFill>
+              <a:srgbClr val="7030A0"/>
+            </a:solidFill>
+            <a:miter/>
+          </a:ln>
+        </p:spPr>
+      </p:sp>
+      <p:sp>
+        <p:nvSpPr>
+          <p:cNvPr id="24" name="Line 21"/>
+          <p:cNvSpPr/>
+          <p:nvPr/>
+        </p:nvSpPr>
+        <p:spPr>
+          <a:xfrm>
+            <a:off x="5108760" y="2440080"/>
+            <a:ext cx="216000" cy="491400"/>
+          </a:xfrm>
+          <a:prstGeom prst="line">
+            <a:avLst/>
+          </a:prstGeom>
+          <a:ln w="25560">
+            <a:solidFill>
+              <a:srgbClr val="FFC000"/>
+            </a:solidFill>
+            <a:miter/>
+          </a:ln>
+        </p:spPr>
+      </p:sp>
+      <p:sp>
+        <p:nvSpPr>
+          <p:cNvPr id="25" name="CustomShape 22"/>
+          <p:cNvSpPr/>
+          <p:nvPr/>
+        </p:nvSpPr>
+        <p:spPr>
+          <a:xfrm>
+            <a:off x="3413160" y="3874680"/>
+            <a:ext cx="501120" cy="390600"/>
+          </a:xfrm>
+          <a:prstGeom prst="ellipse">
+            <a:avLst/>
+          </a:prstGeom>
+          <a:solidFill>
+            <a:srgbClr val="DEEBF7"/>
+          </a:solidFill>
+          <a:ln w="12600">
+            <a:solidFill>
+              <a:srgbClr val="43729D"/>
+            </a:solidFill>
+            <a:miter/>
+          </a:ln>
+        </p:spPr>
+        <p:txBody>
+          <a:bodyPr lIns="90000" tIns="45000" rIns="90000" bIns="45000" anchor="ctr"/>
+          <a:lstStyle/>
+          <a:p>
+            <a:pPr algn="ctr">
+              <a:lnSpc>
+                <a:spcPct val="100000"/>
+              </a:lnSpc>
+            </a:pPr>
+            <a:r>
+              <a:rPr lang="en-US" sz="1100">
+                <a:solidFill>
+                  <a:srgbClr val="000000"/>
+                </a:solidFill>
+                <a:latin typeface="Calibri"/>
+              </a:rPr>
+              <a:t>25</a:t>
+            </a:r>
+            <a:endParaRPr/>
+          </a:p>
+        </p:txBody>
+      </p:sp>
+      <p:sp>
+        <p:nvSpPr>
+          <p:cNvPr id="26" name="CustomShape 23"/>
+          <p:cNvSpPr/>
+          <p:nvPr/>
+        </p:nvSpPr>
+        <p:spPr>
+          <a:xfrm>
+            <a:off x="5473800" y="3867120"/>
+            <a:ext cx="501120" cy="390600"/>
+          </a:xfrm>
+          <a:prstGeom prst="ellipse">
+            <a:avLst/>
+          </a:prstGeom>
+          <a:solidFill>
+            <a:srgbClr val="DEEBF7"/>
+          </a:solidFill>
+          <a:ln w="12600">
+            <a:solidFill>
+              <a:srgbClr val="43729D"/>
+            </a:solidFill>
+            <a:miter/>
+          </a:ln>
+        </p:spPr>
+        <p:txBody>
+          <a:bodyPr lIns="90000" tIns="45000" rIns="90000" bIns="45000" anchor="ctr"/>
+          <a:lstStyle/>
+          <a:p>
+            <a:pPr algn="ctr">
+              <a:lnSpc>
+                <a:spcPct val="100000"/>
+              </a:lnSpc>
+            </a:pPr>
+            <a:r>
+              <a:rPr lang="en-US" sz="1100">
+                <a:solidFill>
+                  <a:srgbClr val="000000"/>
+                </a:solidFill>
+                <a:latin typeface="Calibri"/>
+              </a:rPr>
+              <a:t>64</a:t>
+            </a:r>
+            <a:endParaRPr/>
+          </a:p>
+        </p:txBody>
+      </p:sp>
+      <p:sp>
+        <p:nvSpPr>
+          <p:cNvPr id="27" name="CustomShape 24"/>
+          <p:cNvSpPr/>
+          <p:nvPr/>
+        </p:nvSpPr>
+        <p:spPr>
+          <a:xfrm>
+            <a:off x="7007400" y="3799440"/>
+            <a:ext cx="501120" cy="390600"/>
+          </a:xfrm>
+          <a:prstGeom prst="ellipse">
+            <a:avLst/>
+          </a:prstGeom>
+          <a:solidFill>
+            <a:srgbClr val="DEEBF7"/>
+          </a:solidFill>
+          <a:ln w="12600">
+            <a:solidFill>
+              <a:srgbClr val="43729D"/>
+            </a:solidFill>
+            <a:miter/>
+          </a:ln>
+        </p:spPr>
+        <p:txBody>
+          <a:bodyPr lIns="90000" tIns="45000" rIns="90000" bIns="45000" anchor="ctr"/>
+          <a:lstStyle/>
+          <a:p>
+            <a:pPr algn="ctr">
+              <a:lnSpc>
+                <a:spcPct val="100000"/>
+              </a:lnSpc>
+            </a:pPr>
+            <a:r>
+              <a:rPr lang="en-US" sz="1100">
+                <a:solidFill>
+                  <a:srgbClr val="000000"/>
+                </a:solidFill>
+                <a:latin typeface="Calibri"/>
+              </a:rPr>
+              <a:t>85</a:t>
+            </a:r>
+            <a:endParaRPr/>
+          </a:p>
+        </p:txBody>
+      </p:sp>
+      <p:sp>
+        <p:nvSpPr>
+          <p:cNvPr id="28" name="CustomShape 25"/>
+          <p:cNvSpPr/>
+          <p:nvPr/>
+        </p:nvSpPr>
+        <p:spPr>
+          <a:xfrm>
+            <a:off x="7615080" y="2940480"/>
+            <a:ext cx="501120" cy="390600"/>
+          </a:xfrm>
+          <a:prstGeom prst="ellipse">
+            <a:avLst/>
+          </a:prstGeom>
+          <a:solidFill>
+            <a:srgbClr val="DEEBF7"/>
+          </a:solidFill>
+          <a:ln w="12600">
+            <a:solidFill>
+              <a:srgbClr val="43729D"/>
+            </a:solidFill>
+            <a:miter/>
+          </a:ln>
+        </p:spPr>
+        <p:txBody>
+          <a:bodyPr lIns="90000" tIns="45000" rIns="90000" bIns="45000" anchor="ctr"/>
+          <a:lstStyle/>
+          <a:p>
+            <a:pPr algn="ctr">
+              <a:lnSpc>
+                <a:spcPct val="100000"/>
+              </a:lnSpc>
+            </a:pPr>
+            <a:r>
+              <a:rPr lang="en-US" sz="1100">
+                <a:solidFill>
+                  <a:srgbClr val="000000"/>
+                </a:solidFill>
+                <a:latin typeface="Calibri"/>
+              </a:rPr>
+              <a:t>89</a:t>
+            </a:r>
+            <a:endParaRPr/>
+          </a:p>
+        </p:txBody>
+      </p:sp>
+      <p:sp>
+        <p:nvSpPr>
+          <p:cNvPr id="29" name="CustomShape 26"/>
+          <p:cNvSpPr/>
+          <p:nvPr/>
+        </p:nvSpPr>
+        <p:spPr>
+          <a:xfrm>
+            <a:off x="4789080" y="3867120"/>
+            <a:ext cx="501120" cy="390600"/>
+          </a:xfrm>
+          <a:prstGeom prst="ellipse">
+            <a:avLst/>
+          </a:prstGeom>
+          <a:solidFill>
+            <a:srgbClr val="92D050"/>
+          </a:solidFill>
+          <a:ln w="12600">
+            <a:solidFill>
+              <a:srgbClr val="43729D"/>
+            </a:solidFill>
+            <a:miter/>
+          </a:ln>
+        </p:spPr>
+        <p:txBody>
+          <a:bodyPr lIns="90000" tIns="45000" rIns="90000" bIns="45000" anchor="ctr"/>
+          <a:lstStyle/>
+          <a:p>
+            <a:pPr algn="ctr">
+              <a:lnSpc>
+                <a:spcPct val="100000"/>
+              </a:lnSpc>
+            </a:pPr>
+            <a:r>
+              <a:rPr lang="en-US" sz="1100">
+                <a:solidFill>
+                  <a:srgbClr val="000000"/>
+                </a:solidFill>
+                <a:latin typeface="Calibri"/>
+              </a:rPr>
+              <a:t>58</a:t>
+            </a:r>
+            <a:endParaRPr/>
+          </a:p>
+        </p:txBody>
+      </p:sp>
+      <p:sp>
+        <p:nvSpPr>
+          <p:cNvPr id="30" name="Line 27"/>
+          <p:cNvSpPr/>
+          <p:nvPr/>
+        </p:nvSpPr>
+        <p:spPr>
+          <a:xfrm flipH="1">
+            <a:off x="7338600" y="3281400"/>
+            <a:ext cx="365760" cy="537480"/>
+          </a:xfrm>
+          <a:prstGeom prst="line">
+            <a:avLst/>
+          </a:prstGeom>
+          <a:ln w="25560">
+            <a:solidFill>
+              <a:srgbClr val="000000"/>
+            </a:solidFill>
+            <a:miter/>
+          </a:ln>
+        </p:spPr>
+      </p:sp>
+      <p:sp>
+        <p:nvSpPr>
+          <p:cNvPr id="31" name="Line 28"/>
+          <p:cNvSpPr/>
+          <p:nvPr/>
+        </p:nvSpPr>
+        <p:spPr>
+          <a:xfrm>
+            <a:off x="5441400" y="3301200"/>
+            <a:ext cx="268200" cy="573120"/>
+          </a:xfrm>
+          <a:prstGeom prst="line">
+            <a:avLst/>
+          </a:prstGeom>
+          <a:ln w="25560">
+            <a:solidFill>
+              <a:srgbClr val="000000"/>
+            </a:solidFill>
+            <a:miter/>
+          </a:ln>
+        </p:spPr>
+      </p:sp>
+      <p:sp>
+        <p:nvSpPr>
+          <p:cNvPr id="32" name="Line 29"/>
+          <p:cNvSpPr/>
+          <p:nvPr/>
+        </p:nvSpPr>
+        <p:spPr>
+          <a:xfrm>
+            <a:off x="7455600" y="2410200"/>
+            <a:ext cx="318240" cy="537120"/>
+          </a:xfrm>
+          <a:prstGeom prst="line">
+            <a:avLst/>
+          </a:prstGeom>
+          <a:ln w="25560">
+            <a:solidFill>
+              <a:srgbClr val="000000"/>
+            </a:solidFill>
+            <a:miter/>
+          </a:ln>
+        </p:spPr>
+      </p:sp>
+      <p:sp>
+        <p:nvSpPr>
+          <p:cNvPr id="33" name="Line 30"/>
+          <p:cNvSpPr/>
+          <p:nvPr/>
+        </p:nvSpPr>
+        <p:spPr>
+          <a:xfrm flipH="1">
+            <a:off x="5066280" y="3322800"/>
+            <a:ext cx="258480" cy="537480"/>
+          </a:xfrm>
+          <a:prstGeom prst="line">
+            <a:avLst/>
+          </a:prstGeom>
+          <a:ln w="25560">
+            <a:solidFill>
+              <a:srgbClr val="FFC000"/>
+            </a:solidFill>
+            <a:miter/>
+          </a:ln>
+        </p:spPr>
+      </p:sp>
+      <p:sp>
+        <p:nvSpPr>
+          <p:cNvPr id="34" name="Line 31"/>
+          <p:cNvSpPr/>
+          <p:nvPr/>
+        </p:nvSpPr>
+        <p:spPr>
+          <a:xfrm flipH="1">
+            <a:off x="3663720" y="3322800"/>
+            <a:ext cx="263520" cy="551520"/>
+          </a:xfrm>
+          <a:prstGeom prst="line">
+            <a:avLst/>
+          </a:prstGeom>
+          <a:ln w="25560">
+            <a:solidFill>
+              <a:srgbClr val="000000"/>
+            </a:solidFill>
+            <a:miter/>
+          </a:ln>
+        </p:spPr>
+      </p:sp>
+      <p:sp>
+        <p:nvSpPr>
+          <p:cNvPr id="35" name="CustomShape 32"/>
+          <p:cNvSpPr/>
+          <p:nvPr/>
+        </p:nvSpPr>
+        <p:spPr>
+          <a:xfrm>
+            <a:off x="6735600" y="2940480"/>
+            <a:ext cx="501120" cy="390600"/>
+          </a:xfrm>
+          <a:prstGeom prst="ellipse">
+            <a:avLst/>
+          </a:prstGeom>
+          <a:solidFill>
+            <a:srgbClr val="DEEBF7"/>
+          </a:solidFill>
+          <a:ln w="12600">
+            <a:solidFill>
+              <a:srgbClr val="43729D"/>
+            </a:solidFill>
+            <a:miter/>
+          </a:ln>
+        </p:spPr>
+        <p:txBody>
+          <a:bodyPr lIns="90000" tIns="45000" rIns="90000" bIns="45000" anchor="ctr"/>
+          <a:lstStyle/>
+          <a:p>
+            <a:pPr algn="ctr">
+              <a:lnSpc>
+                <a:spcPct val="100000"/>
+              </a:lnSpc>
+            </a:pPr>
+            <a:r>
+              <a:rPr lang="en-US" sz="1100">
+                <a:solidFill>
+                  <a:srgbClr val="000000"/>
+                </a:solidFill>
+                <a:latin typeface="Calibri"/>
+              </a:rPr>
+              <a:t>82</a:t>
+            </a:r>
+            <a:endParaRPr/>
+          </a:p>
+        </p:txBody>
+      </p:sp>
+      <p:sp>
+        <p:nvSpPr>
+          <p:cNvPr id="36" name="Line 33"/>
+          <p:cNvSpPr/>
+          <p:nvPr/>
+        </p:nvSpPr>
+        <p:spPr>
+          <a:xfrm flipH="1">
+            <a:off x="6986160" y="2448720"/>
+            <a:ext cx="204120" cy="491760"/>
+          </a:xfrm>
+          <a:prstGeom prst="line">
+            <a:avLst/>
+          </a:prstGeom>
+          <a:ln w="25560">
+            <a:solidFill>
+              <a:srgbClr val="000000"/>
+            </a:solidFill>
+            <a:miter/>
+          </a:ln>
+        </p:spPr>
+      </p:sp>
+      <p:sp>
+        <p:nvSpPr>
+          <p:cNvPr id="37" name="Line 34"/>
+          <p:cNvSpPr/>
+          <p:nvPr/>
+        </p:nvSpPr>
+        <p:spPr>
+          <a:xfrm flipH="1">
+            <a:off x="4585320" y="4220280"/>
+            <a:ext cx="328680" cy="587880"/>
+          </a:xfrm>
+          <a:prstGeom prst="line">
+            <a:avLst/>
+          </a:prstGeom>
+          <a:ln w="25560">
+            <a:solidFill>
+              <a:srgbClr val="92D050"/>
+            </a:solidFill>
+            <a:miter/>
+          </a:ln>
+        </p:spPr>
+      </p:sp>
+      <p:sp>
+        <p:nvSpPr>
+          <p:cNvPr id="38" name="CustomShape 35"/>
+          <p:cNvSpPr/>
+          <p:nvPr/>
+        </p:nvSpPr>
+        <p:spPr>
+          <a:xfrm>
+            <a:off x="4370400" y="4686120"/>
+            <a:ext cx="501120" cy="390600"/>
+          </a:xfrm>
+          <a:prstGeom prst="ellipse">
+            <a:avLst/>
+          </a:prstGeom>
+          <a:solidFill>
+            <a:srgbClr val="7030A0"/>
+          </a:solidFill>
+          <a:ln w="12600">
+            <a:solidFill>
+              <a:srgbClr val="43729D"/>
+            </a:solidFill>
+            <a:miter/>
+          </a:ln>
+        </p:spPr>
+        <p:txBody>
+          <a:bodyPr lIns="90000" tIns="45000" rIns="90000" bIns="45000" anchor="ctr"/>
+          <a:lstStyle/>
+          <a:p>
+            <a:pPr algn="ctr">
+              <a:lnSpc>
+                <a:spcPct val="100000"/>
+              </a:lnSpc>
+            </a:pPr>
+            <a:r>
+              <a:rPr lang="en-US" sz="1100">
+                <a:solidFill>
+                  <a:srgbClr val="000000"/>
+                </a:solidFill>
+                <a:latin typeface="Calibri"/>
+              </a:rPr>
+              <a:t>55</a:t>
+            </a:r>
+            <a:endParaRPr/>
+          </a:p>
+        </p:txBody>
+      </p:sp>
+      <p:sp>
+        <p:nvSpPr>
+          <p:cNvPr id="39" name="Line 36"/>
+          <p:cNvSpPr/>
+          <p:nvPr/>
+        </p:nvSpPr>
+        <p:spPr>
+          <a:xfrm>
+            <a:off x="5134680" y="4265280"/>
+            <a:ext cx="216360" cy="491760"/>
+          </a:xfrm>
+          <a:prstGeom prst="line">
+            <a:avLst/>
+          </a:prstGeom>
+          <a:ln w="25560">
+            <a:solidFill>
+              <a:srgbClr val="000000"/>
+            </a:solidFill>
+            <a:miter/>
+          </a:ln>
+        </p:spPr>
+      </p:sp>
+      <p:sp>
+        <p:nvSpPr>
+          <p:cNvPr id="40" name="CustomShape 37"/>
+          <p:cNvSpPr/>
+          <p:nvPr/>
+        </p:nvSpPr>
+        <p:spPr>
+          <a:xfrm>
+            <a:off x="5097240" y="4702680"/>
+            <a:ext cx="501120" cy="390600"/>
+          </a:xfrm>
+          <a:prstGeom prst="ellipse">
+            <a:avLst/>
+          </a:prstGeom>
+          <a:solidFill>
+            <a:srgbClr val="DEEBF7"/>
+          </a:solidFill>
+          <a:ln w="12600">
+            <a:solidFill>
+              <a:srgbClr val="43729D"/>
+            </a:solidFill>
+            <a:miter/>
+          </a:ln>
+        </p:spPr>
+        <p:txBody>
+          <a:bodyPr lIns="90000" tIns="45000" rIns="90000" bIns="45000" anchor="ctr"/>
+          <a:lstStyle/>
+          <a:p>
+            <a:pPr algn="ctr">
+              <a:lnSpc>
+                <a:spcPct val="100000"/>
+              </a:lnSpc>
+            </a:pPr>
+            <a:r>
+              <a:rPr lang="en-US" sz="1100">
+                <a:solidFill>
+                  <a:srgbClr val="000000"/>
+                </a:solidFill>
+                <a:latin typeface="Calibri"/>
+              </a:rPr>
+              <a:t>60</a:t>
+            </a:r>
+            <a:endParaRPr/>
+          </a:p>
+        </p:txBody>
+      </p:sp>
+      <p:sp>
+        <p:nvSpPr>
+          <p:cNvPr id="41" name="CustomShape 38"/>
+          <p:cNvSpPr/>
+          <p:nvPr/>
+        </p:nvSpPr>
+        <p:spPr>
+          <a:xfrm>
+            <a:off x="8334720" y="4666680"/>
+            <a:ext cx="609120" cy="410400"/>
+          </a:xfrm>
+          <a:prstGeom prst="ellipse">
+            <a:avLst/>
+          </a:prstGeom>
+          <a:solidFill>
+            <a:srgbClr val="DEEBF7"/>
+          </a:solidFill>
+          <a:ln w="12600">
+            <a:solidFill>
+              <a:srgbClr val="43729D"/>
+            </a:solidFill>
+            <a:miter/>
+          </a:ln>
+        </p:spPr>
+        <p:txBody>
+          <a:bodyPr lIns="90000" tIns="45000" rIns="90000" bIns="45000" anchor="ctr"/>
+          <a:lstStyle/>
+          <a:p>
+            <a:pPr algn="ctr">
+              <a:lnSpc>
+                <a:spcPct val="100000"/>
+              </a:lnSpc>
+            </a:pPr>
+            <a:r>
+              <a:rPr lang="en-US" sz="1100">
+                <a:solidFill>
+                  <a:srgbClr val="000000"/>
+                </a:solidFill>
+                <a:latin typeface="Calibri"/>
+              </a:rPr>
+              <a:t>125</a:t>
+            </a:r>
+            <a:endParaRPr/>
+          </a:p>
+        </p:txBody>
+      </p:sp>
+      <p:sp>
+        <p:nvSpPr>
+          <p:cNvPr id="42" name="CustomShape 39"/>
+          <p:cNvSpPr/>
+          <p:nvPr/>
+        </p:nvSpPr>
+        <p:spPr>
+          <a:xfrm>
+            <a:off x="8029800" y="3829320"/>
+            <a:ext cx="609120" cy="380160"/>
+          </a:xfrm>
+          <a:prstGeom prst="ellipse">
+            <a:avLst/>
+          </a:prstGeom>
+          <a:solidFill>
+            <a:srgbClr val="DEEBF7"/>
+          </a:solidFill>
+          <a:ln w="12600">
+            <a:solidFill>
+              <a:srgbClr val="43729D"/>
+            </a:solidFill>
+            <a:miter/>
+          </a:ln>
+        </p:spPr>
+        <p:txBody>
+          <a:bodyPr lIns="90000" tIns="45000" rIns="90000" bIns="45000" anchor="ctr"/>
+          <a:lstStyle/>
+          <a:p>
+            <a:pPr algn="ctr">
+              <a:lnSpc>
+                <a:spcPct val="100000"/>
+              </a:lnSpc>
+            </a:pPr>
+            <a:r>
+              <a:rPr lang="en-US" sz="1100">
+                <a:solidFill>
+                  <a:srgbClr val="000000"/>
+                </a:solidFill>
+                <a:latin typeface="Calibri"/>
+              </a:rPr>
+              <a:t>95</a:t>
+            </a:r>
+            <a:endParaRPr/>
+          </a:p>
+        </p:txBody>
+      </p:sp>
+      <p:sp>
+        <p:nvSpPr>
+          <p:cNvPr id="43" name="CustomShape 40"/>
+          <p:cNvSpPr/>
+          <p:nvPr/>
+        </p:nvSpPr>
+        <p:spPr>
+          <a:xfrm>
+            <a:off x="5446800" y="5397120"/>
+            <a:ext cx="501120" cy="390600"/>
+          </a:xfrm>
+          <a:prstGeom prst="ellipse">
+            <a:avLst/>
+          </a:prstGeom>
+          <a:solidFill>
+            <a:srgbClr val="DEEBF7"/>
+          </a:solidFill>
+          <a:ln w="12600">
+            <a:solidFill>
+              <a:srgbClr val="43729D"/>
+            </a:solidFill>
+            <a:miter/>
+          </a:ln>
+        </p:spPr>
+        <p:txBody>
+          <a:bodyPr lIns="90000" tIns="45000" rIns="90000" bIns="45000" anchor="ctr"/>
+          <a:lstStyle/>
+          <a:p>
+            <a:pPr algn="ctr">
+              <a:lnSpc>
+                <a:spcPct val="100000"/>
+              </a:lnSpc>
+            </a:pPr>
+            <a:r>
+              <a:rPr lang="en-US" sz="1100">
+                <a:solidFill>
+                  <a:srgbClr val="000000"/>
+                </a:solidFill>
+                <a:latin typeface="Calibri"/>
+              </a:rPr>
+              <a:t>61</a:t>
+            </a:r>
+            <a:endParaRPr/>
+          </a:p>
+        </p:txBody>
+      </p:sp>
+      <p:sp>
+        <p:nvSpPr>
+          <p:cNvPr id="44" name="CustomShape 41"/>
+          <p:cNvSpPr/>
+          <p:nvPr/>
+        </p:nvSpPr>
+        <p:spPr>
+          <a:xfrm>
+            <a:off x="3038040" y="4624200"/>
+            <a:ext cx="501120" cy="390600"/>
+          </a:xfrm>
+          <a:prstGeom prst="ellipse">
+            <a:avLst/>
+          </a:prstGeom>
+          <a:solidFill>
+            <a:srgbClr val="DEEBF7"/>
+          </a:solidFill>
+          <a:ln w="12600">
+            <a:solidFill>
+              <a:srgbClr val="43729D"/>
+            </a:solidFill>
+            <a:miter/>
+          </a:ln>
+        </p:spPr>
+        <p:txBody>
+          <a:bodyPr lIns="90000" tIns="45000" rIns="90000" bIns="45000" anchor="ctr"/>
+          <a:lstStyle/>
+          <a:p>
+            <a:pPr algn="ctr">
+              <a:lnSpc>
+                <a:spcPct val="100000"/>
+              </a:lnSpc>
+            </a:pPr>
+            <a:r>
+              <a:rPr lang="en-US" sz="1100">
+                <a:solidFill>
+                  <a:srgbClr val="000000"/>
+                </a:solidFill>
+                <a:latin typeface="Calibri"/>
+              </a:rPr>
+              <a:t>18</a:t>
+            </a:r>
+            <a:endParaRPr/>
+          </a:p>
+        </p:txBody>
+      </p:sp>
+      <p:sp>
+        <p:nvSpPr>
+          <p:cNvPr id="45" name="CustomShape 42"/>
+          <p:cNvSpPr/>
+          <p:nvPr/>
+        </p:nvSpPr>
+        <p:spPr>
+          <a:xfrm>
+            <a:off x="2543400" y="3776040"/>
+            <a:ext cx="501120" cy="390600"/>
+          </a:xfrm>
+          <a:prstGeom prst="ellipse">
+            <a:avLst/>
+          </a:prstGeom>
+          <a:solidFill>
+            <a:srgbClr val="DEEBF7"/>
+          </a:solidFill>
+          <a:ln w="12600">
+            <a:solidFill>
+              <a:srgbClr val="43729D"/>
+            </a:solidFill>
+            <a:miter/>
+          </a:ln>
+        </p:spPr>
+        <p:txBody>
+          <a:bodyPr lIns="90000" tIns="45000" rIns="90000" bIns="45000" anchor="ctr"/>
+          <a:lstStyle/>
+          <a:p>
+            <a:pPr algn="ctr">
+              <a:lnSpc>
+                <a:spcPct val="100000"/>
+              </a:lnSpc>
+            </a:pPr>
+            <a:r>
+              <a:rPr lang="en-US" sz="1100">
+                <a:solidFill>
+                  <a:srgbClr val="000000"/>
+                </a:solidFill>
+                <a:latin typeface="Calibri"/>
+              </a:rPr>
+              <a:t>6</a:t>
+            </a:r>
+            <a:endParaRPr/>
+          </a:p>
+        </p:txBody>
+      </p:sp>
+      <p:sp>
+        <p:nvSpPr>
+          <p:cNvPr id="46" name="CustomShape 43"/>
+          <p:cNvSpPr/>
+          <p:nvPr/>
+        </p:nvSpPr>
+        <p:spPr>
+          <a:xfrm>
+            <a:off x="7965000" y="5420520"/>
+            <a:ext cx="501120" cy="390600"/>
+          </a:xfrm>
+          <a:prstGeom prst="ellipse">
+            <a:avLst/>
+          </a:prstGeom>
+          <a:solidFill>
+            <a:srgbClr val="DEEBF7"/>
+          </a:solidFill>
+          <a:ln w="12600">
+            <a:solidFill>
+              <a:srgbClr val="43729D"/>
+            </a:solidFill>
+            <a:miter/>
+          </a:ln>
+        </p:spPr>
+        <p:txBody>
+          <a:bodyPr lIns="90000" tIns="45000" rIns="90000" bIns="45000" anchor="ctr"/>
+          <a:lstStyle/>
+          <a:p>
+            <a:pPr algn="ctr">
+              <a:lnSpc>
+                <a:spcPct val="100000"/>
+              </a:lnSpc>
+            </a:pPr>
+            <a:r>
+              <a:rPr lang="en-US" sz="1100">
+                <a:solidFill>
+                  <a:srgbClr val="000000"/>
+                </a:solidFill>
+                <a:latin typeface="Calibri"/>
+              </a:rPr>
+              <a:t>94</a:t>
+            </a:r>
+            <a:endParaRPr/>
+          </a:p>
+        </p:txBody>
+      </p:sp>
+      <p:sp>
+        <p:nvSpPr>
+          <p:cNvPr id="47" name="CustomShape 44"/>
+          <p:cNvSpPr/>
+          <p:nvPr/>
+        </p:nvSpPr>
+        <p:spPr>
+          <a:xfrm>
+            <a:off x="7239240" y="5434920"/>
+            <a:ext cx="501120" cy="390600"/>
+          </a:xfrm>
+          <a:prstGeom prst="ellipse">
+            <a:avLst/>
+          </a:prstGeom>
+          <a:solidFill>
+            <a:srgbClr val="DEEBF7"/>
+          </a:solidFill>
+          <a:ln w="12600">
+            <a:solidFill>
+              <a:srgbClr val="43729D"/>
+            </a:solidFill>
+            <a:miter/>
+          </a:ln>
+        </p:spPr>
+        <p:txBody>
+          <a:bodyPr lIns="90000" tIns="45000" rIns="90000" bIns="45000" anchor="ctr"/>
+          <a:lstStyle/>
+          <a:p>
+            <a:pPr algn="ctr">
+              <a:lnSpc>
+                <a:spcPct val="100000"/>
+              </a:lnSpc>
+            </a:pPr>
+            <a:r>
+              <a:rPr lang="en-US" sz="1100">
+                <a:solidFill>
+                  <a:srgbClr val="000000"/>
+                </a:solidFill>
+                <a:latin typeface="Calibri"/>
+              </a:rPr>
+              <a:t>90</a:t>
+            </a:r>
+            <a:endParaRPr/>
+          </a:p>
+        </p:txBody>
+      </p:sp>
+      <p:sp>
+        <p:nvSpPr>
+          <p:cNvPr id="48" name="Line 45"/>
+          <p:cNvSpPr/>
+          <p:nvPr/>
+        </p:nvSpPr>
+        <p:spPr>
+          <a:xfrm flipH="1">
+            <a:off x="2903760" y="3281400"/>
+            <a:ext cx="313920" cy="518040"/>
+          </a:xfrm>
+          <a:prstGeom prst="line">
+            <a:avLst/>
+          </a:prstGeom>
+          <a:ln w="25560">
+            <a:solidFill>
+              <a:srgbClr val="000000"/>
+            </a:solidFill>
+            <a:miter/>
+          </a:ln>
+        </p:spPr>
+      </p:sp>
+      <p:sp>
+        <p:nvSpPr>
+          <p:cNvPr id="49" name="Line 46"/>
+          <p:cNvSpPr/>
+          <p:nvPr/>
+        </p:nvSpPr>
+        <p:spPr>
+          <a:xfrm>
+            <a:off x="8342640" y="4210560"/>
+            <a:ext cx="216360" cy="491760"/>
+          </a:xfrm>
+          <a:prstGeom prst="line">
+            <a:avLst/>
+          </a:prstGeom>
+          <a:ln w="25560">
+            <a:solidFill>
+              <a:srgbClr val="000000"/>
+            </a:solidFill>
+            <a:miter/>
+          </a:ln>
+        </p:spPr>
+      </p:sp>
+      <p:sp>
+        <p:nvSpPr>
+          <p:cNvPr id="50" name="Line 47"/>
+          <p:cNvSpPr/>
+          <p:nvPr/>
+        </p:nvSpPr>
+        <p:spPr>
+          <a:xfrm>
+            <a:off x="7999200" y="3311280"/>
+            <a:ext cx="335160" cy="518040"/>
+          </a:xfrm>
+          <a:prstGeom prst="line">
+            <a:avLst/>
+          </a:prstGeom>
+          <a:ln w="25560">
+            <a:solidFill>
+              <a:srgbClr val="000000"/>
+            </a:solidFill>
+            <a:miter/>
+          </a:ln>
+        </p:spPr>
+      </p:sp>
+      <p:sp>
+        <p:nvSpPr>
+          <p:cNvPr id="51" name="Line 48"/>
+          <p:cNvSpPr/>
+          <p:nvPr/>
+        </p:nvSpPr>
+        <p:spPr>
+          <a:xfrm flipH="1">
+            <a:off x="3288600" y="4222080"/>
+            <a:ext cx="267840" cy="401760"/>
+          </a:xfrm>
+          <a:prstGeom prst="line">
+            <a:avLst/>
+          </a:prstGeom>
+          <a:ln w="25560">
+            <a:solidFill>
+              <a:srgbClr val="000000"/>
+            </a:solidFill>
+            <a:miter/>
+          </a:ln>
+        </p:spPr>
+      </p:sp>
+      <p:sp>
+        <p:nvSpPr>
+          <p:cNvPr id="52" name="Line 49"/>
+          <p:cNvSpPr/>
+          <p:nvPr/>
+        </p:nvSpPr>
+        <p:spPr>
+          <a:xfrm>
+            <a:off x="7979400" y="5036400"/>
+            <a:ext cx="236160" cy="383760"/>
+          </a:xfrm>
+          <a:prstGeom prst="line">
+            <a:avLst/>
+          </a:prstGeom>
+          <a:ln w="25560">
+            <a:solidFill>
+              <a:srgbClr val="000000"/>
+            </a:solidFill>
+            <a:miter/>
+          </a:ln>
+        </p:spPr>
+      </p:sp>
+      <p:sp>
+        <p:nvSpPr>
+          <p:cNvPr id="53" name="Line 50"/>
+          <p:cNvSpPr/>
+          <p:nvPr/>
+        </p:nvSpPr>
+        <p:spPr>
+          <a:xfrm flipH="1">
+            <a:off x="7527960" y="5035680"/>
+            <a:ext cx="151200" cy="389520"/>
+          </a:xfrm>
+          <a:prstGeom prst="line">
+            <a:avLst/>
+          </a:prstGeom>
+          <a:ln w="25560">
+            <a:solidFill>
+              <a:srgbClr val="000000"/>
+            </a:solidFill>
+            <a:miter/>
+          </a:ln>
+        </p:spPr>
+      </p:sp>
+      <p:sp>
+        <p:nvSpPr>
+          <p:cNvPr id="54" name="Line 51"/>
+          <p:cNvSpPr/>
+          <p:nvPr/>
+        </p:nvSpPr>
+        <p:spPr>
+          <a:xfrm flipH="1">
+            <a:off x="7855560" y="4154040"/>
+            <a:ext cx="263520" cy="565920"/>
+          </a:xfrm>
+          <a:prstGeom prst="line">
+            <a:avLst/>
+          </a:prstGeom>
+          <a:ln w="25560">
+            <a:solidFill>
+              <a:srgbClr val="000000"/>
+            </a:solidFill>
+            <a:miter/>
+          </a:ln>
+        </p:spPr>
+      </p:sp>
+      <p:sp>
+        <p:nvSpPr>
+          <p:cNvPr id="55" name="Line 52"/>
+          <p:cNvSpPr/>
+          <p:nvPr/>
+        </p:nvSpPr>
+        <p:spPr>
+          <a:xfrm>
+            <a:off x="5524920" y="5036400"/>
+            <a:ext cx="172440" cy="360720"/>
+          </a:xfrm>
+          <a:prstGeom prst="line">
+            <a:avLst/>
+          </a:prstGeom>
+          <a:ln w="25560">
+            <a:solidFill>
+              <a:srgbClr val="000000"/>
+            </a:solidFill>
+            <a:miter/>
+          </a:ln>
+        </p:spPr>
+      </p:sp>
+      <p:sp>
+        <p:nvSpPr>
+          <p:cNvPr id="56" name="CustomShape 53"/>
+          <p:cNvSpPr/>
+          <p:nvPr/>
+        </p:nvSpPr>
+        <p:spPr>
+          <a:xfrm>
+            <a:off x="7606080" y="4701960"/>
+            <a:ext cx="501120" cy="390600"/>
+          </a:xfrm>
+          <a:prstGeom prst="ellipse">
+            <a:avLst/>
+          </a:prstGeom>
+          <a:solidFill>
+            <a:srgbClr val="DEEBF7"/>
+          </a:solidFill>
+          <a:ln w="12600">
+            <a:solidFill>
+              <a:srgbClr val="43729D"/>
+            </a:solidFill>
+            <a:miter/>
+          </a:ln>
+        </p:spPr>
+        <p:txBody>
+          <a:bodyPr lIns="90000" tIns="45000" rIns="90000" bIns="45000" anchor="ctr"/>
+          <a:lstStyle/>
+          <a:p>
+            <a:pPr algn="ctr">
+              <a:lnSpc>
+                <a:spcPct val="100000"/>
+              </a:lnSpc>
+            </a:pPr>
+            <a:r>
+              <a:rPr lang="en-US" sz="1100">
+                <a:solidFill>
+                  <a:srgbClr val="000000"/>
+                </a:solidFill>
+                <a:latin typeface="Calibri"/>
+              </a:rPr>
+              <a:t>93</a:t>
+            </a:r>
+            <a:endParaRPr/>
+          </a:p>
+        </p:txBody>
+      </p:sp>
+      <p:sp>
+        <p:nvSpPr>
+          <p:cNvPr id="57" name="CustomShape 54"/>
+          <p:cNvSpPr/>
+          <p:nvPr/>
+        </p:nvSpPr>
+        <p:spPr>
+          <a:xfrm>
+            <a:off x="6177960" y="2920320"/>
+            <a:ext cx="501120" cy="390600"/>
+          </a:xfrm>
+          <a:prstGeom prst="ellipse">
+            <a:avLst/>
+          </a:prstGeom>
+          <a:solidFill>
+            <a:srgbClr val="DEEBF7"/>
+          </a:solidFill>
+          <a:ln w="12600">
+            <a:solidFill>
+              <a:srgbClr val="43729D"/>
+            </a:solidFill>
+            <a:miter/>
+          </a:ln>
+        </p:spPr>
+        <p:txBody>
+          <a:bodyPr lIns="90000" tIns="45000" rIns="90000" bIns="45000" anchor="ctr"/>
+          <a:lstStyle/>
+          <a:p>
+            <a:pPr algn="ctr">
+              <a:lnSpc>
+                <a:spcPct val="100000"/>
+              </a:lnSpc>
+            </a:pPr>
+            <a:r>
+              <a:rPr lang="en-US" sz="1100">
+                <a:solidFill>
+                  <a:srgbClr val="000000"/>
+                </a:solidFill>
+                <a:latin typeface="Calibri"/>
+              </a:rPr>
+              <a:t>75</a:t>
+            </a:r>
+            <a:endParaRPr/>
+          </a:p>
+        </p:txBody>
+      </p:sp>
+      <p:sp>
+        <p:nvSpPr>
+          <p:cNvPr id="58" name="Line 55"/>
+          <p:cNvSpPr/>
+          <p:nvPr/>
+        </p:nvSpPr>
+        <p:spPr>
+          <a:xfrm>
+            <a:off x="6177600" y="2477520"/>
+            <a:ext cx="230760" cy="461880"/>
+          </a:xfrm>
+          <a:prstGeom prst="line">
+            <a:avLst/>
+          </a:prstGeom>
+          <a:ln w="25560">
+            <a:solidFill>
+              <a:srgbClr val="000000"/>
+            </a:solidFill>
+            <a:miter/>
+          </a:ln>
+        </p:spPr>
+      </p:sp>
+      <p:sp>
+        <p:nvSpPr>
+          <p:cNvPr id="59" name="CustomShape 56"/>
+          <p:cNvSpPr/>
+          <p:nvPr/>
+        </p:nvSpPr>
+        <p:spPr>
+          <a:xfrm>
+            <a:off x="5839920" y="6136200"/>
+            <a:ext cx="501120" cy="390600"/>
+          </a:xfrm>
+          <a:prstGeom prst="ellipse">
+            <a:avLst/>
+          </a:prstGeom>
+          <a:solidFill>
+            <a:srgbClr val="DEEBF7"/>
+          </a:solidFill>
+          <a:ln w="12600">
+            <a:solidFill>
+              <a:srgbClr val="43729D"/>
+            </a:solidFill>
+            <a:miter/>
+          </a:ln>
+        </p:spPr>
+        <p:txBody>
+          <a:bodyPr lIns="90000" tIns="45000" rIns="90000" bIns="45000" anchor="ctr"/>
+          <a:lstStyle/>
+          <a:p>
+            <a:pPr algn="ctr">
+              <a:lnSpc>
+                <a:spcPct val="100000"/>
+              </a:lnSpc>
+            </a:pPr>
+            <a:r>
+              <a:rPr lang="en-US" sz="1100">
+                <a:solidFill>
+                  <a:srgbClr val="000000"/>
+                </a:solidFill>
+                <a:latin typeface="Calibri"/>
+              </a:rPr>
+              <a:t>62</a:t>
+            </a:r>
+            <a:endParaRPr/>
+          </a:p>
+        </p:txBody>
+      </p:sp>
+      <p:sp>
+        <p:nvSpPr>
+          <p:cNvPr id="60" name="Line 57"/>
+          <p:cNvSpPr/>
+          <p:nvPr/>
+        </p:nvSpPr>
+        <p:spPr>
+          <a:xfrm>
+            <a:off x="5874480" y="5730840"/>
+            <a:ext cx="216000" cy="405000"/>
+          </a:xfrm>
+          <a:prstGeom prst="line">
+            <a:avLst/>
+          </a:prstGeom>
+          <a:ln w="25560">
+            <a:solidFill>
+              <a:srgbClr val="000000"/>
+            </a:solidFill>
+            <a:miter/>
+          </a:ln>
+        </p:spPr>
+      </p:sp>
+      <p:sp>
+        <p:nvSpPr>
+          <p:cNvPr id="61" name="CustomShape 58"/>
+          <p:cNvSpPr/>
+          <p:nvPr/>
+        </p:nvSpPr>
+        <p:spPr>
+          <a:xfrm>
+            <a:off x="6052680" y="5834160"/>
+            <a:ext cx="163080" cy="364680"/>
+          </a:xfrm>
+          <a:prstGeom prst="rect">
+            <a:avLst/>
+          </a:prstGeom>
+          <a:noFill/>
+          <a:ln>
+            <a:noFill/>
+          </a:ln>
+        </p:spPr>
+        <p:txBody>
+          <a:bodyPr lIns="90000" tIns="45000" rIns="90000" bIns="45000"/>
+          <a:lstStyle/>
+          <a:p>
+            <a:pPr>
+              <a:lnSpc>
+                <a:spcPct val="100000"/>
+              </a:lnSpc>
+            </a:pPr>
+            <a:r>
+              <a:rPr lang="en-US">
+                <a:solidFill>
+                  <a:srgbClr val="FF0000"/>
+                </a:solidFill>
+                <a:latin typeface="Calibri"/>
+              </a:rPr>
+              <a:t>1</a:t>
+            </a:r>
+            <a:endParaRPr/>
+          </a:p>
+        </p:txBody>
+      </p:sp>
+      <p:sp>
+        <p:nvSpPr>
+          <p:cNvPr id="62" name="CustomShape 59"/>
+          <p:cNvSpPr/>
+          <p:nvPr/>
+        </p:nvSpPr>
+        <p:spPr>
+          <a:xfrm>
+            <a:off x="5648400" y="5093280"/>
+            <a:ext cx="306000" cy="364680"/>
+          </a:xfrm>
+          <a:prstGeom prst="rect">
+            <a:avLst/>
+          </a:prstGeom>
+          <a:noFill/>
+          <a:ln>
+            <a:noFill/>
+          </a:ln>
+        </p:spPr>
+        <p:txBody>
+          <a:bodyPr wrap="none" lIns="90000" tIns="45000" rIns="90000" bIns="45000"/>
+          <a:lstStyle/>
+          <a:p>
+            <a:pPr>
+              <a:lnSpc>
+                <a:spcPct val="100000"/>
+              </a:lnSpc>
+            </a:pPr>
+            <a:r>
+              <a:rPr lang="en-US">
+                <a:solidFill>
+                  <a:srgbClr val="FF0000"/>
+                </a:solidFill>
+                <a:latin typeface="Calibri"/>
+              </a:rPr>
+              <a:t>2</a:t>
+            </a:r>
+            <a:endParaRPr/>
+          </a:p>
+        </p:txBody>
+      </p:sp>
+      <p:sp>
+        <p:nvSpPr>
+          <p:cNvPr id="63" name="CustomShape 60"/>
+          <p:cNvSpPr/>
+          <p:nvPr/>
+        </p:nvSpPr>
+        <p:spPr>
+          <a:xfrm>
+            <a:off x="5267880" y="4355640"/>
+            <a:ext cx="306000" cy="364680"/>
+          </a:xfrm>
+          <a:prstGeom prst="rect">
+            <a:avLst/>
+          </a:prstGeom>
+          <a:noFill/>
+          <a:ln>
+            <a:noFill/>
+          </a:ln>
+        </p:spPr>
+        <p:txBody>
+          <a:bodyPr wrap="none" lIns="90000" tIns="45000" rIns="90000" bIns="45000"/>
+          <a:lstStyle/>
+          <a:p>
+            <a:pPr>
+              <a:lnSpc>
+                <a:spcPct val="100000"/>
+              </a:lnSpc>
+            </a:pPr>
+            <a:r>
+              <a:rPr lang="en-US">
+                <a:solidFill>
+                  <a:srgbClr val="FF0000"/>
+                </a:solidFill>
+                <a:latin typeface="Calibri"/>
+              </a:rPr>
+              <a:t>3</a:t>
+            </a:r>
+            <a:endParaRPr/>
+          </a:p>
+        </p:txBody>
+      </p:sp>
+      <p:sp>
+        <p:nvSpPr>
+          <p:cNvPr id="64" name="CustomShape 61"/>
+          <p:cNvSpPr/>
+          <p:nvPr/>
+        </p:nvSpPr>
+        <p:spPr>
+          <a:xfrm>
+            <a:off x="4411800" y="4350600"/>
+            <a:ext cx="306000" cy="364680"/>
+          </a:xfrm>
+          <a:prstGeom prst="rect">
+            <a:avLst/>
+          </a:prstGeom>
+          <a:noFill/>
+          <a:ln>
+            <a:noFill/>
+          </a:ln>
+        </p:spPr>
+        <p:txBody>
+          <a:bodyPr wrap="none" lIns="90000" tIns="45000" rIns="90000" bIns="45000"/>
+          <a:lstStyle/>
+          <a:p>
+            <a:pPr>
+              <a:lnSpc>
+                <a:spcPct val="100000"/>
+              </a:lnSpc>
+            </a:pPr>
+            <a:r>
+              <a:rPr lang="en-US" b="1" dirty="0">
+                <a:solidFill>
+                  <a:schemeClr val="accent4"/>
+                </a:solidFill>
+                <a:latin typeface="Calibri"/>
+              </a:rPr>
+              <a:t>1</a:t>
+            </a:r>
+            <a:endParaRPr b="1" dirty="0">
+              <a:solidFill>
+                <a:schemeClr val="accent4"/>
+              </a:solidFill>
+            </a:endParaRPr>
+          </a:p>
+        </p:txBody>
+      </p:sp>
+      <p:sp>
+        <p:nvSpPr>
+          <p:cNvPr id="65" name="CustomShape 62"/>
+          <p:cNvSpPr/>
+          <p:nvPr/>
+        </p:nvSpPr>
+        <p:spPr>
+          <a:xfrm>
+            <a:off x="2625120" y="3467160"/>
+            <a:ext cx="306000" cy="364680"/>
+          </a:xfrm>
+          <a:prstGeom prst="rect">
+            <a:avLst/>
+          </a:prstGeom>
+          <a:noFill/>
+          <a:ln>
+            <a:noFill/>
+          </a:ln>
+        </p:spPr>
+        <p:txBody>
+          <a:bodyPr wrap="none" lIns="90000" tIns="45000" rIns="90000" bIns="45000"/>
+          <a:lstStyle/>
+          <a:p>
+            <a:pPr>
+              <a:lnSpc>
+                <a:spcPct val="100000"/>
+              </a:lnSpc>
+            </a:pPr>
+            <a:r>
+              <a:rPr lang="en-US">
+                <a:solidFill>
+                  <a:srgbClr val="FF0000"/>
+                </a:solidFill>
+                <a:latin typeface="Calibri"/>
+              </a:rPr>
+              <a:t>1</a:t>
+            </a:r>
+            <a:endParaRPr/>
+          </a:p>
+        </p:txBody>
+      </p:sp>
+      <p:sp>
+        <p:nvSpPr>
+          <p:cNvPr id="66" name="CustomShape 63"/>
+          <p:cNvSpPr/>
+          <p:nvPr/>
+        </p:nvSpPr>
+        <p:spPr>
+          <a:xfrm>
+            <a:off x="3049920" y="4313880"/>
+            <a:ext cx="306000" cy="364680"/>
+          </a:xfrm>
+          <a:prstGeom prst="rect">
+            <a:avLst/>
+          </a:prstGeom>
+          <a:noFill/>
+          <a:ln>
+            <a:noFill/>
+          </a:ln>
+        </p:spPr>
+        <p:txBody>
+          <a:bodyPr wrap="none" lIns="90000" tIns="45000" rIns="90000" bIns="45000"/>
+          <a:lstStyle/>
+          <a:p>
+            <a:pPr>
+              <a:lnSpc>
+                <a:spcPct val="100000"/>
+              </a:lnSpc>
+            </a:pPr>
+            <a:r>
+              <a:rPr lang="en-US">
+                <a:solidFill>
+                  <a:srgbClr val="FF0000"/>
+                </a:solidFill>
+                <a:latin typeface="Calibri"/>
+              </a:rPr>
+              <a:t>1</a:t>
+            </a:r>
+            <a:endParaRPr/>
+          </a:p>
+        </p:txBody>
+      </p:sp>
+      <p:sp>
+        <p:nvSpPr>
+          <p:cNvPr id="67" name="CustomShape 64"/>
+          <p:cNvSpPr/>
+          <p:nvPr/>
+        </p:nvSpPr>
+        <p:spPr>
+          <a:xfrm>
+            <a:off x="5612040" y="3548160"/>
+            <a:ext cx="306000" cy="364680"/>
+          </a:xfrm>
+          <a:prstGeom prst="rect">
+            <a:avLst/>
+          </a:prstGeom>
+          <a:noFill/>
+          <a:ln>
+            <a:noFill/>
+          </a:ln>
+        </p:spPr>
+        <p:txBody>
+          <a:bodyPr wrap="none" lIns="90000" tIns="45000" rIns="90000" bIns="45000"/>
+          <a:lstStyle/>
+          <a:p>
+            <a:pPr>
+              <a:lnSpc>
+                <a:spcPct val="100000"/>
+              </a:lnSpc>
+            </a:pPr>
+            <a:r>
+              <a:rPr lang="en-US">
+                <a:solidFill>
+                  <a:srgbClr val="FF0000"/>
+                </a:solidFill>
+                <a:latin typeface="Calibri"/>
+              </a:rPr>
+              <a:t>1</a:t>
+            </a:r>
+            <a:endParaRPr/>
+          </a:p>
+        </p:txBody>
+      </p:sp>
+      <p:sp>
+        <p:nvSpPr>
+          <p:cNvPr id="68" name="CustomShape 65"/>
+          <p:cNvSpPr/>
+          <p:nvPr/>
+        </p:nvSpPr>
+        <p:spPr>
+          <a:xfrm>
+            <a:off x="7098840" y="3484800"/>
+            <a:ext cx="306000" cy="364680"/>
+          </a:xfrm>
+          <a:prstGeom prst="rect">
+            <a:avLst/>
+          </a:prstGeom>
+          <a:noFill/>
+          <a:ln>
+            <a:noFill/>
+          </a:ln>
+        </p:spPr>
+        <p:txBody>
+          <a:bodyPr wrap="none" lIns="90000" tIns="45000" rIns="90000" bIns="45000"/>
+          <a:lstStyle/>
+          <a:p>
+            <a:pPr>
+              <a:lnSpc>
+                <a:spcPct val="100000"/>
+              </a:lnSpc>
+            </a:pPr>
+            <a:r>
+              <a:rPr lang="en-US">
+                <a:solidFill>
+                  <a:srgbClr val="FF0000"/>
+                </a:solidFill>
+                <a:latin typeface="Calibri"/>
+              </a:rPr>
+              <a:t>1</a:t>
+            </a:r>
+            <a:endParaRPr/>
+          </a:p>
+        </p:txBody>
+      </p:sp>
+      <p:sp>
+        <p:nvSpPr>
+          <p:cNvPr id="69" name="CustomShape 66"/>
+          <p:cNvSpPr/>
+          <p:nvPr/>
+        </p:nvSpPr>
+        <p:spPr>
+          <a:xfrm>
+            <a:off x="7302600" y="5105520"/>
+            <a:ext cx="306000" cy="364680"/>
+          </a:xfrm>
+          <a:prstGeom prst="rect">
+            <a:avLst/>
+          </a:prstGeom>
+          <a:noFill/>
+          <a:ln>
+            <a:noFill/>
+          </a:ln>
+        </p:spPr>
+        <p:txBody>
+          <a:bodyPr wrap="none" lIns="90000" tIns="45000" rIns="90000" bIns="45000"/>
+          <a:lstStyle/>
+          <a:p>
+            <a:pPr>
+              <a:lnSpc>
+                <a:spcPct val="100000"/>
+              </a:lnSpc>
+            </a:pPr>
+            <a:r>
+              <a:rPr lang="en-US">
+                <a:solidFill>
+                  <a:srgbClr val="FF0000"/>
+                </a:solidFill>
+                <a:latin typeface="Calibri"/>
+              </a:rPr>
+              <a:t>1</a:t>
+            </a:r>
+            <a:endParaRPr/>
+          </a:p>
+        </p:txBody>
+      </p:sp>
+      <p:sp>
+        <p:nvSpPr>
+          <p:cNvPr id="70" name="CustomShape 67"/>
+          <p:cNvSpPr/>
+          <p:nvPr/>
+        </p:nvSpPr>
+        <p:spPr>
+          <a:xfrm>
+            <a:off x="8121960" y="5109480"/>
+            <a:ext cx="306000" cy="364680"/>
+          </a:xfrm>
+          <a:prstGeom prst="rect">
+            <a:avLst/>
+          </a:prstGeom>
+          <a:noFill/>
+          <a:ln>
+            <a:noFill/>
+          </a:ln>
+        </p:spPr>
+        <p:txBody>
+          <a:bodyPr wrap="none" lIns="90000" tIns="45000" rIns="90000" bIns="45000"/>
+          <a:lstStyle/>
+          <a:p>
+            <a:pPr>
+              <a:lnSpc>
+                <a:spcPct val="100000"/>
+              </a:lnSpc>
+            </a:pPr>
+            <a:r>
+              <a:rPr lang="en-US">
+                <a:solidFill>
+                  <a:srgbClr val="FF0000"/>
+                </a:solidFill>
+                <a:latin typeface="Calibri"/>
+              </a:rPr>
+              <a:t>1</a:t>
+            </a:r>
+            <a:endParaRPr/>
+          </a:p>
+        </p:txBody>
+      </p:sp>
+      <p:sp>
+        <p:nvSpPr>
+          <p:cNvPr id="71" name="CustomShape 68"/>
+          <p:cNvSpPr/>
+          <p:nvPr/>
+        </p:nvSpPr>
+        <p:spPr>
+          <a:xfrm>
+            <a:off x="8470800" y="4332600"/>
+            <a:ext cx="306000" cy="364680"/>
+          </a:xfrm>
+          <a:prstGeom prst="rect">
+            <a:avLst/>
+          </a:prstGeom>
+          <a:noFill/>
+          <a:ln>
+            <a:noFill/>
+          </a:ln>
+        </p:spPr>
+        <p:txBody>
+          <a:bodyPr wrap="none" lIns="90000" tIns="45000" rIns="90000" bIns="45000"/>
+          <a:lstStyle/>
+          <a:p>
+            <a:pPr>
+              <a:lnSpc>
+                <a:spcPct val="100000"/>
+              </a:lnSpc>
+            </a:pPr>
+            <a:r>
+              <a:rPr lang="en-US">
+                <a:solidFill>
+                  <a:srgbClr val="FF0000"/>
+                </a:solidFill>
+                <a:latin typeface="Calibri"/>
+              </a:rPr>
+              <a:t>1</a:t>
+            </a:r>
+            <a:endParaRPr/>
+          </a:p>
+        </p:txBody>
+      </p:sp>
+      <p:sp>
+        <p:nvSpPr>
+          <p:cNvPr id="72" name="CustomShape 69"/>
+          <p:cNvSpPr/>
+          <p:nvPr/>
+        </p:nvSpPr>
+        <p:spPr>
+          <a:xfrm>
+            <a:off x="4855320" y="3522240"/>
+            <a:ext cx="306000" cy="364680"/>
+          </a:xfrm>
+          <a:prstGeom prst="rect">
+            <a:avLst/>
+          </a:prstGeom>
+          <a:noFill/>
+          <a:ln>
+            <a:noFill/>
+          </a:ln>
+        </p:spPr>
+        <p:txBody>
+          <a:bodyPr wrap="none" lIns="90000" tIns="45000" rIns="90000" bIns="45000"/>
+          <a:lstStyle/>
+          <a:p>
+            <a:pPr>
+              <a:lnSpc>
+                <a:spcPct val="100000"/>
+              </a:lnSpc>
+            </a:pPr>
+            <a:r>
+              <a:rPr lang="en-US">
+                <a:solidFill>
+                  <a:srgbClr val="FF0000"/>
+                </a:solidFill>
+                <a:latin typeface="Calibri"/>
+              </a:rPr>
+              <a:t>5</a:t>
+            </a:r>
+            <a:endParaRPr/>
+          </a:p>
+        </p:txBody>
+      </p:sp>
+      <p:sp>
+        <p:nvSpPr>
+          <p:cNvPr id="73" name="CustomShape 70"/>
+          <p:cNvSpPr/>
+          <p:nvPr/>
+        </p:nvSpPr>
+        <p:spPr>
+          <a:xfrm>
+            <a:off x="5250960" y="2628360"/>
+            <a:ext cx="306000" cy="364680"/>
+          </a:xfrm>
+          <a:prstGeom prst="rect">
+            <a:avLst/>
+          </a:prstGeom>
+          <a:noFill/>
+          <a:ln>
+            <a:noFill/>
+          </a:ln>
+        </p:spPr>
+        <p:txBody>
+          <a:bodyPr wrap="none" lIns="90000" tIns="45000" rIns="90000" bIns="45000"/>
+          <a:lstStyle/>
+          <a:p>
+            <a:pPr>
+              <a:lnSpc>
+                <a:spcPct val="100000"/>
+              </a:lnSpc>
+            </a:pPr>
+            <a:r>
+              <a:rPr lang="en-US">
+                <a:solidFill>
+                  <a:srgbClr val="FF0000"/>
+                </a:solidFill>
+                <a:latin typeface="Calibri"/>
+              </a:rPr>
+              <a:t>7</a:t>
+            </a:r>
+            <a:endParaRPr/>
+          </a:p>
+        </p:txBody>
+      </p:sp>
+      <p:sp>
+        <p:nvSpPr>
+          <p:cNvPr id="74" name="CustomShape 71"/>
+          <p:cNvSpPr/>
+          <p:nvPr/>
+        </p:nvSpPr>
+        <p:spPr>
+          <a:xfrm>
+            <a:off x="4443480" y="2628360"/>
+            <a:ext cx="306000" cy="364680"/>
+          </a:xfrm>
+          <a:prstGeom prst="rect">
+            <a:avLst/>
+          </a:prstGeom>
+          <a:noFill/>
+          <a:ln>
+            <a:noFill/>
+          </a:ln>
+        </p:spPr>
+        <p:txBody>
+          <a:bodyPr wrap="none" lIns="90000" tIns="45000" rIns="90000" bIns="45000"/>
+          <a:lstStyle/>
+          <a:p>
+            <a:pPr>
+              <a:lnSpc>
+                <a:spcPct val="100000"/>
+              </a:lnSpc>
+            </a:pPr>
+            <a:r>
+              <a:rPr lang="en-US" b="1" dirty="0">
+                <a:solidFill>
+                  <a:schemeClr val="accent4"/>
+                </a:solidFill>
+                <a:latin typeface="Calibri"/>
+              </a:rPr>
+              <a:t>1</a:t>
+            </a:r>
+            <a:endParaRPr b="1" dirty="0">
+              <a:solidFill>
+                <a:schemeClr val="accent4"/>
+              </a:solidFill>
+            </a:endParaRPr>
+          </a:p>
+        </p:txBody>
+      </p:sp>
+      <p:sp>
+        <p:nvSpPr>
+          <p:cNvPr id="75" name="CustomShape 72"/>
+          <p:cNvSpPr/>
+          <p:nvPr/>
+        </p:nvSpPr>
+        <p:spPr>
+          <a:xfrm>
+            <a:off x="6297480" y="2628360"/>
+            <a:ext cx="306000" cy="364680"/>
+          </a:xfrm>
+          <a:prstGeom prst="rect">
+            <a:avLst/>
+          </a:prstGeom>
+          <a:noFill/>
+          <a:ln>
+            <a:noFill/>
+          </a:ln>
+        </p:spPr>
+        <p:txBody>
+          <a:bodyPr wrap="none" lIns="90000" tIns="45000" rIns="90000" bIns="45000"/>
+          <a:lstStyle/>
+          <a:p>
+            <a:pPr>
+              <a:lnSpc>
+                <a:spcPct val="100000"/>
+              </a:lnSpc>
+            </a:pPr>
+            <a:r>
+              <a:rPr lang="en-US">
+                <a:solidFill>
+                  <a:srgbClr val="FF0000"/>
+                </a:solidFill>
+                <a:latin typeface="Calibri"/>
+              </a:rPr>
+              <a:t>1</a:t>
+            </a:r>
+            <a:endParaRPr/>
+          </a:p>
+        </p:txBody>
+      </p:sp>
+      <p:sp>
+        <p:nvSpPr>
+          <p:cNvPr id="76" name="CustomShape 73"/>
+          <p:cNvSpPr/>
+          <p:nvPr/>
+        </p:nvSpPr>
+        <p:spPr>
+          <a:xfrm>
+            <a:off x="6783120" y="2647800"/>
+            <a:ext cx="306000" cy="364680"/>
+          </a:xfrm>
+          <a:prstGeom prst="rect">
+            <a:avLst/>
+          </a:prstGeom>
+          <a:noFill/>
+          <a:ln>
+            <a:noFill/>
+          </a:ln>
+        </p:spPr>
+        <p:txBody>
+          <a:bodyPr wrap="none" lIns="90000" tIns="45000" rIns="90000" bIns="45000"/>
+          <a:lstStyle/>
+          <a:p>
+            <a:pPr>
+              <a:lnSpc>
+                <a:spcPct val="100000"/>
+              </a:lnSpc>
+            </a:pPr>
+            <a:r>
+              <a:rPr lang="en-US">
+                <a:solidFill>
+                  <a:srgbClr val="FF0000"/>
+                </a:solidFill>
+                <a:latin typeface="Calibri"/>
+              </a:rPr>
+              <a:t>1</a:t>
+            </a:r>
+            <a:endParaRPr/>
+          </a:p>
+        </p:txBody>
+      </p:sp>
+      <p:sp>
+        <p:nvSpPr>
+          <p:cNvPr id="77" name="CustomShape 74"/>
+          <p:cNvSpPr/>
+          <p:nvPr/>
+        </p:nvSpPr>
+        <p:spPr>
+          <a:xfrm>
+            <a:off x="7655040" y="4392000"/>
+            <a:ext cx="306000" cy="364680"/>
+          </a:xfrm>
+          <a:prstGeom prst="rect">
+            <a:avLst/>
+          </a:prstGeom>
+          <a:noFill/>
+          <a:ln>
+            <a:noFill/>
+          </a:ln>
+        </p:spPr>
+        <p:txBody>
+          <a:bodyPr wrap="none" lIns="90000" tIns="45000" rIns="90000" bIns="45000"/>
+          <a:lstStyle/>
+          <a:p>
+            <a:pPr>
+              <a:lnSpc>
+                <a:spcPct val="100000"/>
+              </a:lnSpc>
+            </a:pPr>
+            <a:r>
+              <a:rPr lang="en-US">
+                <a:solidFill>
+                  <a:srgbClr val="FF0000"/>
+                </a:solidFill>
+                <a:latin typeface="Calibri"/>
+              </a:rPr>
+              <a:t>3</a:t>
+            </a:r>
+            <a:endParaRPr/>
+          </a:p>
+        </p:txBody>
+      </p:sp>
+      <p:sp>
+        <p:nvSpPr>
+          <p:cNvPr id="78" name="CustomShape 75"/>
+          <p:cNvSpPr/>
+          <p:nvPr/>
+        </p:nvSpPr>
+        <p:spPr>
+          <a:xfrm>
+            <a:off x="8253360" y="3484800"/>
+            <a:ext cx="306000" cy="364680"/>
+          </a:xfrm>
+          <a:prstGeom prst="rect">
+            <a:avLst/>
+          </a:prstGeom>
+          <a:noFill/>
+          <a:ln>
+            <a:noFill/>
+          </a:ln>
+        </p:spPr>
+        <p:txBody>
+          <a:bodyPr wrap="none" lIns="90000" tIns="45000" rIns="90000" bIns="45000"/>
+          <a:lstStyle/>
+          <a:p>
+            <a:pPr>
+              <a:lnSpc>
+                <a:spcPct val="100000"/>
+              </a:lnSpc>
+            </a:pPr>
+            <a:r>
+              <a:rPr lang="en-US">
+                <a:solidFill>
+                  <a:srgbClr val="FF0000"/>
+                </a:solidFill>
+                <a:latin typeface="Calibri"/>
+              </a:rPr>
+              <a:t>5</a:t>
+            </a:r>
+            <a:endParaRPr/>
+          </a:p>
+        </p:txBody>
+      </p:sp>
+      <p:sp>
+        <p:nvSpPr>
+          <p:cNvPr id="79" name="CustomShape 76"/>
+          <p:cNvSpPr/>
+          <p:nvPr/>
+        </p:nvSpPr>
+        <p:spPr>
+          <a:xfrm>
+            <a:off x="3438360" y="3548160"/>
+            <a:ext cx="306000" cy="364680"/>
+          </a:xfrm>
+          <a:prstGeom prst="rect">
+            <a:avLst/>
+          </a:prstGeom>
+          <a:noFill/>
+          <a:ln>
+            <a:noFill/>
+          </a:ln>
+        </p:spPr>
+        <p:txBody>
+          <a:bodyPr wrap="none" lIns="90000" tIns="45000" rIns="90000" bIns="45000"/>
+          <a:lstStyle/>
+          <a:p>
+            <a:pPr>
+              <a:lnSpc>
+                <a:spcPct val="100000"/>
+              </a:lnSpc>
+            </a:pPr>
+            <a:r>
+              <a:rPr lang="en-US">
+                <a:solidFill>
+                  <a:srgbClr val="FF0000"/>
+                </a:solidFill>
+                <a:latin typeface="Calibri"/>
+              </a:rPr>
+              <a:t>2</a:t>
+            </a:r>
+            <a:endParaRPr/>
+          </a:p>
+        </p:txBody>
+      </p:sp>
+      <p:sp>
+        <p:nvSpPr>
+          <p:cNvPr id="80" name="CustomShape 77"/>
+          <p:cNvSpPr/>
+          <p:nvPr/>
+        </p:nvSpPr>
+        <p:spPr>
+          <a:xfrm>
+            <a:off x="3225600" y="2651760"/>
+            <a:ext cx="306000" cy="364680"/>
+          </a:xfrm>
+          <a:prstGeom prst="rect">
+            <a:avLst/>
+          </a:prstGeom>
+          <a:noFill/>
+          <a:ln>
+            <a:noFill/>
+          </a:ln>
+        </p:spPr>
+        <p:txBody>
+          <a:bodyPr wrap="none" lIns="90000" tIns="45000" rIns="90000" bIns="45000"/>
+          <a:lstStyle/>
+          <a:p>
+            <a:pPr>
+              <a:lnSpc>
+                <a:spcPct val="100000"/>
+              </a:lnSpc>
+            </a:pPr>
+            <a:r>
+              <a:rPr lang="en-US">
+                <a:solidFill>
+                  <a:srgbClr val="FF0000"/>
+                </a:solidFill>
+                <a:latin typeface="Calibri"/>
+              </a:rPr>
+              <a:t>2</a:t>
+            </a:r>
+            <a:endParaRPr/>
+          </a:p>
+        </p:txBody>
+      </p:sp>
+      <p:sp>
+        <p:nvSpPr>
+          <p:cNvPr id="81" name="CustomShape 78"/>
+          <p:cNvSpPr/>
+          <p:nvPr/>
+        </p:nvSpPr>
+        <p:spPr>
+          <a:xfrm>
+            <a:off x="3965760" y="2628360"/>
+            <a:ext cx="306000" cy="364680"/>
+          </a:xfrm>
+          <a:prstGeom prst="rect">
+            <a:avLst/>
+          </a:prstGeom>
+          <a:noFill/>
+          <a:ln>
+            <a:noFill/>
+          </a:ln>
+        </p:spPr>
+        <p:txBody>
+          <a:bodyPr wrap="none" lIns="90000" tIns="45000" rIns="90000" bIns="45000"/>
+          <a:lstStyle/>
+          <a:p>
+            <a:pPr>
+              <a:lnSpc>
+                <a:spcPct val="100000"/>
+              </a:lnSpc>
+            </a:pPr>
+            <a:r>
+              <a:rPr lang="en-US">
+                <a:solidFill>
+                  <a:srgbClr val="FF0000"/>
+                </a:solidFill>
+                <a:latin typeface="Calibri"/>
+              </a:rPr>
+              <a:t>3</a:t>
+            </a:r>
+            <a:endParaRPr/>
+          </a:p>
+        </p:txBody>
+      </p:sp>
+      <p:sp>
+        <p:nvSpPr>
+          <p:cNvPr id="82" name="CustomShape 79"/>
+          <p:cNvSpPr/>
+          <p:nvPr/>
+        </p:nvSpPr>
+        <p:spPr>
+          <a:xfrm>
+            <a:off x="7723080" y="2651760"/>
+            <a:ext cx="306000" cy="364680"/>
+          </a:xfrm>
+          <a:prstGeom prst="rect">
+            <a:avLst/>
+          </a:prstGeom>
+          <a:noFill/>
+          <a:ln>
+            <a:noFill/>
+          </a:ln>
+        </p:spPr>
+        <p:txBody>
+          <a:bodyPr wrap="none" lIns="90000" tIns="45000" rIns="90000" bIns="45000"/>
+          <a:lstStyle/>
+          <a:p>
+            <a:pPr>
+              <a:lnSpc>
+                <a:spcPct val="100000"/>
+              </a:lnSpc>
+            </a:pPr>
+            <a:r>
+              <a:rPr lang="en-US">
+                <a:solidFill>
+                  <a:srgbClr val="FF0000"/>
+                </a:solidFill>
+                <a:latin typeface="Calibri"/>
+              </a:rPr>
+              <a:t>7</a:t>
+            </a:r>
+            <a:endParaRPr/>
+          </a:p>
+        </p:txBody>
+      </p:sp>
+      <p:sp>
+        <p:nvSpPr>
+          <p:cNvPr id="83" name="CustomShape 80"/>
+          <p:cNvSpPr/>
+          <p:nvPr/>
+        </p:nvSpPr>
+        <p:spPr>
+          <a:xfrm>
+            <a:off x="7151760" y="1737360"/>
+            <a:ext cx="306000" cy="364680"/>
+          </a:xfrm>
+          <a:prstGeom prst="rect">
+            <a:avLst/>
+          </a:prstGeom>
+          <a:noFill/>
+          <a:ln>
+            <a:noFill/>
+          </a:ln>
+        </p:spPr>
+        <p:txBody>
+          <a:bodyPr wrap="none" lIns="90000" tIns="45000" rIns="90000" bIns="45000"/>
+          <a:lstStyle/>
+          <a:p>
+            <a:pPr>
+              <a:lnSpc>
+                <a:spcPct val="100000"/>
+              </a:lnSpc>
+            </a:pPr>
+            <a:r>
+              <a:rPr lang="en-US">
+                <a:solidFill>
+                  <a:srgbClr val="FF0000"/>
+                </a:solidFill>
+                <a:latin typeface="Calibri"/>
+              </a:rPr>
+              <a:t>9</a:t>
+            </a:r>
+            <a:endParaRPr/>
+          </a:p>
+        </p:txBody>
+      </p:sp>
+      <p:sp>
+        <p:nvSpPr>
+          <p:cNvPr id="84" name="CustomShape 81"/>
+          <p:cNvSpPr/>
+          <p:nvPr/>
+        </p:nvSpPr>
+        <p:spPr>
+          <a:xfrm>
+            <a:off x="5968800" y="1755720"/>
+            <a:ext cx="306000" cy="364680"/>
+          </a:xfrm>
+          <a:prstGeom prst="rect">
+            <a:avLst/>
+          </a:prstGeom>
+          <a:noFill/>
+          <a:ln>
+            <a:noFill/>
+          </a:ln>
+        </p:spPr>
+        <p:txBody>
+          <a:bodyPr wrap="none" lIns="90000" tIns="45000" rIns="90000" bIns="45000"/>
+          <a:lstStyle/>
+          <a:p>
+            <a:pPr>
+              <a:lnSpc>
+                <a:spcPct val="100000"/>
+              </a:lnSpc>
+            </a:pPr>
+            <a:r>
+              <a:rPr lang="en-US">
+                <a:solidFill>
+                  <a:srgbClr val="FF0000"/>
+                </a:solidFill>
+                <a:latin typeface="Calibri"/>
+              </a:rPr>
+              <a:t>2</a:t>
+            </a:r>
+            <a:endParaRPr/>
+          </a:p>
+        </p:txBody>
+      </p:sp>
+      <p:sp>
+        <p:nvSpPr>
+          <p:cNvPr id="85" name="CustomShape 82"/>
+          <p:cNvSpPr/>
+          <p:nvPr/>
+        </p:nvSpPr>
+        <p:spPr>
+          <a:xfrm>
+            <a:off x="4865400" y="1765440"/>
+            <a:ext cx="306000" cy="364680"/>
+          </a:xfrm>
+          <a:prstGeom prst="rect">
+            <a:avLst/>
+          </a:prstGeom>
+          <a:noFill/>
+          <a:ln>
+            <a:noFill/>
+          </a:ln>
+        </p:spPr>
+        <p:txBody>
+          <a:bodyPr wrap="none" lIns="90000" tIns="45000" rIns="90000" bIns="45000"/>
+          <a:lstStyle/>
+          <a:p>
+            <a:pPr>
+              <a:lnSpc>
+                <a:spcPct val="100000"/>
+              </a:lnSpc>
+            </a:pPr>
+            <a:r>
+              <a:rPr lang="en-US">
+                <a:solidFill>
+                  <a:srgbClr val="FF0000"/>
+                </a:solidFill>
+                <a:latin typeface="Calibri"/>
+              </a:rPr>
+              <a:t>9</a:t>
+            </a:r>
+            <a:endParaRPr/>
+          </a:p>
+        </p:txBody>
+      </p:sp>
+      <p:sp>
+        <p:nvSpPr>
+          <p:cNvPr id="86" name="CustomShape 83"/>
+          <p:cNvSpPr/>
+          <p:nvPr/>
+        </p:nvSpPr>
+        <p:spPr>
+          <a:xfrm>
+            <a:off x="3631320" y="1720080"/>
+            <a:ext cx="306000" cy="364680"/>
+          </a:xfrm>
+          <a:prstGeom prst="rect">
+            <a:avLst/>
+          </a:prstGeom>
+          <a:noFill/>
+          <a:ln>
+            <a:noFill/>
+          </a:ln>
+        </p:spPr>
+        <p:txBody>
+          <a:bodyPr wrap="none" lIns="90000" tIns="45000" rIns="90000" bIns="45000"/>
+          <a:lstStyle/>
+          <a:p>
+            <a:pPr>
+              <a:lnSpc>
+                <a:spcPct val="100000"/>
+              </a:lnSpc>
+            </a:pPr>
+            <a:r>
+              <a:rPr lang="en-US" b="1" dirty="0">
+                <a:solidFill>
+                  <a:schemeClr val="accent4"/>
+                </a:solidFill>
+                <a:latin typeface="Calibri"/>
+              </a:rPr>
+              <a:t>6</a:t>
+            </a:r>
+            <a:endParaRPr b="1" dirty="0">
+              <a:solidFill>
+                <a:schemeClr val="accent4"/>
+              </a:solidFill>
+            </a:endParaRPr>
+          </a:p>
+        </p:txBody>
+      </p:sp>
+      <p:sp>
+        <p:nvSpPr>
+          <p:cNvPr id="87" name="CustomShape 84"/>
+          <p:cNvSpPr/>
+          <p:nvPr/>
+        </p:nvSpPr>
+        <p:spPr>
+          <a:xfrm>
+            <a:off x="4217760" y="804960"/>
+            <a:ext cx="432720" cy="364680"/>
+          </a:xfrm>
+          <a:prstGeom prst="rect">
+            <a:avLst/>
+          </a:prstGeom>
+          <a:noFill/>
+          <a:ln>
+            <a:noFill/>
+          </a:ln>
+        </p:spPr>
+        <p:txBody>
+          <a:bodyPr wrap="none" lIns="90000" tIns="45000" rIns="90000" bIns="45000"/>
+          <a:lstStyle/>
+          <a:p>
+            <a:pPr>
+              <a:lnSpc>
+                <a:spcPct val="100000"/>
+              </a:lnSpc>
+            </a:pPr>
+            <a:r>
+              <a:rPr lang="en-US">
+                <a:solidFill>
+                  <a:srgbClr val="FF0000"/>
+                </a:solidFill>
+                <a:latin typeface="Calibri"/>
+              </a:rPr>
+              <a:t>16</a:t>
+            </a:r>
+            <a:endParaRPr/>
+          </a:p>
+        </p:txBody>
+      </p:sp>
+      <p:sp>
+        <p:nvSpPr>
+          <p:cNvPr id="88" name="CustomShape 85"/>
+          <p:cNvSpPr/>
+          <p:nvPr/>
+        </p:nvSpPr>
+        <p:spPr>
+          <a:xfrm>
+            <a:off x="6512400" y="891360"/>
+            <a:ext cx="432720" cy="364680"/>
+          </a:xfrm>
+          <a:prstGeom prst="rect">
+            <a:avLst/>
+          </a:prstGeom>
+          <a:noFill/>
+          <a:ln>
+            <a:noFill/>
+          </a:ln>
+        </p:spPr>
+        <p:txBody>
+          <a:bodyPr wrap="none" lIns="90000" tIns="45000" rIns="90000" bIns="45000"/>
+          <a:lstStyle/>
+          <a:p>
+            <a:pPr>
+              <a:lnSpc>
+                <a:spcPct val="100000"/>
+              </a:lnSpc>
+            </a:pPr>
+            <a:r>
+              <a:rPr lang="en-US">
+                <a:solidFill>
+                  <a:srgbClr val="FF0000"/>
+                </a:solidFill>
+                <a:latin typeface="Calibri"/>
+              </a:rPr>
+              <a:t>12</a:t>
+            </a:r>
+            <a:endParaRPr/>
+          </a:p>
+        </p:txBody>
+      </p:sp>
+      <p:sp>
+        <p:nvSpPr>
+          <p:cNvPr id="89" name="CustomShape 86"/>
+          <p:cNvSpPr/>
+          <p:nvPr/>
+        </p:nvSpPr>
+        <p:spPr>
+          <a:xfrm>
+            <a:off x="5402880" y="153360"/>
+            <a:ext cx="432720" cy="364680"/>
+          </a:xfrm>
+          <a:prstGeom prst="rect">
+            <a:avLst/>
+          </a:prstGeom>
+          <a:noFill/>
+          <a:ln>
+            <a:noFill/>
+          </a:ln>
+        </p:spPr>
+        <p:txBody>
+          <a:bodyPr wrap="none" lIns="90000" tIns="45000" rIns="90000" bIns="45000"/>
+          <a:lstStyle/>
+          <a:p>
+            <a:pPr>
+              <a:lnSpc>
+                <a:spcPct val="100000"/>
+              </a:lnSpc>
+            </a:pPr>
+            <a:r>
+              <a:rPr lang="en-US">
+                <a:solidFill>
+                  <a:srgbClr val="FF0000"/>
+                </a:solidFill>
+                <a:latin typeface="Calibri"/>
+              </a:rPr>
+              <a:t>29</a:t>
+            </a:r>
+            <a:endParaRPr/>
+          </a:p>
+        </p:txBody>
+      </p:sp>
+    </p:spTree>
+    <p:extLst>
+      <p:ext uri="{BB962C8B-B14F-4D97-AF65-F5344CB8AC3E}">
+        <p14:creationId xmlns:p14="http://schemas.microsoft.com/office/powerpoint/2010/main" val="1456433907"/>
+      </p:ext>
+    </p:extLst>
+  </p:cSld>
+  <p:clrMapOvr>
+    <a:masterClrMapping/>
+  </p:clrMapOvr>
 </p:sld>
 </file>
 
@@ -7787,6 +14500,8 @@
       </a:bgFillStyleLst>
     </a:fmtScheme>
   </a:themeElements>
+  <a:objectDefaults/>
+  <a:extraClrSchemeLst/>
 </a:theme>
 </file>
 
@@ -8010,5 +14725,7 @@
       </a:bgFillStyleLst>
     </a:fmtScheme>
   </a:themeElements>
+  <a:objectDefaults/>
+  <a:extraClrSchemeLst/>
 </a:theme>
 </file>